--- a/Team 3 Project Deliverable/Final Presentation.pptx
+++ b/Team 3 Project Deliverable/Final Presentation.pptx
@@ -4,9 +4,18 @@
   <p:sldMasterIdLst>
     <p:sldMasterId id="2147483648" r:id="rId1"/>
   </p:sldMasterIdLst>
+  <p:notesMasterIdLst>
+    <p:notesMasterId r:id="rId10"/>
+  </p:notesMasterIdLst>
   <p:sldIdLst>
     <p:sldId id="256" r:id="rId2"/>
     <p:sldId id="257" r:id="rId3"/>
+    <p:sldId id="263" r:id="rId4"/>
+    <p:sldId id="264" r:id="rId5"/>
+    <p:sldId id="265" r:id="rId6"/>
+    <p:sldId id="266" r:id="rId7"/>
+    <p:sldId id="267" r:id="rId8"/>
+    <p:sldId id="262" r:id="rId9"/>
   </p:sldIdLst>
   <p:sldSz cx="12192000" cy="6858000"/>
   <p:notesSz cx="6858000" cy="9144000"/>
@@ -105,13 +114,18 @@
       </a:defRPr>
     </a:lvl9pPr>
   </p:defaultTextStyle>
+  <p:extLst>
+    <p:ext uri="{EFAFB233-063F-42B5-8137-9DF3F51BA10A}">
+      <p15:sldGuideLst xmlns:p15="http://schemas.microsoft.com/office/powerpoint/2012/main"/>
+    </p:ext>
+  </p:extLst>
 </p:presentation>
 </file>
 
 <file path=ppt/revisionInfo.xml><?xml version="1.0" encoding="utf-8"?>
 <p1510:revInfo xmlns:a="http://schemas.openxmlformats.org/drawingml/2006/main" xmlns:r="http://schemas.openxmlformats.org/officeDocument/2006/relationships" xmlns:p1510="http://schemas.microsoft.com/office/powerpoint/2015/10/main">
   <p1510:revLst>
-    <p1510:client id="{79DF058E-2E0C-4722-BE4F-4C1F25848637}" v="1" dt="2022-05-02T06:03:07.779"/>
+    <p1510:client id="{79DF058E-2E0C-4722-BE4F-4C1F25848637}" v="13" dt="2022-05-03T04:28:09.435"/>
   </p1510:revLst>
 </p1510:revInfo>
 </file>
@@ -121,7 +135,7 @@
   <pc:docChgLst>
     <pc:chgData name="之皓 辜" userId="7e541bd579ed2d47" providerId="LiveId" clId="{79DF058E-2E0C-4722-BE4F-4C1F25848637}"/>
     <pc:docChg chg="undo custSel addSld modSld">
-      <pc:chgData name="之皓 辜" userId="7e541bd579ed2d47" providerId="LiveId" clId="{79DF058E-2E0C-4722-BE4F-4C1F25848637}" dt="2022-05-02T06:03:07.779" v="44"/>
+      <pc:chgData name="之皓 辜" userId="7e541bd579ed2d47" providerId="LiveId" clId="{79DF058E-2E0C-4722-BE4F-4C1F25848637}" dt="2022-05-03T05:41:13.350" v="612" actId="20577"/>
       <pc:docMkLst>
         <pc:docMk/>
       </pc:docMkLst>
@@ -171,9 +185,548 @@
           </ac:spMkLst>
         </pc:spChg>
       </pc:sldChg>
+      <pc:sldChg chg="addSp delSp modSp add mod">
+        <pc:chgData name="之皓 辜" userId="7e541bd579ed2d47" providerId="LiveId" clId="{79DF058E-2E0C-4722-BE4F-4C1F25848637}" dt="2022-05-03T05:41:13.350" v="612" actId="20577"/>
+        <pc:sldMkLst>
+          <pc:docMk/>
+          <pc:sldMk cId="2961724078" sldId="262"/>
+        </pc:sldMkLst>
+        <pc:spChg chg="mod">
+          <ac:chgData name="之皓 辜" userId="7e541bd579ed2d47" providerId="LiveId" clId="{79DF058E-2E0C-4722-BE4F-4C1F25848637}" dt="2022-05-03T05:41:13.350" v="612" actId="20577"/>
+          <ac:spMkLst>
+            <pc:docMk/>
+            <pc:sldMk cId="2961724078" sldId="262"/>
+            <ac:spMk id="3" creationId="{99AB12A4-8D4F-4DA7-B215-CF50025A5537}"/>
+          </ac:spMkLst>
+        </pc:spChg>
+        <pc:spChg chg="add del">
+          <ac:chgData name="之皓 辜" userId="7e541bd579ed2d47" providerId="LiveId" clId="{79DF058E-2E0C-4722-BE4F-4C1F25848637}" dt="2022-05-03T04:28:05.642" v="254"/>
+          <ac:spMkLst>
+            <pc:docMk/>
+            <pc:sldMk cId="2961724078" sldId="262"/>
+            <ac:spMk id="4" creationId="{8603F507-29EE-BE5A-963B-43CB77122255}"/>
+          </ac:spMkLst>
+        </pc:spChg>
+        <pc:spChg chg="add del">
+          <ac:chgData name="之皓 辜" userId="7e541bd579ed2d47" providerId="LiveId" clId="{79DF058E-2E0C-4722-BE4F-4C1F25848637}" dt="2022-05-03T04:28:07.524" v="256"/>
+          <ac:spMkLst>
+            <pc:docMk/>
+            <pc:sldMk cId="2961724078" sldId="262"/>
+            <ac:spMk id="5" creationId="{F77DC9FE-D42D-C43C-8D1C-DCFAA38E9102}"/>
+          </ac:spMkLst>
+        </pc:spChg>
+        <pc:spChg chg="add del">
+          <ac:chgData name="之皓 辜" userId="7e541bd579ed2d47" providerId="LiveId" clId="{79DF058E-2E0C-4722-BE4F-4C1F25848637}" dt="2022-05-03T04:28:09.435" v="258"/>
+          <ac:spMkLst>
+            <pc:docMk/>
+            <pc:sldMk cId="2961724078" sldId="262"/>
+            <ac:spMk id="6" creationId="{A532B2A6-7028-E065-B0A6-5CF8C095E782}"/>
+          </ac:spMkLst>
+        </pc:spChg>
+      </pc:sldChg>
+      <pc:sldChg chg="new">
+        <pc:chgData name="之皓 辜" userId="7e541bd579ed2d47" providerId="LiveId" clId="{79DF058E-2E0C-4722-BE4F-4C1F25848637}" dt="2022-05-03T04:30:05.554" v="267" actId="680"/>
+        <pc:sldMkLst>
+          <pc:docMk/>
+          <pc:sldMk cId="2135914280" sldId="263"/>
+        </pc:sldMkLst>
+      </pc:sldChg>
+      <pc:sldChg chg="new">
+        <pc:chgData name="之皓 辜" userId="7e541bd579ed2d47" providerId="LiveId" clId="{79DF058E-2E0C-4722-BE4F-4C1F25848637}" dt="2022-05-03T04:30:05.770" v="268" actId="680"/>
+        <pc:sldMkLst>
+          <pc:docMk/>
+          <pc:sldMk cId="1022795079" sldId="264"/>
+        </pc:sldMkLst>
+      </pc:sldChg>
+      <pc:sldChg chg="new">
+        <pc:chgData name="之皓 辜" userId="7e541bd579ed2d47" providerId="LiveId" clId="{79DF058E-2E0C-4722-BE4F-4C1F25848637}" dt="2022-05-03T04:30:05.972" v="269" actId="680"/>
+        <pc:sldMkLst>
+          <pc:docMk/>
+          <pc:sldMk cId="3305979141" sldId="265"/>
+        </pc:sldMkLst>
+      </pc:sldChg>
+      <pc:sldChg chg="new">
+        <pc:chgData name="之皓 辜" userId="7e541bd579ed2d47" providerId="LiveId" clId="{79DF058E-2E0C-4722-BE4F-4C1F25848637}" dt="2022-05-03T04:30:06.132" v="270" actId="680"/>
+        <pc:sldMkLst>
+          <pc:docMk/>
+          <pc:sldMk cId="3954431065" sldId="266"/>
+        </pc:sldMkLst>
+      </pc:sldChg>
+      <pc:sldChg chg="addSp delSp modSp new mod">
+        <pc:chgData name="之皓 辜" userId="7e541bd579ed2d47" providerId="LiveId" clId="{79DF058E-2E0C-4722-BE4F-4C1F25848637}" dt="2022-05-03T05:33:37.162" v="604" actId="20577"/>
+        <pc:sldMkLst>
+          <pc:docMk/>
+          <pc:sldMk cId="2036234987" sldId="267"/>
+        </pc:sldMkLst>
+        <pc:spChg chg="mod">
+          <ac:chgData name="之皓 辜" userId="7e541bd579ed2d47" providerId="LiveId" clId="{79DF058E-2E0C-4722-BE4F-4C1F25848637}" dt="2022-05-03T04:59:41.209" v="493" actId="20577"/>
+          <ac:spMkLst>
+            <pc:docMk/>
+            <pc:sldMk cId="2036234987" sldId="267"/>
+            <ac:spMk id="2" creationId="{E99262E5-A774-8DEC-1449-24D499ADC7DC}"/>
+          </ac:spMkLst>
+        </pc:spChg>
+        <pc:spChg chg="del">
+          <ac:chgData name="之皓 辜" userId="7e541bd579ed2d47" providerId="LiveId" clId="{79DF058E-2E0C-4722-BE4F-4C1F25848637}" dt="2022-05-03T04:57:47.364" v="485" actId="22"/>
+          <ac:spMkLst>
+            <pc:docMk/>
+            <pc:sldMk cId="2036234987" sldId="267"/>
+            <ac:spMk id="3" creationId="{7716FAC1-2DC6-E342-8FE8-AD2FA219FB8B}"/>
+          </ac:spMkLst>
+        </pc:spChg>
+        <pc:spChg chg="add mod">
+          <ac:chgData name="之皓 辜" userId="7e541bd579ed2d47" providerId="LiveId" clId="{79DF058E-2E0C-4722-BE4F-4C1F25848637}" dt="2022-05-03T05:33:37.162" v="604" actId="20577"/>
+          <ac:spMkLst>
+            <pc:docMk/>
+            <pc:sldMk cId="2036234987" sldId="267"/>
+            <ac:spMk id="7" creationId="{44E7CEC9-BA37-73CA-1FC5-F16C873A3BBA}"/>
+          </ac:spMkLst>
+        </pc:spChg>
+        <pc:picChg chg="add del mod ord">
+          <ac:chgData name="之皓 辜" userId="7e541bd579ed2d47" providerId="LiveId" clId="{79DF058E-2E0C-4722-BE4F-4C1F25848637}" dt="2022-05-03T04:58:11.080" v="487" actId="478"/>
+          <ac:picMkLst>
+            <pc:docMk/>
+            <pc:sldMk cId="2036234987" sldId="267"/>
+            <ac:picMk id="5" creationId="{73A7FB54-2FE2-9C60-857A-7946F17729BF}"/>
+          </ac:picMkLst>
+        </pc:picChg>
+      </pc:sldChg>
     </pc:docChg>
   </pc:docChgLst>
 </pc:chgInfo>
+</file>
+
+<file path=ppt/notesMasters/notesMaster1.xml><?xml version="1.0" encoding="utf-8"?>
+<p:notesMaster xmlns:a="http://schemas.openxmlformats.org/drawingml/2006/main" xmlns:r="http://schemas.openxmlformats.org/officeDocument/2006/relationships" xmlns:p="http://schemas.openxmlformats.org/presentationml/2006/main">
+  <p:cSld>
+    <p:bg>
+      <p:bgRef idx="1001">
+        <a:schemeClr val="bg1"/>
+      </p:bgRef>
+    </p:bg>
+    <p:spTree>
+      <p:nvGrpSpPr>
+        <p:cNvPr id="1" name=""/>
+        <p:cNvGrpSpPr/>
+        <p:nvPr/>
+      </p:nvGrpSpPr>
+      <p:grpSpPr>
+        <a:xfrm>
+          <a:off x="0" y="0"/>
+          <a:ext cx="0" cy="0"/>
+          <a:chOff x="0" y="0"/>
+          <a:chExt cx="0" cy="0"/>
+        </a:xfrm>
+      </p:grpSpPr>
+      <p:sp>
+        <p:nvSpPr>
+          <p:cNvPr id="2" name="页眉占位符 1"/>
+          <p:cNvSpPr>
+            <a:spLocks noGrp="1"/>
+          </p:cNvSpPr>
+          <p:nvPr>
+            <p:ph type="hdr" sz="quarter"/>
+          </p:nvPr>
+        </p:nvSpPr>
+        <p:spPr>
+          <a:xfrm>
+            <a:off x="0" y="0"/>
+            <a:ext cx="2971800" cy="458788"/>
+          </a:xfrm>
+          <a:prstGeom prst="rect">
+            <a:avLst/>
+          </a:prstGeom>
+        </p:spPr>
+        <p:txBody>
+          <a:bodyPr vert="horz" lIns="91440" tIns="45720" rIns="91440" bIns="45720" rtlCol="0"/>
+          <a:lstStyle>
+            <a:lvl1pPr algn="l">
+              <a:defRPr sz="1200"/>
+            </a:lvl1pPr>
+          </a:lstStyle>
+          <a:p>
+            <a:endParaRPr lang="zh-CN" altLang="en-US"/>
+          </a:p>
+        </p:txBody>
+      </p:sp>
+      <p:sp>
+        <p:nvSpPr>
+          <p:cNvPr id="3" name="日期占位符 2"/>
+          <p:cNvSpPr>
+            <a:spLocks noGrp="1"/>
+          </p:cNvSpPr>
+          <p:nvPr>
+            <p:ph type="dt" idx="1"/>
+          </p:nvPr>
+        </p:nvSpPr>
+        <p:spPr>
+          <a:xfrm>
+            <a:off x="3884613" y="0"/>
+            <a:ext cx="2971800" cy="458788"/>
+          </a:xfrm>
+          <a:prstGeom prst="rect">
+            <a:avLst/>
+          </a:prstGeom>
+        </p:spPr>
+        <p:txBody>
+          <a:bodyPr vert="horz" lIns="91440" tIns="45720" rIns="91440" bIns="45720" rtlCol="0"/>
+          <a:lstStyle>
+            <a:lvl1pPr algn="r">
+              <a:defRPr sz="1200"/>
+            </a:lvl1pPr>
+          </a:lstStyle>
+          <a:p>
+            <a:fld id="{03C73472-8066-4150-8EB5-E9AD2BE72F73}" type="datetimeFigureOut">
+              <a:rPr lang="zh-CN" altLang="en-US" smtClean="0"/>
+              <a:t>2022/5/3</a:t>
+            </a:fld>
+            <a:endParaRPr lang="zh-CN" altLang="en-US"/>
+          </a:p>
+        </p:txBody>
+      </p:sp>
+      <p:sp>
+        <p:nvSpPr>
+          <p:cNvPr id="4" name="幻灯片图像占位符 3"/>
+          <p:cNvSpPr>
+            <a:spLocks noGrp="1" noRot="1" noChangeAspect="1"/>
+          </p:cNvSpPr>
+          <p:nvPr>
+            <p:ph type="sldImg" idx="2"/>
+          </p:nvPr>
+        </p:nvSpPr>
+        <p:spPr>
+          <a:xfrm>
+            <a:off x="685800" y="1143000"/>
+            <a:ext cx="5486400" cy="3086100"/>
+          </a:xfrm>
+          <a:prstGeom prst="rect">
+            <a:avLst/>
+          </a:prstGeom>
+          <a:noFill/>
+          <a:ln w="12700">
+            <a:solidFill>
+              <a:prstClr val="black"/>
+            </a:solidFill>
+          </a:ln>
+        </p:spPr>
+        <p:txBody>
+          <a:bodyPr vert="horz" lIns="91440" tIns="45720" rIns="91440" bIns="45720" rtlCol="0" anchor="ctr"/>
+          <a:lstStyle/>
+          <a:p>
+            <a:endParaRPr lang="zh-CN" altLang="en-US"/>
+          </a:p>
+        </p:txBody>
+      </p:sp>
+      <p:sp>
+        <p:nvSpPr>
+          <p:cNvPr id="5" name="备注占位符 4"/>
+          <p:cNvSpPr>
+            <a:spLocks noGrp="1"/>
+          </p:cNvSpPr>
+          <p:nvPr>
+            <p:ph type="body" sz="quarter" idx="3"/>
+          </p:nvPr>
+        </p:nvSpPr>
+        <p:spPr>
+          <a:xfrm>
+            <a:off x="685800" y="4400550"/>
+            <a:ext cx="5486400" cy="3600450"/>
+          </a:xfrm>
+          <a:prstGeom prst="rect">
+            <a:avLst/>
+          </a:prstGeom>
+        </p:spPr>
+        <p:txBody>
+          <a:bodyPr vert="horz" lIns="91440" tIns="45720" rIns="91440" bIns="45720" rtlCol="0"/>
+          <a:lstStyle/>
+          <a:p>
+            <a:pPr lvl="0"/>
+            <a:r>
+              <a:rPr lang="zh-CN" altLang="en-US"/>
+              <a:t>单击此处编辑母版文本样式</a:t>
+            </a:r>
+          </a:p>
+          <a:p>
+            <a:pPr lvl="1"/>
+            <a:r>
+              <a:rPr lang="zh-CN" altLang="en-US"/>
+              <a:t>二级</a:t>
+            </a:r>
+          </a:p>
+          <a:p>
+            <a:pPr lvl="2"/>
+            <a:r>
+              <a:rPr lang="zh-CN" altLang="en-US"/>
+              <a:t>三级</a:t>
+            </a:r>
+          </a:p>
+          <a:p>
+            <a:pPr lvl="3"/>
+            <a:r>
+              <a:rPr lang="zh-CN" altLang="en-US"/>
+              <a:t>四级</a:t>
+            </a:r>
+          </a:p>
+          <a:p>
+            <a:pPr lvl="4"/>
+            <a:r>
+              <a:rPr lang="zh-CN" altLang="en-US"/>
+              <a:t>五级</a:t>
+            </a:r>
+          </a:p>
+        </p:txBody>
+      </p:sp>
+      <p:sp>
+        <p:nvSpPr>
+          <p:cNvPr id="6" name="页脚占位符 5"/>
+          <p:cNvSpPr>
+            <a:spLocks noGrp="1"/>
+          </p:cNvSpPr>
+          <p:nvPr>
+            <p:ph type="ftr" sz="quarter" idx="4"/>
+          </p:nvPr>
+        </p:nvSpPr>
+        <p:spPr>
+          <a:xfrm>
+            <a:off x="0" y="8685213"/>
+            <a:ext cx="2971800" cy="458787"/>
+          </a:xfrm>
+          <a:prstGeom prst="rect">
+            <a:avLst/>
+          </a:prstGeom>
+        </p:spPr>
+        <p:txBody>
+          <a:bodyPr vert="horz" lIns="91440" tIns="45720" rIns="91440" bIns="45720" rtlCol="0" anchor="b"/>
+          <a:lstStyle>
+            <a:lvl1pPr algn="l">
+              <a:defRPr sz="1200"/>
+            </a:lvl1pPr>
+          </a:lstStyle>
+          <a:p>
+            <a:endParaRPr lang="zh-CN" altLang="en-US"/>
+          </a:p>
+        </p:txBody>
+      </p:sp>
+      <p:sp>
+        <p:nvSpPr>
+          <p:cNvPr id="7" name="灯片编号占位符 6"/>
+          <p:cNvSpPr>
+            <a:spLocks noGrp="1"/>
+          </p:cNvSpPr>
+          <p:nvPr>
+            <p:ph type="sldNum" sz="quarter" idx="5"/>
+          </p:nvPr>
+        </p:nvSpPr>
+        <p:spPr>
+          <a:xfrm>
+            <a:off x="3884613" y="8685213"/>
+            <a:ext cx="2971800" cy="458787"/>
+          </a:xfrm>
+          <a:prstGeom prst="rect">
+            <a:avLst/>
+          </a:prstGeom>
+        </p:spPr>
+        <p:txBody>
+          <a:bodyPr vert="horz" lIns="91440" tIns="45720" rIns="91440" bIns="45720" rtlCol="0" anchor="b"/>
+          <a:lstStyle>
+            <a:lvl1pPr algn="r">
+              <a:defRPr sz="1200"/>
+            </a:lvl1pPr>
+          </a:lstStyle>
+          <a:p>
+            <a:fld id="{474EE073-2A52-430B-BC8F-0C3B3CF099B4}" type="slidenum">
+              <a:rPr lang="zh-CN" altLang="en-US" smtClean="0"/>
+              <a:t>‹#›</a:t>
+            </a:fld>
+            <a:endParaRPr lang="zh-CN" altLang="en-US"/>
+          </a:p>
+        </p:txBody>
+      </p:sp>
+    </p:spTree>
+    <p:extLst>
+      <p:ext uri="{BB962C8B-B14F-4D97-AF65-F5344CB8AC3E}">
+        <p14:creationId xmlns:p14="http://schemas.microsoft.com/office/powerpoint/2010/main" val="3999560006"/>
+      </p:ext>
+    </p:extLst>
+  </p:cSld>
+  <p:clrMap bg1="lt1" tx1="dk1" bg2="lt2" tx2="dk2" accent1="accent1" accent2="accent2" accent3="accent3" accent4="accent4" accent5="accent5" accent6="accent6" hlink="hlink" folHlink="folHlink"/>
+  <p:notesStyle>
+    <a:lvl1pPr marL="0" algn="l" defTabSz="914400" rtl="0" eaLnBrk="1" latinLnBrk="0" hangingPunct="1">
+      <a:defRPr sz="1200" kern="1200">
+        <a:solidFill>
+          <a:schemeClr val="tx1"/>
+        </a:solidFill>
+        <a:latin typeface="+mn-lt"/>
+        <a:ea typeface="+mn-ea"/>
+        <a:cs typeface="+mn-cs"/>
+      </a:defRPr>
+    </a:lvl1pPr>
+    <a:lvl2pPr marL="457200" algn="l" defTabSz="914400" rtl="0" eaLnBrk="1" latinLnBrk="0" hangingPunct="1">
+      <a:defRPr sz="1200" kern="1200">
+        <a:solidFill>
+          <a:schemeClr val="tx1"/>
+        </a:solidFill>
+        <a:latin typeface="+mn-lt"/>
+        <a:ea typeface="+mn-ea"/>
+        <a:cs typeface="+mn-cs"/>
+      </a:defRPr>
+    </a:lvl2pPr>
+    <a:lvl3pPr marL="914400" algn="l" defTabSz="914400" rtl="0" eaLnBrk="1" latinLnBrk="0" hangingPunct="1">
+      <a:defRPr sz="1200" kern="1200">
+        <a:solidFill>
+          <a:schemeClr val="tx1"/>
+        </a:solidFill>
+        <a:latin typeface="+mn-lt"/>
+        <a:ea typeface="+mn-ea"/>
+        <a:cs typeface="+mn-cs"/>
+      </a:defRPr>
+    </a:lvl3pPr>
+    <a:lvl4pPr marL="1371600" algn="l" defTabSz="914400" rtl="0" eaLnBrk="1" latinLnBrk="0" hangingPunct="1">
+      <a:defRPr sz="1200" kern="1200">
+        <a:solidFill>
+          <a:schemeClr val="tx1"/>
+        </a:solidFill>
+        <a:latin typeface="+mn-lt"/>
+        <a:ea typeface="+mn-ea"/>
+        <a:cs typeface="+mn-cs"/>
+      </a:defRPr>
+    </a:lvl4pPr>
+    <a:lvl5pPr marL="1828800" algn="l" defTabSz="914400" rtl="0" eaLnBrk="1" latinLnBrk="0" hangingPunct="1">
+      <a:defRPr sz="1200" kern="1200">
+        <a:solidFill>
+          <a:schemeClr val="tx1"/>
+        </a:solidFill>
+        <a:latin typeface="+mn-lt"/>
+        <a:ea typeface="+mn-ea"/>
+        <a:cs typeface="+mn-cs"/>
+      </a:defRPr>
+    </a:lvl5pPr>
+    <a:lvl6pPr marL="2286000" algn="l" defTabSz="914400" rtl="0" eaLnBrk="1" latinLnBrk="0" hangingPunct="1">
+      <a:defRPr sz="1200" kern="1200">
+        <a:solidFill>
+          <a:schemeClr val="tx1"/>
+        </a:solidFill>
+        <a:latin typeface="+mn-lt"/>
+        <a:ea typeface="+mn-ea"/>
+        <a:cs typeface="+mn-cs"/>
+      </a:defRPr>
+    </a:lvl6pPr>
+    <a:lvl7pPr marL="2743200" algn="l" defTabSz="914400" rtl="0" eaLnBrk="1" latinLnBrk="0" hangingPunct="1">
+      <a:defRPr sz="1200" kern="1200">
+        <a:solidFill>
+          <a:schemeClr val="tx1"/>
+        </a:solidFill>
+        <a:latin typeface="+mn-lt"/>
+        <a:ea typeface="+mn-ea"/>
+        <a:cs typeface="+mn-cs"/>
+      </a:defRPr>
+    </a:lvl7pPr>
+    <a:lvl8pPr marL="3200400" algn="l" defTabSz="914400" rtl="0" eaLnBrk="1" latinLnBrk="0" hangingPunct="1">
+      <a:defRPr sz="1200" kern="1200">
+        <a:solidFill>
+          <a:schemeClr val="tx1"/>
+        </a:solidFill>
+        <a:latin typeface="+mn-lt"/>
+        <a:ea typeface="+mn-ea"/>
+        <a:cs typeface="+mn-cs"/>
+      </a:defRPr>
+    </a:lvl8pPr>
+    <a:lvl9pPr marL="3657600" algn="l" defTabSz="914400" rtl="0" eaLnBrk="1" latinLnBrk="0" hangingPunct="1">
+      <a:defRPr sz="1200" kern="1200">
+        <a:solidFill>
+          <a:schemeClr val="tx1"/>
+        </a:solidFill>
+        <a:latin typeface="+mn-lt"/>
+        <a:ea typeface="+mn-ea"/>
+        <a:cs typeface="+mn-cs"/>
+      </a:defRPr>
+    </a:lvl9pPr>
+  </p:notesStyle>
+</p:notesMaster>
+</file>
+
+<file path=ppt/notesSlides/notesSlide1.xml><?xml version="1.0" encoding="utf-8"?>
+<p:notes xmlns:a="http://schemas.openxmlformats.org/drawingml/2006/main" xmlns:r="http://schemas.openxmlformats.org/officeDocument/2006/relationships" xmlns:p="http://schemas.openxmlformats.org/presentationml/2006/main">
+  <p:cSld>
+    <p:spTree>
+      <p:nvGrpSpPr>
+        <p:cNvPr id="1" name=""/>
+        <p:cNvGrpSpPr/>
+        <p:nvPr/>
+      </p:nvGrpSpPr>
+      <p:grpSpPr>
+        <a:xfrm>
+          <a:off x="0" y="0"/>
+          <a:ext cx="0" cy="0"/>
+          <a:chOff x="0" y="0"/>
+          <a:chExt cx="0" cy="0"/>
+        </a:xfrm>
+      </p:grpSpPr>
+      <p:sp>
+        <p:nvSpPr>
+          <p:cNvPr id="2" name="幻灯片图像占位符 1"/>
+          <p:cNvSpPr>
+            <a:spLocks noGrp="1" noRot="1" noChangeAspect="1"/>
+          </p:cNvSpPr>
+          <p:nvPr>
+            <p:ph type="sldImg"/>
+          </p:nvPr>
+        </p:nvSpPr>
+        <p:spPr/>
+      </p:sp>
+      <p:sp>
+        <p:nvSpPr>
+          <p:cNvPr id="3" name="备注占位符 2"/>
+          <p:cNvSpPr>
+            <a:spLocks noGrp="1"/>
+          </p:cNvSpPr>
+          <p:nvPr>
+            <p:ph type="body" idx="1"/>
+          </p:nvPr>
+        </p:nvSpPr>
+        <p:spPr/>
+        <p:txBody>
+          <a:bodyPr/>
+          <a:lstStyle/>
+          <a:p>
+            <a:endParaRPr lang="zh-CN" altLang="en-US" dirty="0"/>
+          </a:p>
+        </p:txBody>
+      </p:sp>
+      <p:sp>
+        <p:nvSpPr>
+          <p:cNvPr id="4" name="灯片编号占位符 3"/>
+          <p:cNvSpPr>
+            <a:spLocks noGrp="1"/>
+          </p:cNvSpPr>
+          <p:nvPr>
+            <p:ph type="sldNum" sz="quarter" idx="5"/>
+          </p:nvPr>
+        </p:nvSpPr>
+        <p:spPr/>
+        <p:txBody>
+          <a:bodyPr/>
+          <a:lstStyle/>
+          <a:p>
+            <a:fld id="{474EE073-2A52-430B-BC8F-0C3B3CF099B4}" type="slidenum">
+              <a:rPr lang="zh-CN" altLang="en-US" smtClean="0"/>
+              <a:t>8</a:t>
+            </a:fld>
+            <a:endParaRPr lang="zh-CN" altLang="en-US"/>
+          </a:p>
+        </p:txBody>
+      </p:sp>
+    </p:spTree>
+    <p:extLst>
+      <p:ext uri="{BB962C8B-B14F-4D97-AF65-F5344CB8AC3E}">
+        <p14:creationId xmlns:p14="http://schemas.microsoft.com/office/powerpoint/2010/main" val="1495951006"/>
+      </p:ext>
+    </p:extLst>
+  </p:cSld>
+  <p:clrMapOvr>
+    <a:masterClrMapping/>
+  </p:clrMapOvr>
+</p:notes>
 </file>
 
 <file path=ppt/slideLayouts/slideLayout1.xml><?xml version="1.0" encoding="utf-8"?>
@@ -323,7 +876,7 @@
           <a:p>
             <a:fld id="{180FFF0B-2889-43C0-854F-96AB7DFD89A0}" type="datetimeFigureOut">
               <a:rPr lang="zh-CN" altLang="en-US" smtClean="0"/>
-              <a:t>2022/5/2</a:t>
+              <a:t>2022/5/3</a:t>
             </a:fld>
             <a:endParaRPr lang="zh-CN" altLang="en-US"/>
           </a:p>
@@ -521,7 +1074,7 @@
           <a:p>
             <a:fld id="{180FFF0B-2889-43C0-854F-96AB7DFD89A0}" type="datetimeFigureOut">
               <a:rPr lang="zh-CN" altLang="en-US" smtClean="0"/>
-              <a:t>2022/5/2</a:t>
+              <a:t>2022/5/3</a:t>
             </a:fld>
             <a:endParaRPr lang="zh-CN" altLang="en-US"/>
           </a:p>
@@ -729,7 +1282,7 @@
           <a:p>
             <a:fld id="{180FFF0B-2889-43C0-854F-96AB7DFD89A0}" type="datetimeFigureOut">
               <a:rPr lang="zh-CN" altLang="en-US" smtClean="0"/>
-              <a:t>2022/5/2</a:t>
+              <a:t>2022/5/3</a:t>
             </a:fld>
             <a:endParaRPr lang="zh-CN" altLang="en-US"/>
           </a:p>
@@ -927,7 +1480,7 @@
           <a:p>
             <a:fld id="{180FFF0B-2889-43C0-854F-96AB7DFD89A0}" type="datetimeFigureOut">
               <a:rPr lang="zh-CN" altLang="en-US" smtClean="0"/>
-              <a:t>2022/5/2</a:t>
+              <a:t>2022/5/3</a:t>
             </a:fld>
             <a:endParaRPr lang="zh-CN" altLang="en-US"/>
           </a:p>
@@ -1202,7 +1755,7 @@
           <a:p>
             <a:fld id="{180FFF0B-2889-43C0-854F-96AB7DFD89A0}" type="datetimeFigureOut">
               <a:rPr lang="zh-CN" altLang="en-US" smtClean="0"/>
-              <a:t>2022/5/2</a:t>
+              <a:t>2022/5/3</a:t>
             </a:fld>
             <a:endParaRPr lang="zh-CN" altLang="en-US"/>
           </a:p>
@@ -1467,7 +2020,7 @@
           <a:p>
             <a:fld id="{180FFF0B-2889-43C0-854F-96AB7DFD89A0}" type="datetimeFigureOut">
               <a:rPr lang="zh-CN" altLang="en-US" smtClean="0"/>
-              <a:t>2022/5/2</a:t>
+              <a:t>2022/5/3</a:t>
             </a:fld>
             <a:endParaRPr lang="zh-CN" altLang="en-US"/>
           </a:p>
@@ -1879,7 +2432,7 @@
           <a:p>
             <a:fld id="{180FFF0B-2889-43C0-854F-96AB7DFD89A0}" type="datetimeFigureOut">
               <a:rPr lang="zh-CN" altLang="en-US" smtClean="0"/>
-              <a:t>2022/5/2</a:t>
+              <a:t>2022/5/3</a:t>
             </a:fld>
             <a:endParaRPr lang="zh-CN" altLang="en-US"/>
           </a:p>
@@ -2020,7 +2573,7 @@
           <a:p>
             <a:fld id="{180FFF0B-2889-43C0-854F-96AB7DFD89A0}" type="datetimeFigureOut">
               <a:rPr lang="zh-CN" altLang="en-US" smtClean="0"/>
-              <a:t>2022/5/2</a:t>
+              <a:t>2022/5/3</a:t>
             </a:fld>
             <a:endParaRPr lang="zh-CN" altLang="en-US"/>
           </a:p>
@@ -2133,7 +2686,7 @@
           <a:p>
             <a:fld id="{180FFF0B-2889-43C0-854F-96AB7DFD89A0}" type="datetimeFigureOut">
               <a:rPr lang="zh-CN" altLang="en-US" smtClean="0"/>
-              <a:t>2022/5/2</a:t>
+              <a:t>2022/5/3</a:t>
             </a:fld>
             <a:endParaRPr lang="zh-CN" altLang="en-US"/>
           </a:p>
@@ -2444,7 +2997,7 @@
           <a:p>
             <a:fld id="{180FFF0B-2889-43C0-854F-96AB7DFD89A0}" type="datetimeFigureOut">
               <a:rPr lang="zh-CN" altLang="en-US" smtClean="0"/>
-              <a:t>2022/5/2</a:t>
+              <a:t>2022/5/3</a:t>
             </a:fld>
             <a:endParaRPr lang="zh-CN" altLang="en-US"/>
           </a:p>
@@ -2732,7 +3285,7 @@
           <a:p>
             <a:fld id="{180FFF0B-2889-43C0-854F-96AB7DFD89A0}" type="datetimeFigureOut">
               <a:rPr lang="zh-CN" altLang="en-US" smtClean="0"/>
-              <a:t>2022/5/2</a:t>
+              <a:t>2022/5/3</a:t>
             </a:fld>
             <a:endParaRPr lang="zh-CN" altLang="en-US"/>
           </a:p>
@@ -2973,7 +3526,7 @@
           <a:p>
             <a:fld id="{180FFF0B-2889-43C0-854F-96AB7DFD89A0}" type="datetimeFigureOut">
               <a:rPr lang="zh-CN" altLang="en-US" smtClean="0"/>
-              <a:t>2022/5/2</a:t>
+              <a:t>2022/5/3</a:t>
             </a:fld>
             <a:endParaRPr lang="zh-CN" altLang="en-US"/>
           </a:p>
@@ -3442,47 +3995,7 @@
           <a:p>
             <a:r>
               <a:rPr lang="en-US" altLang="zh-CN" dirty="0"/>
-              <a:t>Team member: Zhihao Gu, </a:t>
-            </a:r>
-            <a:r>
-              <a:rPr lang="en-US" altLang="zh-CN" dirty="0" err="1"/>
-              <a:t>Chenyang</a:t>
-            </a:r>
-            <a:r>
-              <a:rPr lang="en-US" altLang="zh-CN" dirty="0"/>
-              <a:t> </a:t>
-            </a:r>
-            <a:r>
-              <a:rPr lang="en-US" altLang="zh-CN" dirty="0" err="1"/>
-              <a:t>zhang</a:t>
-            </a:r>
-            <a:r>
-              <a:rPr lang="en-US" altLang="zh-CN" dirty="0"/>
-              <a:t>, </a:t>
-            </a:r>
-            <a:r>
-              <a:rPr lang="en-US" altLang="zh-CN" dirty="0" err="1"/>
-              <a:t>Minghui</a:t>
-            </a:r>
-            <a:r>
-              <a:rPr lang="en-US" altLang="zh-CN" dirty="0"/>
-              <a:t> Yang, </a:t>
-            </a:r>
-            <a:r>
-              <a:rPr lang="en-US" altLang="zh-CN" dirty="0" err="1"/>
-              <a:t>Xiaohan</a:t>
-            </a:r>
-            <a:r>
-              <a:rPr lang="en-US" altLang="zh-CN" dirty="0"/>
-              <a:t> Zou, </a:t>
-            </a:r>
-            <a:r>
-              <a:rPr lang="en-US" altLang="zh-CN" dirty="0" err="1"/>
-              <a:t>Pengchao</a:t>
-            </a:r>
-            <a:r>
-              <a:rPr lang="en-US" altLang="zh-CN" dirty="0"/>
-              <a:t> Yuan.</a:t>
+              <a:t>Team member: Zhihao Gu, Chenyang zhang, Minghui Yang, Xiaohan Zou, Pengchao Yuan.</a:t>
             </a:r>
             <a:endParaRPr lang="zh-CN" altLang="en-US" dirty="0"/>
           </a:p>
@@ -3581,6 +4094,608 @@
     <p:extLst>
       <p:ext uri="{BB962C8B-B14F-4D97-AF65-F5344CB8AC3E}">
         <p14:creationId xmlns:p14="http://schemas.microsoft.com/office/powerpoint/2010/main" val="3455736537"/>
+      </p:ext>
+    </p:extLst>
+  </p:cSld>
+  <p:clrMapOvr>
+    <a:masterClrMapping/>
+  </p:clrMapOvr>
+</p:sld>
+</file>
+
+<file path=ppt/slides/slide3.xml><?xml version="1.0" encoding="utf-8"?>
+<p:sld xmlns:a="http://schemas.openxmlformats.org/drawingml/2006/main" xmlns:r="http://schemas.openxmlformats.org/officeDocument/2006/relationships" xmlns:p="http://schemas.openxmlformats.org/presentationml/2006/main">
+  <p:cSld>
+    <p:spTree>
+      <p:nvGrpSpPr>
+        <p:cNvPr id="1" name=""/>
+        <p:cNvGrpSpPr/>
+        <p:nvPr/>
+      </p:nvGrpSpPr>
+      <p:grpSpPr>
+        <a:xfrm>
+          <a:off x="0" y="0"/>
+          <a:ext cx="0" cy="0"/>
+          <a:chOff x="0" y="0"/>
+          <a:chExt cx="0" cy="0"/>
+        </a:xfrm>
+      </p:grpSpPr>
+      <p:sp>
+        <p:nvSpPr>
+          <p:cNvPr id="2" name="标题 1">
+            <a:extLst>
+              <a:ext uri="{FF2B5EF4-FFF2-40B4-BE49-F238E27FC236}">
+                <a16:creationId xmlns:a16="http://schemas.microsoft.com/office/drawing/2014/main" id="{732F0EC7-8AC8-00BC-BF5F-019FE2F7403F}"/>
+              </a:ext>
+            </a:extLst>
+          </p:cNvPr>
+          <p:cNvSpPr>
+            <a:spLocks noGrp="1"/>
+          </p:cNvSpPr>
+          <p:nvPr>
+            <p:ph type="title"/>
+          </p:nvPr>
+        </p:nvSpPr>
+        <p:spPr/>
+        <p:txBody>
+          <a:bodyPr/>
+          <a:lstStyle/>
+          <a:p>
+            <a:endParaRPr lang="zh-CN" altLang="en-US"/>
+          </a:p>
+        </p:txBody>
+      </p:sp>
+      <p:sp>
+        <p:nvSpPr>
+          <p:cNvPr id="3" name="内容占位符 2">
+            <a:extLst>
+              <a:ext uri="{FF2B5EF4-FFF2-40B4-BE49-F238E27FC236}">
+                <a16:creationId xmlns:a16="http://schemas.microsoft.com/office/drawing/2014/main" id="{486ED9B2-8FA8-9E44-1629-33A309926A6C}"/>
+              </a:ext>
+            </a:extLst>
+          </p:cNvPr>
+          <p:cNvSpPr>
+            <a:spLocks noGrp="1"/>
+          </p:cNvSpPr>
+          <p:nvPr>
+            <p:ph idx="1"/>
+          </p:nvPr>
+        </p:nvSpPr>
+        <p:spPr/>
+        <p:txBody>
+          <a:bodyPr/>
+          <a:lstStyle/>
+          <a:p>
+            <a:endParaRPr lang="zh-CN" altLang="en-US"/>
+          </a:p>
+        </p:txBody>
+      </p:sp>
+    </p:spTree>
+    <p:extLst>
+      <p:ext uri="{BB962C8B-B14F-4D97-AF65-F5344CB8AC3E}">
+        <p14:creationId xmlns:p14="http://schemas.microsoft.com/office/powerpoint/2010/main" val="2135914280"/>
+      </p:ext>
+    </p:extLst>
+  </p:cSld>
+  <p:clrMapOvr>
+    <a:masterClrMapping/>
+  </p:clrMapOvr>
+</p:sld>
+</file>
+
+<file path=ppt/slides/slide4.xml><?xml version="1.0" encoding="utf-8"?>
+<p:sld xmlns:a="http://schemas.openxmlformats.org/drawingml/2006/main" xmlns:r="http://schemas.openxmlformats.org/officeDocument/2006/relationships" xmlns:p="http://schemas.openxmlformats.org/presentationml/2006/main">
+  <p:cSld>
+    <p:spTree>
+      <p:nvGrpSpPr>
+        <p:cNvPr id="1" name=""/>
+        <p:cNvGrpSpPr/>
+        <p:nvPr/>
+      </p:nvGrpSpPr>
+      <p:grpSpPr>
+        <a:xfrm>
+          <a:off x="0" y="0"/>
+          <a:ext cx="0" cy="0"/>
+          <a:chOff x="0" y="0"/>
+          <a:chExt cx="0" cy="0"/>
+        </a:xfrm>
+      </p:grpSpPr>
+      <p:sp>
+        <p:nvSpPr>
+          <p:cNvPr id="2" name="标题 1">
+            <a:extLst>
+              <a:ext uri="{FF2B5EF4-FFF2-40B4-BE49-F238E27FC236}">
+                <a16:creationId xmlns:a16="http://schemas.microsoft.com/office/drawing/2014/main" id="{33A8ABC4-035D-F86A-F44A-C94D356F780E}"/>
+              </a:ext>
+            </a:extLst>
+          </p:cNvPr>
+          <p:cNvSpPr>
+            <a:spLocks noGrp="1"/>
+          </p:cNvSpPr>
+          <p:nvPr>
+            <p:ph type="title"/>
+          </p:nvPr>
+        </p:nvSpPr>
+        <p:spPr/>
+        <p:txBody>
+          <a:bodyPr/>
+          <a:lstStyle/>
+          <a:p>
+            <a:endParaRPr lang="zh-CN" altLang="en-US"/>
+          </a:p>
+        </p:txBody>
+      </p:sp>
+      <p:sp>
+        <p:nvSpPr>
+          <p:cNvPr id="3" name="内容占位符 2">
+            <a:extLst>
+              <a:ext uri="{FF2B5EF4-FFF2-40B4-BE49-F238E27FC236}">
+                <a16:creationId xmlns:a16="http://schemas.microsoft.com/office/drawing/2014/main" id="{E032C3B4-3A4C-A7D4-FA78-B813317C02E5}"/>
+              </a:ext>
+            </a:extLst>
+          </p:cNvPr>
+          <p:cNvSpPr>
+            <a:spLocks noGrp="1"/>
+          </p:cNvSpPr>
+          <p:nvPr>
+            <p:ph idx="1"/>
+          </p:nvPr>
+        </p:nvSpPr>
+        <p:spPr/>
+        <p:txBody>
+          <a:bodyPr/>
+          <a:lstStyle/>
+          <a:p>
+            <a:endParaRPr lang="zh-CN" altLang="en-US"/>
+          </a:p>
+        </p:txBody>
+      </p:sp>
+    </p:spTree>
+    <p:extLst>
+      <p:ext uri="{BB962C8B-B14F-4D97-AF65-F5344CB8AC3E}">
+        <p14:creationId xmlns:p14="http://schemas.microsoft.com/office/powerpoint/2010/main" val="1022795079"/>
+      </p:ext>
+    </p:extLst>
+  </p:cSld>
+  <p:clrMapOvr>
+    <a:masterClrMapping/>
+  </p:clrMapOvr>
+</p:sld>
+</file>
+
+<file path=ppt/slides/slide5.xml><?xml version="1.0" encoding="utf-8"?>
+<p:sld xmlns:a="http://schemas.openxmlformats.org/drawingml/2006/main" xmlns:r="http://schemas.openxmlformats.org/officeDocument/2006/relationships" xmlns:p="http://schemas.openxmlformats.org/presentationml/2006/main">
+  <p:cSld>
+    <p:spTree>
+      <p:nvGrpSpPr>
+        <p:cNvPr id="1" name=""/>
+        <p:cNvGrpSpPr/>
+        <p:nvPr/>
+      </p:nvGrpSpPr>
+      <p:grpSpPr>
+        <a:xfrm>
+          <a:off x="0" y="0"/>
+          <a:ext cx="0" cy="0"/>
+          <a:chOff x="0" y="0"/>
+          <a:chExt cx="0" cy="0"/>
+        </a:xfrm>
+      </p:grpSpPr>
+      <p:sp>
+        <p:nvSpPr>
+          <p:cNvPr id="2" name="标题 1">
+            <a:extLst>
+              <a:ext uri="{FF2B5EF4-FFF2-40B4-BE49-F238E27FC236}">
+                <a16:creationId xmlns:a16="http://schemas.microsoft.com/office/drawing/2014/main" id="{571C99F8-F4B9-0AE1-B828-E77B434D131F}"/>
+              </a:ext>
+            </a:extLst>
+          </p:cNvPr>
+          <p:cNvSpPr>
+            <a:spLocks noGrp="1"/>
+          </p:cNvSpPr>
+          <p:nvPr>
+            <p:ph type="title"/>
+          </p:nvPr>
+        </p:nvSpPr>
+        <p:spPr/>
+        <p:txBody>
+          <a:bodyPr/>
+          <a:lstStyle/>
+          <a:p>
+            <a:endParaRPr lang="zh-CN" altLang="en-US"/>
+          </a:p>
+        </p:txBody>
+      </p:sp>
+      <p:sp>
+        <p:nvSpPr>
+          <p:cNvPr id="3" name="内容占位符 2">
+            <a:extLst>
+              <a:ext uri="{FF2B5EF4-FFF2-40B4-BE49-F238E27FC236}">
+                <a16:creationId xmlns:a16="http://schemas.microsoft.com/office/drawing/2014/main" id="{497546A0-2FBF-5287-47C5-64BAFC260649}"/>
+              </a:ext>
+            </a:extLst>
+          </p:cNvPr>
+          <p:cNvSpPr>
+            <a:spLocks noGrp="1"/>
+          </p:cNvSpPr>
+          <p:nvPr>
+            <p:ph idx="1"/>
+          </p:nvPr>
+        </p:nvSpPr>
+        <p:spPr/>
+        <p:txBody>
+          <a:bodyPr/>
+          <a:lstStyle/>
+          <a:p>
+            <a:endParaRPr lang="zh-CN" altLang="en-US"/>
+          </a:p>
+        </p:txBody>
+      </p:sp>
+    </p:spTree>
+    <p:extLst>
+      <p:ext uri="{BB962C8B-B14F-4D97-AF65-F5344CB8AC3E}">
+        <p14:creationId xmlns:p14="http://schemas.microsoft.com/office/powerpoint/2010/main" val="3305979141"/>
+      </p:ext>
+    </p:extLst>
+  </p:cSld>
+  <p:clrMapOvr>
+    <a:masterClrMapping/>
+  </p:clrMapOvr>
+</p:sld>
+</file>
+
+<file path=ppt/slides/slide6.xml><?xml version="1.0" encoding="utf-8"?>
+<p:sld xmlns:a="http://schemas.openxmlformats.org/drawingml/2006/main" xmlns:r="http://schemas.openxmlformats.org/officeDocument/2006/relationships" xmlns:p="http://schemas.openxmlformats.org/presentationml/2006/main">
+  <p:cSld>
+    <p:spTree>
+      <p:nvGrpSpPr>
+        <p:cNvPr id="1" name=""/>
+        <p:cNvGrpSpPr/>
+        <p:nvPr/>
+      </p:nvGrpSpPr>
+      <p:grpSpPr>
+        <a:xfrm>
+          <a:off x="0" y="0"/>
+          <a:ext cx="0" cy="0"/>
+          <a:chOff x="0" y="0"/>
+          <a:chExt cx="0" cy="0"/>
+        </a:xfrm>
+      </p:grpSpPr>
+      <p:sp>
+        <p:nvSpPr>
+          <p:cNvPr id="2" name="标题 1">
+            <a:extLst>
+              <a:ext uri="{FF2B5EF4-FFF2-40B4-BE49-F238E27FC236}">
+                <a16:creationId xmlns:a16="http://schemas.microsoft.com/office/drawing/2014/main" id="{1A38A379-BB3D-7C46-F3EA-8C2B7AD95A62}"/>
+              </a:ext>
+            </a:extLst>
+          </p:cNvPr>
+          <p:cNvSpPr>
+            <a:spLocks noGrp="1"/>
+          </p:cNvSpPr>
+          <p:nvPr>
+            <p:ph type="title"/>
+          </p:nvPr>
+        </p:nvSpPr>
+        <p:spPr/>
+        <p:txBody>
+          <a:bodyPr/>
+          <a:lstStyle/>
+          <a:p>
+            <a:endParaRPr lang="zh-CN" altLang="en-US"/>
+          </a:p>
+        </p:txBody>
+      </p:sp>
+      <p:sp>
+        <p:nvSpPr>
+          <p:cNvPr id="3" name="内容占位符 2">
+            <a:extLst>
+              <a:ext uri="{FF2B5EF4-FFF2-40B4-BE49-F238E27FC236}">
+                <a16:creationId xmlns:a16="http://schemas.microsoft.com/office/drawing/2014/main" id="{04B0CE83-544D-8ED4-3E60-5AAF310E875C}"/>
+              </a:ext>
+            </a:extLst>
+          </p:cNvPr>
+          <p:cNvSpPr>
+            <a:spLocks noGrp="1"/>
+          </p:cNvSpPr>
+          <p:nvPr>
+            <p:ph idx="1"/>
+          </p:nvPr>
+        </p:nvSpPr>
+        <p:spPr/>
+        <p:txBody>
+          <a:bodyPr/>
+          <a:lstStyle/>
+          <a:p>
+            <a:endParaRPr lang="zh-CN" altLang="en-US"/>
+          </a:p>
+        </p:txBody>
+      </p:sp>
+    </p:spTree>
+    <p:extLst>
+      <p:ext uri="{BB962C8B-B14F-4D97-AF65-F5344CB8AC3E}">
+        <p14:creationId xmlns:p14="http://schemas.microsoft.com/office/powerpoint/2010/main" val="3954431065"/>
+      </p:ext>
+    </p:extLst>
+  </p:cSld>
+  <p:clrMapOvr>
+    <a:masterClrMapping/>
+  </p:clrMapOvr>
+</p:sld>
+</file>
+
+<file path=ppt/slides/slide7.xml><?xml version="1.0" encoding="utf-8"?>
+<p:sld xmlns:a="http://schemas.openxmlformats.org/drawingml/2006/main" xmlns:r="http://schemas.openxmlformats.org/officeDocument/2006/relationships" xmlns:p="http://schemas.openxmlformats.org/presentationml/2006/main">
+  <p:cSld>
+    <p:spTree>
+      <p:nvGrpSpPr>
+        <p:cNvPr id="1" name=""/>
+        <p:cNvGrpSpPr/>
+        <p:nvPr/>
+      </p:nvGrpSpPr>
+      <p:grpSpPr>
+        <a:xfrm>
+          <a:off x="0" y="0"/>
+          <a:ext cx="0" cy="0"/>
+          <a:chOff x="0" y="0"/>
+          <a:chExt cx="0" cy="0"/>
+        </a:xfrm>
+      </p:grpSpPr>
+      <p:sp>
+        <p:nvSpPr>
+          <p:cNvPr id="2" name="标题 1">
+            <a:extLst>
+              <a:ext uri="{FF2B5EF4-FFF2-40B4-BE49-F238E27FC236}">
+                <a16:creationId xmlns:a16="http://schemas.microsoft.com/office/drawing/2014/main" id="{E99262E5-A774-8DEC-1449-24D499ADC7DC}"/>
+              </a:ext>
+            </a:extLst>
+          </p:cNvPr>
+          <p:cNvSpPr>
+            <a:spLocks noGrp="1"/>
+          </p:cNvSpPr>
+          <p:nvPr>
+            <p:ph type="title"/>
+          </p:nvPr>
+        </p:nvSpPr>
+        <p:spPr/>
+        <p:txBody>
+          <a:bodyPr/>
+          <a:lstStyle/>
+          <a:p>
+            <a:r>
+              <a:rPr lang="en-US" altLang="zh-CN" dirty="0"/>
+              <a:t>Portal site</a:t>
+            </a:r>
+            <a:endParaRPr lang="zh-CN" altLang="en-US" dirty="0"/>
+          </a:p>
+        </p:txBody>
+      </p:sp>
+      <p:sp>
+        <p:nvSpPr>
+          <p:cNvPr id="7" name="内容占位符 6">
+            <a:extLst>
+              <a:ext uri="{FF2B5EF4-FFF2-40B4-BE49-F238E27FC236}">
+                <a16:creationId xmlns:a16="http://schemas.microsoft.com/office/drawing/2014/main" id="{44E7CEC9-BA37-73CA-1FC5-F16C873A3BBA}"/>
+              </a:ext>
+            </a:extLst>
+          </p:cNvPr>
+          <p:cNvSpPr>
+            <a:spLocks noGrp="1"/>
+          </p:cNvSpPr>
+          <p:nvPr>
+            <p:ph idx="1"/>
+          </p:nvPr>
+        </p:nvSpPr>
+        <p:spPr/>
+        <p:txBody>
+          <a:bodyPr/>
+          <a:lstStyle/>
+          <a:p>
+            <a:r>
+              <a:rPr lang="en-US" altLang="zh-CN" dirty="0"/>
+              <a:t>We add a portal web page to guide through all kinds of plot.</a:t>
+            </a:r>
+          </a:p>
+          <a:p>
+            <a:endParaRPr lang="zh-CN" altLang="en-US" dirty="0"/>
+          </a:p>
+        </p:txBody>
+      </p:sp>
+    </p:spTree>
+    <p:extLst>
+      <p:ext uri="{BB962C8B-B14F-4D97-AF65-F5344CB8AC3E}">
+        <p14:creationId xmlns:p14="http://schemas.microsoft.com/office/powerpoint/2010/main" val="2036234987"/>
+      </p:ext>
+    </p:extLst>
+  </p:cSld>
+  <p:clrMapOvr>
+    <a:masterClrMapping/>
+  </p:clrMapOvr>
+</p:sld>
+</file>
+
+<file path=ppt/slides/slide8.xml><?xml version="1.0" encoding="utf-8"?>
+<p:sld xmlns:a="http://schemas.openxmlformats.org/drawingml/2006/main" xmlns:r="http://schemas.openxmlformats.org/officeDocument/2006/relationships" xmlns:p="http://schemas.openxmlformats.org/presentationml/2006/main">
+  <p:cSld>
+    <p:spTree>
+      <p:nvGrpSpPr>
+        <p:cNvPr id="1" name=""/>
+        <p:cNvGrpSpPr/>
+        <p:nvPr/>
+      </p:nvGrpSpPr>
+      <p:grpSpPr>
+        <a:xfrm>
+          <a:off x="0" y="0"/>
+          <a:ext cx="0" cy="0"/>
+          <a:chOff x="0" y="0"/>
+          <a:chExt cx="0" cy="0"/>
+        </a:xfrm>
+      </p:grpSpPr>
+      <p:sp>
+        <p:nvSpPr>
+          <p:cNvPr id="2" name="标题 1">
+            <a:extLst>
+              <a:ext uri="{FF2B5EF4-FFF2-40B4-BE49-F238E27FC236}">
+                <a16:creationId xmlns:a16="http://schemas.microsoft.com/office/drawing/2014/main" id="{F4E98FB3-9F44-494B-81EB-911F7DF449FE}"/>
+              </a:ext>
+            </a:extLst>
+          </p:cNvPr>
+          <p:cNvSpPr>
+            <a:spLocks noGrp="1"/>
+          </p:cNvSpPr>
+          <p:nvPr>
+            <p:ph type="title"/>
+          </p:nvPr>
+        </p:nvSpPr>
+        <p:spPr/>
+        <p:txBody>
+          <a:bodyPr/>
+          <a:lstStyle/>
+          <a:p>
+            <a:r>
+              <a:rPr lang="en-US" altLang="zh-CN" dirty="0"/>
+              <a:t>Divide labor:</a:t>
+            </a:r>
+            <a:endParaRPr lang="zh-CN" altLang="en-US" dirty="0"/>
+          </a:p>
+        </p:txBody>
+      </p:sp>
+      <p:sp>
+        <p:nvSpPr>
+          <p:cNvPr id="3" name="内容占位符 2">
+            <a:extLst>
+              <a:ext uri="{FF2B5EF4-FFF2-40B4-BE49-F238E27FC236}">
+                <a16:creationId xmlns:a16="http://schemas.microsoft.com/office/drawing/2014/main" id="{99AB12A4-8D4F-4DA7-B215-CF50025A5537}"/>
+              </a:ext>
+            </a:extLst>
+          </p:cNvPr>
+          <p:cNvSpPr>
+            <a:spLocks noGrp="1"/>
+          </p:cNvSpPr>
+          <p:nvPr>
+            <p:ph idx="1"/>
+          </p:nvPr>
+        </p:nvSpPr>
+        <p:spPr>
+          <a:xfrm>
+            <a:off x="438912" y="1792224"/>
+            <a:ext cx="10914888" cy="4700651"/>
+          </a:xfrm>
+        </p:spPr>
+        <p:txBody>
+          <a:bodyPr>
+            <a:normAutofit lnSpcReduction="10000"/>
+          </a:bodyPr>
+          <a:lstStyle/>
+          <a:p>
+            <a:pPr marL="457200" lvl="1" indent="0">
+              <a:buNone/>
+            </a:pPr>
+            <a:r>
+              <a:rPr lang="en-US" altLang="zh-CN" b="1" dirty="0"/>
+              <a:t>We divide labor equally and adapted to personal skills.</a:t>
+            </a:r>
+          </a:p>
+          <a:p>
+            <a:pPr lvl="1"/>
+            <a:r>
+              <a:rPr lang="en-US" altLang="zh-CN" dirty="0"/>
+              <a:t>Plot by year: Zhihao Gu, Pengchao Yuan</a:t>
+            </a:r>
+          </a:p>
+          <a:p>
+            <a:pPr lvl="1"/>
+            <a:r>
+              <a:rPr lang="en-US" altLang="zh-CN" dirty="0"/>
+              <a:t>Plot by states: Minghui yang, Xiaohan Zou</a:t>
+            </a:r>
+          </a:p>
+          <a:p>
+            <a:pPr lvl="1"/>
+            <a:r>
+              <a:rPr lang="en-US" altLang="zh-CN" dirty="0"/>
+              <a:t>Data process: Chenyang Zhang</a:t>
+            </a:r>
+          </a:p>
+          <a:p>
+            <a:pPr lvl="1"/>
+            <a:r>
+              <a:rPr lang="en-US" altLang="zh-CN" dirty="0"/>
+              <a:t>Heat Map:</a:t>
+            </a:r>
+            <a:r>
+              <a:rPr lang="zh-CN" altLang="en-US" dirty="0"/>
+              <a:t> </a:t>
+            </a:r>
+            <a:r>
+              <a:rPr lang="en-US" altLang="zh-CN" dirty="0"/>
+              <a:t>Pengchao Yuan</a:t>
+            </a:r>
+          </a:p>
+          <a:p>
+            <a:pPr lvl="1"/>
+            <a:r>
+              <a:rPr lang="en-US" altLang="zh-CN" dirty="0"/>
+              <a:t>Data Analysis:</a:t>
+            </a:r>
+          </a:p>
+          <a:p>
+            <a:pPr lvl="2"/>
+            <a:r>
+              <a:rPr lang="en-US" altLang="zh-CN" dirty="0"/>
+              <a:t>Age, Gender: Chenyang Zhang</a:t>
+            </a:r>
+          </a:p>
+          <a:p>
+            <a:pPr lvl="2"/>
+            <a:r>
+              <a:rPr lang="en-US" altLang="zh-CN" dirty="0"/>
+              <a:t>Income: Zhihao Gu</a:t>
+            </a:r>
+          </a:p>
+          <a:p>
+            <a:pPr lvl="2"/>
+            <a:r>
+              <a:rPr lang="en-US" altLang="zh-CN" dirty="0"/>
+              <a:t>Education: Minghui Yang</a:t>
+            </a:r>
+          </a:p>
+          <a:p>
+            <a:pPr lvl="2"/>
+            <a:r>
+              <a:rPr lang="en-US" altLang="zh-CN" dirty="0"/>
+              <a:t>Employment: Xiaohan Zou</a:t>
+            </a:r>
+          </a:p>
+          <a:p>
+            <a:pPr lvl="2"/>
+            <a:r>
+              <a:rPr lang="en-US" altLang="zh-CN" dirty="0"/>
+              <a:t>Poverty: Pengchao Yuan</a:t>
+            </a:r>
+          </a:p>
+          <a:p>
+            <a:pPr lvl="1"/>
+            <a:r>
+              <a:rPr lang="en-US" altLang="zh-CN" dirty="0"/>
+              <a:t>Early Insight: Zhihao Gu</a:t>
+            </a:r>
+          </a:p>
+          <a:p>
+            <a:pPr lvl="1"/>
+            <a:r>
+              <a:rPr lang="en-US" altLang="zh-CN" dirty="0"/>
+              <a:t>Final Presentation: Pengchao(presentation), Zhihao(slide)</a:t>
+            </a:r>
+          </a:p>
+          <a:p>
+            <a:endParaRPr lang="en-US" altLang="zh-CN" dirty="0"/>
+          </a:p>
+        </p:txBody>
+      </p:sp>
+    </p:spTree>
+    <p:extLst>
+      <p:ext uri="{BB962C8B-B14F-4D97-AF65-F5344CB8AC3E}">
+        <p14:creationId xmlns:p14="http://schemas.microsoft.com/office/powerpoint/2010/main" val="2961724078"/>
       </p:ext>
     </p:extLst>
   </p:cSld>
@@ -3883,4 +4998,299 @@
     </a:ext>
   </a:extLst>
 </a:theme>
+</file>
+
+<file path=ppt/theme/theme2.xml><?xml version="1.0" encoding="utf-8"?>
+<a:theme xmlns:a="http://schemas.openxmlformats.org/drawingml/2006/main" name="Office 主题​​">
+  <a:themeElements>
+    <a:clrScheme name="Office">
+      <a:dk1>
+        <a:sysClr val="windowText" lastClr="000000"/>
+      </a:dk1>
+      <a:lt1>
+        <a:sysClr val="window" lastClr="FFFFFF"/>
+      </a:lt1>
+      <a:dk2>
+        <a:srgbClr val="44546A"/>
+      </a:dk2>
+      <a:lt2>
+        <a:srgbClr val="E7E6E6"/>
+      </a:lt2>
+      <a:accent1>
+        <a:srgbClr val="4472C4"/>
+      </a:accent1>
+      <a:accent2>
+        <a:srgbClr val="ED7D31"/>
+      </a:accent2>
+      <a:accent3>
+        <a:srgbClr val="A5A5A5"/>
+      </a:accent3>
+      <a:accent4>
+        <a:srgbClr val="FFC000"/>
+      </a:accent4>
+      <a:accent5>
+        <a:srgbClr val="5B9BD5"/>
+      </a:accent5>
+      <a:accent6>
+        <a:srgbClr val="70AD47"/>
+      </a:accent6>
+      <a:hlink>
+        <a:srgbClr val="0563C1"/>
+      </a:hlink>
+      <a:folHlink>
+        <a:srgbClr val="954F72"/>
+      </a:folHlink>
+    </a:clrScheme>
+    <a:fontScheme name="Office">
+      <a:majorFont>
+        <a:latin typeface="等线 Light" panose="020F0302020204030204"/>
+        <a:ea typeface=""/>
+        <a:cs typeface=""/>
+        <a:font script="Jpan" typeface="游ゴシック Light"/>
+        <a:font script="Hang" typeface="맑은 고딕"/>
+        <a:font script="Hans" typeface="等线 Light"/>
+        <a:font script="Hant" typeface="新細明體"/>
+        <a:font script="Arab" typeface="Times New Roman"/>
+        <a:font script="Hebr" typeface="Times New Roman"/>
+        <a:font script="Thai" typeface="Angsana New"/>
+        <a:font script="Ethi" typeface="Nyala"/>
+        <a:font script="Beng" typeface="Vrinda"/>
+        <a:font script="Gujr" typeface="Shruti"/>
+        <a:font script="Khmr" typeface="MoolBoran"/>
+        <a:font script="Knda" typeface="Tunga"/>
+        <a:font script="Guru" typeface="Raavi"/>
+        <a:font script="Cans" typeface="Euphemia"/>
+        <a:font script="Cher" typeface="Plantagenet Cherokee"/>
+        <a:font script="Yiii" typeface="Microsoft Yi Baiti"/>
+        <a:font script="Tibt" typeface="Microsoft Himalaya"/>
+        <a:font script="Thaa" typeface="MV Boli"/>
+        <a:font script="Deva" typeface="Mangal"/>
+        <a:font script="Telu" typeface="Gautami"/>
+        <a:font script="Taml" typeface="Latha"/>
+        <a:font script="Syrc" typeface="Estrangelo Edessa"/>
+        <a:font script="Orya" typeface="Kalinga"/>
+        <a:font script="Mlym" typeface="Kartika"/>
+        <a:font script="Laoo" typeface="DokChampa"/>
+        <a:font script="Sinh" typeface="Iskoola Pota"/>
+        <a:font script="Mong" typeface="Mongolian Baiti"/>
+        <a:font script="Viet" typeface="Times New Roman"/>
+        <a:font script="Uigh" typeface="Microsoft Uighur"/>
+        <a:font script="Geor" typeface="Sylfaen"/>
+        <a:font script="Armn" typeface="Arial"/>
+        <a:font script="Bugi" typeface="Leelawadee UI"/>
+        <a:font script="Bopo" typeface="Microsoft JhengHei"/>
+        <a:font script="Java" typeface="Javanese Text"/>
+        <a:font script="Lisu" typeface="Segoe UI"/>
+        <a:font script="Mymr" typeface="Myanmar Text"/>
+        <a:font script="Nkoo" typeface="Ebrima"/>
+        <a:font script="Olck" typeface="Nirmala UI"/>
+        <a:font script="Osma" typeface="Ebrima"/>
+        <a:font script="Phag" typeface="Phagspa"/>
+        <a:font script="Syrn" typeface="Estrangelo Edessa"/>
+        <a:font script="Syrj" typeface="Estrangelo Edessa"/>
+        <a:font script="Syre" typeface="Estrangelo Edessa"/>
+        <a:font script="Sora" typeface="Nirmala UI"/>
+        <a:font script="Tale" typeface="Microsoft Tai Le"/>
+        <a:font script="Talu" typeface="Microsoft New Tai Lue"/>
+        <a:font script="Tfng" typeface="Ebrima"/>
+      </a:majorFont>
+      <a:minorFont>
+        <a:latin typeface="等线" panose="020F0502020204030204"/>
+        <a:ea typeface=""/>
+        <a:cs typeface=""/>
+        <a:font script="Jpan" typeface="游ゴシック"/>
+        <a:font script="Hang" typeface="맑은 고딕"/>
+        <a:font script="Hans" typeface="等线"/>
+        <a:font script="Hant" typeface="新細明體"/>
+        <a:font script="Arab" typeface="Arial"/>
+        <a:font script="Hebr" typeface="Arial"/>
+        <a:font script="Thai" typeface="Cordia New"/>
+        <a:font script="Ethi" typeface="Nyala"/>
+        <a:font script="Beng" typeface="Vrinda"/>
+        <a:font script="Gujr" typeface="Shruti"/>
+        <a:font script="Khmr" typeface="DaunPenh"/>
+        <a:font script="Knda" typeface="Tunga"/>
+        <a:font script="Guru" typeface="Raavi"/>
+        <a:font script="Cans" typeface="Euphemia"/>
+        <a:font script="Cher" typeface="Plantagenet Cherokee"/>
+        <a:font script="Yiii" typeface="Microsoft Yi Baiti"/>
+        <a:font script="Tibt" typeface="Microsoft Himalaya"/>
+        <a:font script="Thaa" typeface="MV Boli"/>
+        <a:font script="Deva" typeface="Mangal"/>
+        <a:font script="Telu" typeface="Gautami"/>
+        <a:font script="Taml" typeface="Latha"/>
+        <a:font script="Syrc" typeface="Estrangelo Edessa"/>
+        <a:font script="Orya" typeface="Kalinga"/>
+        <a:font script="Mlym" typeface="Kartika"/>
+        <a:font script="Laoo" typeface="DokChampa"/>
+        <a:font script="Sinh" typeface="Iskoola Pota"/>
+        <a:font script="Mong" typeface="Mongolian Baiti"/>
+        <a:font script="Viet" typeface="Arial"/>
+        <a:font script="Uigh" typeface="Microsoft Uighur"/>
+        <a:font script="Geor" typeface="Sylfaen"/>
+        <a:font script="Armn" typeface="Arial"/>
+        <a:font script="Bugi" typeface="Leelawadee UI"/>
+        <a:font script="Bopo" typeface="Microsoft JhengHei"/>
+        <a:font script="Java" typeface="Javanese Text"/>
+        <a:font script="Lisu" typeface="Segoe UI"/>
+        <a:font script="Mymr" typeface="Myanmar Text"/>
+        <a:font script="Nkoo" typeface="Ebrima"/>
+        <a:font script="Olck" typeface="Nirmala UI"/>
+        <a:font script="Osma" typeface="Ebrima"/>
+        <a:font script="Phag" typeface="Phagspa"/>
+        <a:font script="Syrn" typeface="Estrangelo Edessa"/>
+        <a:font script="Syrj" typeface="Estrangelo Edessa"/>
+        <a:font script="Syre" typeface="Estrangelo Edessa"/>
+        <a:font script="Sora" typeface="Nirmala UI"/>
+        <a:font script="Tale" typeface="Microsoft Tai Le"/>
+        <a:font script="Talu" typeface="Microsoft New Tai Lue"/>
+        <a:font script="Tfng" typeface="Ebrima"/>
+      </a:minorFont>
+    </a:fontScheme>
+    <a:fmtScheme name="Office">
+      <a:fillStyleLst>
+        <a:solidFill>
+          <a:schemeClr val="phClr"/>
+        </a:solidFill>
+        <a:gradFill rotWithShape="1">
+          <a:gsLst>
+            <a:gs pos="0">
+              <a:schemeClr val="phClr">
+                <a:lumMod val="110000"/>
+                <a:satMod val="105000"/>
+                <a:tint val="67000"/>
+              </a:schemeClr>
+            </a:gs>
+            <a:gs pos="50000">
+              <a:schemeClr val="phClr">
+                <a:lumMod val="105000"/>
+                <a:satMod val="103000"/>
+                <a:tint val="73000"/>
+              </a:schemeClr>
+            </a:gs>
+            <a:gs pos="100000">
+              <a:schemeClr val="phClr">
+                <a:lumMod val="105000"/>
+                <a:satMod val="109000"/>
+                <a:tint val="81000"/>
+              </a:schemeClr>
+            </a:gs>
+          </a:gsLst>
+          <a:lin ang="5400000" scaled="0"/>
+        </a:gradFill>
+        <a:gradFill rotWithShape="1">
+          <a:gsLst>
+            <a:gs pos="0">
+              <a:schemeClr val="phClr">
+                <a:satMod val="103000"/>
+                <a:lumMod val="102000"/>
+                <a:tint val="94000"/>
+              </a:schemeClr>
+            </a:gs>
+            <a:gs pos="50000">
+              <a:schemeClr val="phClr">
+                <a:satMod val="110000"/>
+                <a:lumMod val="100000"/>
+                <a:shade val="100000"/>
+              </a:schemeClr>
+            </a:gs>
+            <a:gs pos="100000">
+              <a:schemeClr val="phClr">
+                <a:lumMod val="99000"/>
+                <a:satMod val="120000"/>
+                <a:shade val="78000"/>
+              </a:schemeClr>
+            </a:gs>
+          </a:gsLst>
+          <a:lin ang="5400000" scaled="0"/>
+        </a:gradFill>
+      </a:fillStyleLst>
+      <a:lnStyleLst>
+        <a:ln w="6350" cap="flat" cmpd="sng" algn="ctr">
+          <a:solidFill>
+            <a:schemeClr val="phClr"/>
+          </a:solidFill>
+          <a:prstDash val="solid"/>
+          <a:miter lim="800000"/>
+        </a:ln>
+        <a:ln w="12700" cap="flat" cmpd="sng" algn="ctr">
+          <a:solidFill>
+            <a:schemeClr val="phClr"/>
+          </a:solidFill>
+          <a:prstDash val="solid"/>
+          <a:miter lim="800000"/>
+        </a:ln>
+        <a:ln w="19050" cap="flat" cmpd="sng" algn="ctr">
+          <a:solidFill>
+            <a:schemeClr val="phClr"/>
+          </a:solidFill>
+          <a:prstDash val="solid"/>
+          <a:miter lim="800000"/>
+        </a:ln>
+      </a:lnStyleLst>
+      <a:effectStyleLst>
+        <a:effectStyle>
+          <a:effectLst/>
+        </a:effectStyle>
+        <a:effectStyle>
+          <a:effectLst/>
+        </a:effectStyle>
+        <a:effectStyle>
+          <a:effectLst>
+            <a:outerShdw blurRad="57150" dist="19050" dir="5400000" algn="ctr" rotWithShape="0">
+              <a:srgbClr val="000000">
+                <a:alpha val="63000"/>
+              </a:srgbClr>
+            </a:outerShdw>
+          </a:effectLst>
+        </a:effectStyle>
+      </a:effectStyleLst>
+      <a:bgFillStyleLst>
+        <a:solidFill>
+          <a:schemeClr val="phClr"/>
+        </a:solidFill>
+        <a:solidFill>
+          <a:schemeClr val="phClr">
+            <a:tint val="95000"/>
+            <a:satMod val="170000"/>
+          </a:schemeClr>
+        </a:solidFill>
+        <a:gradFill rotWithShape="1">
+          <a:gsLst>
+            <a:gs pos="0">
+              <a:schemeClr val="phClr">
+                <a:tint val="93000"/>
+                <a:satMod val="150000"/>
+                <a:shade val="98000"/>
+                <a:lumMod val="102000"/>
+              </a:schemeClr>
+            </a:gs>
+            <a:gs pos="50000">
+              <a:schemeClr val="phClr">
+                <a:tint val="98000"/>
+                <a:satMod val="130000"/>
+                <a:shade val="90000"/>
+                <a:lumMod val="103000"/>
+              </a:schemeClr>
+            </a:gs>
+            <a:gs pos="100000">
+              <a:schemeClr val="phClr">
+                <a:shade val="63000"/>
+                <a:satMod val="120000"/>
+              </a:schemeClr>
+            </a:gs>
+          </a:gsLst>
+          <a:lin ang="5400000" scaled="0"/>
+        </a:gradFill>
+      </a:bgFillStyleLst>
+    </a:fmtScheme>
+  </a:themeElements>
+  <a:objectDefaults/>
+  <a:extraClrSchemeLst/>
+  <a:extLst>
+    <a:ext uri="{05A4C25C-085E-4340-85A3-A5531E510DB2}">
+      <thm15:themeFamily xmlns:thm15="http://schemas.microsoft.com/office/thememl/2012/main" name="Office Theme" id="{62F939B6-93AF-4DB8-9C6B-D6C7DFDC589F}" vid="{4A3C46E8-61CC-4603-A589-7422A47A8E4A}"/>
+    </a:ext>
+  </a:extLst>
+</a:theme>
 </file>
--- a/Team 3 Project Deliverable/Final Presentation.pptx
+++ b/Team 3 Project Deliverable/Final Presentation.pptx
@@ -5,17 +5,25 @@
     <p:sldMasterId id="2147483648" r:id="rId1"/>
   </p:sldMasterIdLst>
   <p:notesMasterIdLst>
-    <p:notesMasterId r:id="rId10"/>
+    <p:notesMasterId r:id="rId18"/>
   </p:notesMasterIdLst>
   <p:sldIdLst>
     <p:sldId id="256" r:id="rId2"/>
-    <p:sldId id="257" r:id="rId3"/>
-    <p:sldId id="263" r:id="rId4"/>
-    <p:sldId id="264" r:id="rId5"/>
-    <p:sldId id="265" r:id="rId6"/>
-    <p:sldId id="266" r:id="rId7"/>
-    <p:sldId id="267" r:id="rId8"/>
-    <p:sldId id="262" r:id="rId9"/>
+    <p:sldId id="268" r:id="rId3"/>
+    <p:sldId id="259" r:id="rId4"/>
+    <p:sldId id="257" r:id="rId5"/>
+    <p:sldId id="258" r:id="rId6"/>
+    <p:sldId id="264" r:id="rId7"/>
+    <p:sldId id="265" r:id="rId8"/>
+    <p:sldId id="270" r:id="rId9"/>
+    <p:sldId id="271" r:id="rId10"/>
+    <p:sldId id="273" r:id="rId11"/>
+    <p:sldId id="274" r:id="rId12"/>
+    <p:sldId id="275" r:id="rId13"/>
+    <p:sldId id="267" r:id="rId14"/>
+    <p:sldId id="261" r:id="rId15"/>
+    <p:sldId id="262" r:id="rId16"/>
+    <p:sldId id="269" r:id="rId17"/>
   </p:sldIdLst>
   <p:sldSz cx="12192000" cy="6858000"/>
   <p:notesSz cx="6858000" cy="9144000"/>
@@ -125,7 +133,7 @@
 <file path=ppt/revisionInfo.xml><?xml version="1.0" encoding="utf-8"?>
 <p1510:revInfo xmlns:a="http://schemas.openxmlformats.org/drawingml/2006/main" xmlns:r="http://schemas.openxmlformats.org/officeDocument/2006/relationships" xmlns:p1510="http://schemas.microsoft.com/office/powerpoint/2015/10/main">
   <p1510:revLst>
-    <p1510:client id="{79DF058E-2E0C-4722-BE4F-4C1F25848637}" v="13" dt="2022-05-03T04:28:09.435"/>
+    <p1510:client id="{79DF058E-2E0C-4722-BE4F-4C1F25848637}" v="62" dt="2022-05-04T01:44:49.850"/>
   </p1510:revLst>
 </p1510:revInfo>
 </file>
@@ -134,8 +142,8 @@
 <pc:chgInfo xmlns:a="http://schemas.openxmlformats.org/drawingml/2006/main" xmlns:r="http://schemas.openxmlformats.org/officeDocument/2006/relationships" xmlns:ac="http://schemas.microsoft.com/office/drawing/2013/main/command" xmlns:pc="http://schemas.microsoft.com/office/powerpoint/2013/main/command">
   <pc:docChgLst>
     <pc:chgData name="之皓 辜" userId="7e541bd579ed2d47" providerId="LiveId" clId="{79DF058E-2E0C-4722-BE4F-4C1F25848637}"/>
-    <pc:docChg chg="undo custSel addSld modSld">
-      <pc:chgData name="之皓 辜" userId="7e541bd579ed2d47" providerId="LiveId" clId="{79DF058E-2E0C-4722-BE4F-4C1F25848637}" dt="2022-05-03T05:41:13.350" v="612" actId="20577"/>
+    <pc:docChg chg="undo custSel addSld delSld modSld">
+      <pc:chgData name="之皓 辜" userId="7e541bd579ed2d47" providerId="LiveId" clId="{79DF058E-2E0C-4722-BE4F-4C1F25848637}" dt="2022-05-04T01:45:36.973" v="2883" actId="20577"/>
       <pc:docMkLst>
         <pc:docMk/>
       </pc:docMkLst>
@@ -162,8 +170,8 @@
           </ac:spMkLst>
         </pc:spChg>
       </pc:sldChg>
-      <pc:sldChg chg="addSp delSp modSp new">
-        <pc:chgData name="之皓 辜" userId="7e541bd579ed2d47" providerId="LiveId" clId="{79DF058E-2E0C-4722-BE4F-4C1F25848637}" dt="2022-05-02T06:03:07.779" v="44"/>
+      <pc:sldChg chg="addSp delSp modSp new mod modNotesTx">
+        <pc:chgData name="之皓 辜" userId="7e541bd579ed2d47" providerId="LiveId" clId="{79DF058E-2E0C-4722-BE4F-4C1F25848637}" dt="2022-05-04T01:42:16.584" v="2461" actId="20577"/>
         <pc:sldMkLst>
           <pc:docMk/>
           <pc:sldMk cId="3455736537" sldId="257"/>
@@ -176,17 +184,86 @@
             <ac:spMk id="2" creationId="{67A5CBDC-E73D-37E8-AD11-97F5EDD6692A}"/>
           </ac:spMkLst>
         </pc:spChg>
+        <pc:spChg chg="mod">
+          <ac:chgData name="之皓 辜" userId="7e541bd579ed2d47" providerId="LiveId" clId="{79DF058E-2E0C-4722-BE4F-4C1F25848637}" dt="2022-05-03T23:35:34.865" v="616" actId="27636"/>
+          <ac:spMkLst>
+            <pc:docMk/>
+            <pc:sldMk cId="3455736537" sldId="257"/>
+            <ac:spMk id="3" creationId="{CED6462D-4588-6CD1-6ECC-090A3AF2433C}"/>
+          </ac:spMkLst>
+        </pc:spChg>
         <pc:spChg chg="add mod">
-          <ac:chgData name="之皓 辜" userId="7e541bd579ed2d47" providerId="LiveId" clId="{79DF058E-2E0C-4722-BE4F-4C1F25848637}" dt="2022-05-02T06:03:07.779" v="44"/>
+          <ac:chgData name="之皓 辜" userId="7e541bd579ed2d47" providerId="LiveId" clId="{79DF058E-2E0C-4722-BE4F-4C1F25848637}" dt="2022-05-03T23:35:32.165" v="614"/>
           <ac:spMkLst>
             <pc:docMk/>
             <pc:sldMk cId="3455736537" sldId="257"/>
             <ac:spMk id="4" creationId="{FD295623-C00F-8C5C-EBE7-E07DBDCD9FD3}"/>
           </ac:spMkLst>
         </pc:spChg>
+        <pc:spChg chg="add del mod">
+          <ac:chgData name="之皓 辜" userId="7e541bd579ed2d47" providerId="LiveId" clId="{79DF058E-2E0C-4722-BE4F-4C1F25848637}" dt="2022-05-03T23:46:42.928" v="804"/>
+          <ac:spMkLst>
+            <pc:docMk/>
+            <pc:sldMk cId="3455736537" sldId="257"/>
+            <ac:spMk id="5" creationId="{308A9B69-EC6C-58E0-E1FC-8090FDCA250F}"/>
+          </ac:spMkLst>
+        </pc:spChg>
       </pc:sldChg>
-      <pc:sldChg chg="addSp delSp modSp add mod">
-        <pc:chgData name="之皓 辜" userId="7e541bd579ed2d47" providerId="LiveId" clId="{79DF058E-2E0C-4722-BE4F-4C1F25848637}" dt="2022-05-03T05:41:13.350" v="612" actId="20577"/>
+      <pc:sldChg chg="modSp add mod modNotesTx">
+        <pc:chgData name="之皓 辜" userId="7e541bd579ed2d47" providerId="LiveId" clId="{79DF058E-2E0C-4722-BE4F-4C1F25848637}" dt="2022-05-04T01:45:06.532" v="2774" actId="113"/>
+        <pc:sldMkLst>
+          <pc:docMk/>
+          <pc:sldMk cId="3526378995" sldId="258"/>
+        </pc:sldMkLst>
+        <pc:spChg chg="mod">
+          <ac:chgData name="之皓 辜" userId="7e541bd579ed2d47" providerId="LiveId" clId="{79DF058E-2E0C-4722-BE4F-4C1F25848637}" dt="2022-05-03T23:46:54.818" v="823" actId="20577"/>
+          <ac:spMkLst>
+            <pc:docMk/>
+            <pc:sldMk cId="3526378995" sldId="258"/>
+            <ac:spMk id="2" creationId="{99C4452A-E53A-4427-A840-0CAB6C5022D0}"/>
+          </ac:spMkLst>
+        </pc:spChg>
+        <pc:spChg chg="mod">
+          <ac:chgData name="之皓 辜" userId="7e541bd579ed2d47" providerId="LiveId" clId="{79DF058E-2E0C-4722-BE4F-4C1F25848637}" dt="2022-05-04T00:33:31.923" v="1502" actId="313"/>
+          <ac:spMkLst>
+            <pc:docMk/>
+            <pc:sldMk cId="3526378995" sldId="258"/>
+            <ac:spMk id="9" creationId="{7C9F297A-8210-42BB-9D29-26DFFAD6D5F3}"/>
+          </ac:spMkLst>
+        </pc:spChg>
+        <pc:picChg chg="mod modCrop">
+          <ac:chgData name="之皓 辜" userId="7e541bd579ed2d47" providerId="LiveId" clId="{79DF058E-2E0C-4722-BE4F-4C1F25848637}" dt="2022-05-03T23:53:34.377" v="833" actId="732"/>
+          <ac:picMkLst>
+            <pc:docMk/>
+            <pc:sldMk cId="3526378995" sldId="258"/>
+            <ac:picMk id="6" creationId="{7963C3D2-84D2-458C-869C-5DD8BBECB4A5}"/>
+          </ac:picMkLst>
+        </pc:picChg>
+      </pc:sldChg>
+      <pc:sldChg chg="add modNotesTx">
+        <pc:chgData name="之皓 辜" userId="7e541bd579ed2d47" providerId="LiveId" clId="{79DF058E-2E0C-4722-BE4F-4C1F25848637}" dt="2022-05-04T01:40:36.883" v="2286" actId="20577"/>
+        <pc:sldMkLst>
+          <pc:docMk/>
+          <pc:sldMk cId="4085121333" sldId="259"/>
+        </pc:sldMkLst>
+      </pc:sldChg>
+      <pc:sldChg chg="modSp add mod">
+        <pc:chgData name="之皓 辜" userId="7e541bd579ed2d47" providerId="LiveId" clId="{79DF058E-2E0C-4722-BE4F-4C1F25848637}" dt="2022-05-04T01:35:58.792" v="2163" actId="20577"/>
+        <pc:sldMkLst>
+          <pc:docMk/>
+          <pc:sldMk cId="3416626871" sldId="261"/>
+        </pc:sldMkLst>
+        <pc:spChg chg="mod">
+          <ac:chgData name="之皓 辜" userId="7e541bd579ed2d47" providerId="LiveId" clId="{79DF058E-2E0C-4722-BE4F-4C1F25848637}" dt="2022-05-04T01:35:58.792" v="2163" actId="20577"/>
+          <ac:spMkLst>
+            <pc:docMk/>
+            <pc:sldMk cId="3416626871" sldId="261"/>
+            <ac:spMk id="3" creationId="{E7FE0ACE-A7AF-45FA-A7AF-DAD5CE6291DD}"/>
+          </ac:spMkLst>
+        </pc:spChg>
+      </pc:sldChg>
+      <pc:sldChg chg="addSp delSp modSp add mod modNotesTx">
+        <pc:chgData name="之皓 辜" userId="7e541bd579ed2d47" providerId="LiveId" clId="{79DF058E-2E0C-4722-BE4F-4C1F25848637}" dt="2022-05-03T23:44:17.606" v="770" actId="113"/>
         <pc:sldMkLst>
           <pc:docMk/>
           <pc:sldMk cId="2961724078" sldId="262"/>
@@ -224,42 +301,154 @@
           </ac:spMkLst>
         </pc:spChg>
       </pc:sldChg>
-      <pc:sldChg chg="new">
-        <pc:chgData name="之皓 辜" userId="7e541bd579ed2d47" providerId="LiveId" clId="{79DF058E-2E0C-4722-BE4F-4C1F25848637}" dt="2022-05-03T04:30:05.554" v="267" actId="680"/>
+      <pc:sldChg chg="addSp delSp modSp new del mod">
+        <pc:chgData name="之皓 辜" userId="7e541bd579ed2d47" providerId="LiveId" clId="{79DF058E-2E0C-4722-BE4F-4C1F25848637}" dt="2022-05-03T23:46:34.265" v="802" actId="47"/>
         <pc:sldMkLst>
           <pc:docMk/>
           <pc:sldMk cId="2135914280" sldId="263"/>
         </pc:sldMkLst>
+        <pc:spChg chg="mod">
+          <ac:chgData name="之皓 辜" userId="7e541bd579ed2d47" providerId="LiveId" clId="{79DF058E-2E0C-4722-BE4F-4C1F25848637}" dt="2022-05-03T23:46:25.299" v="799" actId="20577"/>
+          <ac:spMkLst>
+            <pc:docMk/>
+            <pc:sldMk cId="2135914280" sldId="263"/>
+            <ac:spMk id="2" creationId="{732F0EC7-8AC8-00BC-BF5F-019FE2F7403F}"/>
+          </ac:spMkLst>
+        </pc:spChg>
+        <pc:spChg chg="add del">
+          <ac:chgData name="之皓 辜" userId="7e541bd579ed2d47" providerId="LiveId" clId="{79DF058E-2E0C-4722-BE4F-4C1F25848637}" dt="2022-05-03T23:46:30.736" v="801"/>
+          <ac:spMkLst>
+            <pc:docMk/>
+            <pc:sldMk cId="2135914280" sldId="263"/>
+            <ac:spMk id="3" creationId="{486ED9B2-8FA8-9E44-1629-33A309926A6C}"/>
+          </ac:spMkLst>
+        </pc:spChg>
+        <pc:spChg chg="add del mod">
+          <ac:chgData name="之皓 辜" userId="7e541bd579ed2d47" providerId="LiveId" clId="{79DF058E-2E0C-4722-BE4F-4C1F25848637}" dt="2022-05-03T23:46:30.736" v="801"/>
+          <ac:spMkLst>
+            <pc:docMk/>
+            <pc:sldMk cId="2135914280" sldId="263"/>
+            <ac:spMk id="4" creationId="{D18CA09E-59BC-2D91-D3CE-FCE5269919F4}"/>
+          </ac:spMkLst>
+        </pc:spChg>
       </pc:sldChg>
-      <pc:sldChg chg="new">
-        <pc:chgData name="之皓 辜" userId="7e541bd579ed2d47" providerId="LiveId" clId="{79DF058E-2E0C-4722-BE4F-4C1F25848637}" dt="2022-05-03T04:30:05.770" v="268" actId="680"/>
+      <pc:sldChg chg="addSp delSp modSp new mod modNotesTx">
+        <pc:chgData name="之皓 辜" userId="7e541bd579ed2d47" providerId="LiveId" clId="{79DF058E-2E0C-4722-BE4F-4C1F25848637}" dt="2022-05-04T01:45:36.973" v="2883" actId="20577"/>
         <pc:sldMkLst>
           <pc:docMk/>
           <pc:sldMk cId="1022795079" sldId="264"/>
         </pc:sldMkLst>
+        <pc:spChg chg="mod">
+          <ac:chgData name="之皓 辜" userId="7e541bd579ed2d47" providerId="LiveId" clId="{79DF058E-2E0C-4722-BE4F-4C1F25848637}" dt="2022-05-03T23:51:48.300" v="828" actId="962"/>
+          <ac:spMkLst>
+            <pc:docMk/>
+            <pc:sldMk cId="1022795079" sldId="264"/>
+            <ac:spMk id="2" creationId="{33A8ABC4-035D-F86A-F44A-C94D356F780E}"/>
+          </ac:spMkLst>
+        </pc:spChg>
+        <pc:spChg chg="del">
+          <ac:chgData name="之皓 辜" userId="7e541bd579ed2d47" providerId="LiveId" clId="{79DF058E-2E0C-4722-BE4F-4C1F25848637}" dt="2022-05-03T23:51:44.795" v="825" actId="931"/>
+          <ac:spMkLst>
+            <pc:docMk/>
+            <pc:sldMk cId="1022795079" sldId="264"/>
+            <ac:spMk id="3" creationId="{E032C3B4-3A4C-A7D4-FA78-B813317C02E5}"/>
+          </ac:spMkLst>
+        </pc:spChg>
+        <pc:spChg chg="add del mod">
+          <ac:chgData name="之皓 辜" userId="7e541bd579ed2d47" providerId="LiveId" clId="{79DF058E-2E0C-4722-BE4F-4C1F25848637}" dt="2022-05-03T23:53:26.277" v="832"/>
+          <ac:spMkLst>
+            <pc:docMk/>
+            <pc:sldMk cId="1022795079" sldId="264"/>
+            <ac:spMk id="6" creationId="{0601C8AC-0378-518D-37A5-9A097263357E}"/>
+          </ac:spMkLst>
+        </pc:spChg>
+        <pc:spChg chg="add mod">
+          <ac:chgData name="之皓 辜" userId="7e541bd579ed2d47" providerId="LiveId" clId="{79DF058E-2E0C-4722-BE4F-4C1F25848637}" dt="2022-05-04T00:17:50.508" v="1209" actId="20577"/>
+          <ac:spMkLst>
+            <pc:docMk/>
+            <pc:sldMk cId="1022795079" sldId="264"/>
+            <ac:spMk id="7" creationId="{4215555F-ACAD-511E-9735-35819ACC4926}"/>
+          </ac:spMkLst>
+        </pc:spChg>
+        <pc:spChg chg="add mod">
+          <ac:chgData name="之皓 辜" userId="7e541bd579ed2d47" providerId="LiveId" clId="{79DF058E-2E0C-4722-BE4F-4C1F25848637}" dt="2022-05-04T00:07:07.021" v="1057" actId="1076"/>
+          <ac:spMkLst>
+            <pc:docMk/>
+            <pc:sldMk cId="1022795079" sldId="264"/>
+            <ac:spMk id="8" creationId="{46D0C9CB-76C2-F4A0-AD25-96BAC9B84979}"/>
+          </ac:spMkLst>
+        </pc:spChg>
+        <pc:spChg chg="add del mod">
+          <ac:chgData name="之皓 辜" userId="7e541bd579ed2d47" providerId="LiveId" clId="{79DF058E-2E0C-4722-BE4F-4C1F25848637}" dt="2022-05-04T01:24:04.419" v="1896" actId="21"/>
+          <ac:spMkLst>
+            <pc:docMk/>
+            <pc:sldMk cId="1022795079" sldId="264"/>
+            <ac:spMk id="10" creationId="{1D64E0BC-29A6-86D8-971A-837997CE28F2}"/>
+          </ac:spMkLst>
+        </pc:spChg>
+        <pc:picChg chg="add del mod">
+          <ac:chgData name="之皓 辜" userId="7e541bd579ed2d47" providerId="LiveId" clId="{79DF058E-2E0C-4722-BE4F-4C1F25848637}" dt="2022-05-04T01:24:04.419" v="1896" actId="21"/>
+          <ac:picMkLst>
+            <pc:docMk/>
+            <pc:sldMk cId="1022795079" sldId="264"/>
+            <ac:picMk id="5" creationId="{7900A7DA-6C8A-139F-C8E5-88607D43D1DA}"/>
+          </ac:picMkLst>
+        </pc:picChg>
       </pc:sldChg>
-      <pc:sldChg chg="new">
-        <pc:chgData name="之皓 辜" userId="7e541bd579ed2d47" providerId="LiveId" clId="{79DF058E-2E0C-4722-BE4F-4C1F25848637}" dt="2022-05-03T04:30:05.972" v="269" actId="680"/>
+      <pc:sldChg chg="addSp modSp new mod">
+        <pc:chgData name="之皓 辜" userId="7e541bd579ed2d47" providerId="LiveId" clId="{79DF058E-2E0C-4722-BE4F-4C1F25848637}" dt="2022-05-04T01:13:28.514" v="1669" actId="1076"/>
         <pc:sldMkLst>
           <pc:docMk/>
           <pc:sldMk cId="3305979141" sldId="265"/>
         </pc:sldMkLst>
+        <pc:spChg chg="mod">
+          <ac:chgData name="之皓 辜" userId="7e541bd579ed2d47" providerId="LiveId" clId="{79DF058E-2E0C-4722-BE4F-4C1F25848637}" dt="2022-05-04T00:37:13.372" v="1534" actId="20577"/>
+          <ac:spMkLst>
+            <pc:docMk/>
+            <pc:sldMk cId="3305979141" sldId="265"/>
+            <ac:spMk id="2" creationId="{571C99F8-F4B9-0AE1-B828-E77B434D131F}"/>
+          </ac:spMkLst>
+        </pc:spChg>
+        <pc:spChg chg="mod">
+          <ac:chgData name="之皓 辜" userId="7e541bd579ed2d47" providerId="LiveId" clId="{79DF058E-2E0C-4722-BE4F-4C1F25848637}" dt="2022-05-04T01:12:38.473" v="1651" actId="1076"/>
+          <ac:spMkLst>
+            <pc:docMk/>
+            <pc:sldMk cId="3305979141" sldId="265"/>
+            <ac:spMk id="3" creationId="{497546A0-2FBF-5287-47C5-64BAFC260649}"/>
+          </ac:spMkLst>
+        </pc:spChg>
+        <pc:picChg chg="add mod modCrop">
+          <ac:chgData name="之皓 辜" userId="7e541bd579ed2d47" providerId="LiveId" clId="{79DF058E-2E0C-4722-BE4F-4C1F25848637}" dt="2022-05-04T01:13:28.514" v="1669" actId="1076"/>
+          <ac:picMkLst>
+            <pc:docMk/>
+            <pc:sldMk cId="3305979141" sldId="265"/>
+            <ac:picMk id="4" creationId="{5D849911-C81D-09C1-1104-DA39F80A60C9}"/>
+          </ac:picMkLst>
+        </pc:picChg>
+        <pc:picChg chg="add mod">
+          <ac:chgData name="之皓 辜" userId="7e541bd579ed2d47" providerId="LiveId" clId="{79DF058E-2E0C-4722-BE4F-4C1F25848637}" dt="2022-05-04T01:13:14.491" v="1665" actId="1076"/>
+          <ac:picMkLst>
+            <pc:docMk/>
+            <pc:sldMk cId="3305979141" sldId="265"/>
+            <ac:picMk id="6" creationId="{16C934DC-01C7-D211-4F04-F32B2BDBA910}"/>
+          </ac:picMkLst>
+        </pc:picChg>
       </pc:sldChg>
-      <pc:sldChg chg="new">
-        <pc:chgData name="之皓 辜" userId="7e541bd579ed2d47" providerId="LiveId" clId="{79DF058E-2E0C-4722-BE4F-4C1F25848637}" dt="2022-05-03T04:30:06.132" v="270" actId="680"/>
+      <pc:sldChg chg="new del">
+        <pc:chgData name="之皓 辜" userId="7e541bd579ed2d47" providerId="LiveId" clId="{79DF058E-2E0C-4722-BE4F-4C1F25848637}" dt="2022-05-04T00:37:18.792" v="1535" actId="47"/>
         <pc:sldMkLst>
           <pc:docMk/>
           <pc:sldMk cId="3954431065" sldId="266"/>
         </pc:sldMkLst>
       </pc:sldChg>
-      <pc:sldChg chg="addSp delSp modSp new mod">
-        <pc:chgData name="之皓 辜" userId="7e541bd579ed2d47" providerId="LiveId" clId="{79DF058E-2E0C-4722-BE4F-4C1F25848637}" dt="2022-05-03T05:33:37.162" v="604" actId="20577"/>
+      <pc:sldChg chg="addSp delSp modSp new mod modNotesTx">
+        <pc:chgData name="之皓 辜" userId="7e541bd579ed2d47" providerId="LiveId" clId="{79DF058E-2E0C-4722-BE4F-4C1F25848637}" dt="2022-05-04T01:35:05.178" v="2104" actId="1076"/>
         <pc:sldMkLst>
           <pc:docMk/>
           <pc:sldMk cId="2036234987" sldId="267"/>
         </pc:sldMkLst>
         <pc:spChg chg="mod">
-          <ac:chgData name="之皓 辜" userId="7e541bd579ed2d47" providerId="LiveId" clId="{79DF058E-2E0C-4722-BE4F-4C1F25848637}" dt="2022-05-03T04:59:41.209" v="493" actId="20577"/>
+          <ac:chgData name="之皓 辜" userId="7e541bd579ed2d47" providerId="LiveId" clId="{79DF058E-2E0C-4722-BE4F-4C1F25848637}" dt="2022-05-04T00:34:44.871" v="1503" actId="20577"/>
           <ac:spMkLst>
             <pc:docMk/>
             <pc:sldMk cId="2036234987" sldId="267"/>
@@ -275,13 +464,21 @@
           </ac:spMkLst>
         </pc:spChg>
         <pc:spChg chg="add mod">
-          <ac:chgData name="之皓 辜" userId="7e541bd579ed2d47" providerId="LiveId" clId="{79DF058E-2E0C-4722-BE4F-4C1F25848637}" dt="2022-05-03T05:33:37.162" v="604" actId="20577"/>
+          <ac:chgData name="之皓 辜" userId="7e541bd579ed2d47" providerId="LiveId" clId="{79DF058E-2E0C-4722-BE4F-4C1F25848637}" dt="2022-05-04T01:35:02.598" v="2102" actId="1076"/>
           <ac:spMkLst>
             <pc:docMk/>
             <pc:sldMk cId="2036234987" sldId="267"/>
             <ac:spMk id="7" creationId="{44E7CEC9-BA37-73CA-1FC5-F16C873A3BBA}"/>
           </ac:spMkLst>
         </pc:spChg>
+        <pc:picChg chg="add mod modCrop">
+          <ac:chgData name="之皓 辜" userId="7e541bd579ed2d47" providerId="LiveId" clId="{79DF058E-2E0C-4722-BE4F-4C1F25848637}" dt="2022-05-04T01:35:04.007" v="2103" actId="1076"/>
+          <ac:picMkLst>
+            <pc:docMk/>
+            <pc:sldMk cId="2036234987" sldId="267"/>
+            <ac:picMk id="4" creationId="{36E6A0C2-2EEC-938F-39A7-08CEEE57EEAC}"/>
+          </ac:picMkLst>
+        </pc:picChg>
         <pc:picChg chg="add del mod ord">
           <ac:chgData name="之皓 辜" userId="7e541bd579ed2d47" providerId="LiveId" clId="{79DF058E-2E0C-4722-BE4F-4C1F25848637}" dt="2022-05-03T04:58:11.080" v="487" actId="478"/>
           <ac:picMkLst>
@@ -290,6 +487,364 @@
             <ac:picMk id="5" creationId="{73A7FB54-2FE2-9C60-857A-7946F17729BF}"/>
           </ac:picMkLst>
         </pc:picChg>
+        <pc:picChg chg="add mod modCrop">
+          <ac:chgData name="之皓 辜" userId="7e541bd579ed2d47" providerId="LiveId" clId="{79DF058E-2E0C-4722-BE4F-4C1F25848637}" dt="2022-05-04T01:35:05.178" v="2104" actId="1076"/>
+          <ac:picMkLst>
+            <pc:docMk/>
+            <pc:sldMk cId="2036234987" sldId="267"/>
+            <ac:picMk id="6" creationId="{452C2F3F-ECF6-1020-094F-44C7D9CC8E7F}"/>
+          </ac:picMkLst>
+        </pc:picChg>
+      </pc:sldChg>
+      <pc:sldChg chg="modSp add mod modNotesTx">
+        <pc:chgData name="之皓 辜" userId="7e541bd579ed2d47" providerId="LiveId" clId="{79DF058E-2E0C-4722-BE4F-4C1F25848637}" dt="2022-05-04T01:40:19.608" v="2285" actId="20577"/>
+        <pc:sldMkLst>
+          <pc:docMk/>
+          <pc:sldMk cId="2885138349" sldId="268"/>
+        </pc:sldMkLst>
+        <pc:spChg chg="mod">
+          <ac:chgData name="之皓 辜" userId="7e541bd579ed2d47" providerId="LiveId" clId="{79DF058E-2E0C-4722-BE4F-4C1F25848637}" dt="2022-05-03T23:36:23.458" v="640" actId="20577"/>
+          <ac:spMkLst>
+            <pc:docMk/>
+            <pc:sldMk cId="2885138349" sldId="268"/>
+            <ac:spMk id="3" creationId="{44EF6E0E-3502-4253-97B7-9F37D60B009E}"/>
+          </ac:spMkLst>
+        </pc:spChg>
+      </pc:sldChg>
+      <pc:sldChg chg="new del">
+        <pc:chgData name="之皓 辜" userId="7e541bd579ed2d47" providerId="LiveId" clId="{79DF058E-2E0C-4722-BE4F-4C1F25848637}" dt="2022-05-03T23:35:56.139" v="618" actId="47"/>
+        <pc:sldMkLst>
+          <pc:docMk/>
+          <pc:sldMk cId="3159045853" sldId="268"/>
+        </pc:sldMkLst>
+      </pc:sldChg>
+      <pc:sldChg chg="delSp modSp new mod">
+        <pc:chgData name="之皓 辜" userId="7e541bd579ed2d47" providerId="LiveId" clId="{79DF058E-2E0C-4722-BE4F-4C1F25848637}" dt="2022-05-04T01:36:20.793" v="2170" actId="403"/>
+        <pc:sldMkLst>
+          <pc:docMk/>
+          <pc:sldMk cId="3686816197" sldId="269"/>
+        </pc:sldMkLst>
+        <pc:spChg chg="mod">
+          <ac:chgData name="之皓 辜" userId="7e541bd579ed2d47" providerId="LiveId" clId="{79DF058E-2E0C-4722-BE4F-4C1F25848637}" dt="2022-05-04T01:36:20.793" v="2170" actId="403"/>
+          <ac:spMkLst>
+            <pc:docMk/>
+            <pc:sldMk cId="3686816197" sldId="269"/>
+            <ac:spMk id="2" creationId="{B277C5A7-6334-C67A-B532-113A3A11D3B8}"/>
+          </ac:spMkLst>
+        </pc:spChg>
+        <pc:spChg chg="del mod">
+          <ac:chgData name="之皓 辜" userId="7e541bd579ed2d47" providerId="LiveId" clId="{79DF058E-2E0C-4722-BE4F-4C1F25848637}" dt="2022-05-03T23:45:02.599" v="789" actId="478"/>
+          <ac:spMkLst>
+            <pc:docMk/>
+            <pc:sldMk cId="3686816197" sldId="269"/>
+            <ac:spMk id="3" creationId="{E9F95D74-E425-4031-E5A4-E16BEEADCCF7}"/>
+          </ac:spMkLst>
+        </pc:spChg>
+      </pc:sldChg>
+      <pc:sldChg chg="addSp delSp modSp add mod">
+        <pc:chgData name="之皓 辜" userId="7e541bd579ed2d47" providerId="LiveId" clId="{79DF058E-2E0C-4722-BE4F-4C1F25848637}" dt="2022-05-04T01:15:17.103" v="1855" actId="1076"/>
+        <pc:sldMkLst>
+          <pc:docMk/>
+          <pc:sldMk cId="2578867843" sldId="270"/>
+        </pc:sldMkLst>
+        <pc:spChg chg="mod">
+          <ac:chgData name="之皓 辜" userId="7e541bd579ed2d47" providerId="LiveId" clId="{79DF058E-2E0C-4722-BE4F-4C1F25848637}" dt="2022-05-04T01:13:37.438" v="1677" actId="20577"/>
+          <ac:spMkLst>
+            <pc:docMk/>
+            <pc:sldMk cId="2578867843" sldId="270"/>
+            <ac:spMk id="2" creationId="{571C99F8-F4B9-0AE1-B828-E77B434D131F}"/>
+          </ac:spMkLst>
+        </pc:spChg>
+        <pc:spChg chg="del">
+          <ac:chgData name="之皓 辜" userId="7e541bd579ed2d47" providerId="LiveId" clId="{79DF058E-2E0C-4722-BE4F-4C1F25848637}" dt="2022-05-04T01:07:35.536" v="1620"/>
+          <ac:spMkLst>
+            <pc:docMk/>
+            <pc:sldMk cId="2578867843" sldId="270"/>
+            <ac:spMk id="3" creationId="{497546A0-2FBF-5287-47C5-64BAFC260649}"/>
+          </ac:spMkLst>
+        </pc:spChg>
+        <pc:spChg chg="add del mod">
+          <ac:chgData name="之皓 辜" userId="7e541bd579ed2d47" providerId="LiveId" clId="{79DF058E-2E0C-4722-BE4F-4C1F25848637}" dt="2022-05-04T01:14:07.684" v="1713" actId="478"/>
+          <ac:spMkLst>
+            <pc:docMk/>
+            <pc:sldMk cId="2578867843" sldId="270"/>
+            <ac:spMk id="6" creationId="{38EB9FF1-BB02-708E-AD9C-28AE856777BF}"/>
+          </ac:spMkLst>
+        </pc:spChg>
+        <pc:spChg chg="add mod">
+          <ac:chgData name="之皓 辜" userId="7e541bd579ed2d47" providerId="LiveId" clId="{79DF058E-2E0C-4722-BE4F-4C1F25848637}" dt="2022-05-04T01:15:17.103" v="1855" actId="1076"/>
+          <ac:spMkLst>
+            <pc:docMk/>
+            <pc:sldMk cId="2578867843" sldId="270"/>
+            <ac:spMk id="7" creationId="{EF592ED6-E3B5-A42F-95D3-1AD87F95E462}"/>
+          </ac:spMkLst>
+        </pc:spChg>
+        <pc:picChg chg="add mod">
+          <ac:chgData name="之皓 辜" userId="7e541bd579ed2d47" providerId="LiveId" clId="{79DF058E-2E0C-4722-BE4F-4C1F25848637}" dt="2022-05-04T01:07:42.176" v="1624" actId="1076"/>
+          <ac:picMkLst>
+            <pc:docMk/>
+            <pc:sldMk cId="2578867843" sldId="270"/>
+            <ac:picMk id="5" creationId="{1F7DA3ED-DA26-B5E8-1F88-909E27226800}"/>
+          </ac:picMkLst>
+        </pc:picChg>
+      </pc:sldChg>
+      <pc:sldChg chg="addSp delSp modSp add mod">
+        <pc:chgData name="之皓 辜" userId="7e541bd579ed2d47" providerId="LiveId" clId="{79DF058E-2E0C-4722-BE4F-4C1F25848637}" dt="2022-05-04T01:24:28.584" v="1906" actId="478"/>
+        <pc:sldMkLst>
+          <pc:docMk/>
+          <pc:sldMk cId="2382385291" sldId="271"/>
+        </pc:sldMkLst>
+        <pc:spChg chg="mod">
+          <ac:chgData name="之皓 辜" userId="7e541bd579ed2d47" providerId="LiveId" clId="{79DF058E-2E0C-4722-BE4F-4C1F25848637}" dt="2022-05-04T01:15:33.175" v="1856"/>
+          <ac:spMkLst>
+            <pc:docMk/>
+            <pc:sldMk cId="2382385291" sldId="271"/>
+            <ac:spMk id="2" creationId="{571C99F8-F4B9-0AE1-B828-E77B434D131F}"/>
+          </ac:spMkLst>
+        </pc:spChg>
+        <pc:spChg chg="mod">
+          <ac:chgData name="之皓 辜" userId="7e541bd579ed2d47" providerId="LiveId" clId="{79DF058E-2E0C-4722-BE4F-4C1F25848637}" dt="2022-05-04T01:22:56.794" v="1884"/>
+          <ac:spMkLst>
+            <pc:docMk/>
+            <pc:sldMk cId="2382385291" sldId="271"/>
+            <ac:spMk id="3" creationId="{497546A0-2FBF-5287-47C5-64BAFC260649}"/>
+          </ac:spMkLst>
+        </pc:spChg>
+        <pc:spChg chg="add del">
+          <ac:chgData name="之皓 辜" userId="7e541bd579ed2d47" providerId="LiveId" clId="{79DF058E-2E0C-4722-BE4F-4C1F25848637}" dt="2022-05-04T01:22:49.770" v="1881"/>
+          <ac:spMkLst>
+            <pc:docMk/>
+            <pc:sldMk cId="2382385291" sldId="271"/>
+            <ac:spMk id="4" creationId="{20822031-ADE9-3356-8432-FC08373365DF}"/>
+          </ac:spMkLst>
+        </pc:spChg>
+        <pc:spChg chg="add del">
+          <ac:chgData name="之皓 辜" userId="7e541bd579ed2d47" providerId="LiveId" clId="{79DF058E-2E0C-4722-BE4F-4C1F25848637}" dt="2022-05-04T01:22:51.352" v="1883"/>
+          <ac:spMkLst>
+            <pc:docMk/>
+            <pc:sldMk cId="2382385291" sldId="271"/>
+            <ac:spMk id="5" creationId="{B4E6609C-4C49-5FFE-1799-70B5301D79C5}"/>
+          </ac:spMkLst>
+        </pc:spChg>
+        <pc:picChg chg="add mod">
+          <ac:chgData name="之皓 辜" userId="7e541bd579ed2d47" providerId="LiveId" clId="{79DF058E-2E0C-4722-BE4F-4C1F25848637}" dt="2022-05-04T01:23:13.900" v="1889" actId="1076"/>
+          <ac:picMkLst>
+            <pc:docMk/>
+            <pc:sldMk cId="2382385291" sldId="271"/>
+            <ac:picMk id="7" creationId="{E9AAAC89-7EBF-13C5-C2DE-95887ED682BF}"/>
+          </ac:picMkLst>
+        </pc:picChg>
+        <pc:picChg chg="add mod">
+          <ac:chgData name="之皓 辜" userId="7e541bd579ed2d47" providerId="LiveId" clId="{79DF058E-2E0C-4722-BE4F-4C1F25848637}" dt="2022-05-04T01:23:28.069" v="1894" actId="1076"/>
+          <ac:picMkLst>
+            <pc:docMk/>
+            <pc:sldMk cId="2382385291" sldId="271"/>
+            <ac:picMk id="9" creationId="{7DA65B44-0B71-C048-1C7E-36E02BF5A190}"/>
+          </ac:picMkLst>
+        </pc:picChg>
+        <pc:picChg chg="add del mod">
+          <ac:chgData name="之皓 辜" userId="7e541bd579ed2d47" providerId="LiveId" clId="{79DF058E-2E0C-4722-BE4F-4C1F25848637}" dt="2022-05-04T01:24:28.584" v="1906" actId="478"/>
+          <ac:picMkLst>
+            <pc:docMk/>
+            <pc:sldMk cId="2382385291" sldId="271"/>
+            <ac:picMk id="10" creationId="{4A4EA969-EF5D-3E26-FC28-EAC8AF11F34D}"/>
+          </ac:picMkLst>
+        </pc:picChg>
+      </pc:sldChg>
+      <pc:sldChg chg="new del">
+        <pc:chgData name="之皓 辜" userId="7e541bd579ed2d47" providerId="LiveId" clId="{79DF058E-2E0C-4722-BE4F-4C1F25848637}" dt="2022-05-04T01:30:13.354" v="1971" actId="47"/>
+        <pc:sldMkLst>
+          <pc:docMk/>
+          <pc:sldMk cId="1071558086" sldId="272"/>
+        </pc:sldMkLst>
+      </pc:sldChg>
+      <pc:sldChg chg="addSp delSp modSp add mod">
+        <pc:chgData name="之皓 辜" userId="7e541bd579ed2d47" providerId="LiveId" clId="{79DF058E-2E0C-4722-BE4F-4C1F25848637}" dt="2022-05-04T01:25:18.066" v="1921" actId="1076"/>
+        <pc:sldMkLst>
+          <pc:docMk/>
+          <pc:sldMk cId="4021460358" sldId="273"/>
+        </pc:sldMkLst>
+        <pc:spChg chg="del">
+          <ac:chgData name="之皓 辜" userId="7e541bd579ed2d47" providerId="LiveId" clId="{79DF058E-2E0C-4722-BE4F-4C1F25848637}" dt="2022-05-04T01:24:34.455" v="1910" actId="478"/>
+          <ac:spMkLst>
+            <pc:docMk/>
+            <pc:sldMk cId="4021460358" sldId="273"/>
+            <ac:spMk id="3" creationId="{497546A0-2FBF-5287-47C5-64BAFC260649}"/>
+          </ac:spMkLst>
+        </pc:spChg>
+        <pc:spChg chg="add del mod">
+          <ac:chgData name="之皓 辜" userId="7e541bd579ed2d47" providerId="LiveId" clId="{79DF058E-2E0C-4722-BE4F-4C1F25848637}" dt="2022-05-04T01:24:37.990" v="1911" actId="478"/>
+          <ac:spMkLst>
+            <pc:docMk/>
+            <pc:sldMk cId="4021460358" sldId="273"/>
+            <ac:spMk id="5" creationId="{524D4A0D-0AD6-7150-6C17-ACC36DE6C49D}"/>
+          </ac:spMkLst>
+        </pc:spChg>
+        <pc:spChg chg="add mod">
+          <ac:chgData name="之皓 辜" userId="7e541bd579ed2d47" providerId="LiveId" clId="{79DF058E-2E0C-4722-BE4F-4C1F25848637}" dt="2022-05-04T01:25:13.425" v="1920" actId="14100"/>
+          <ac:spMkLst>
+            <pc:docMk/>
+            <pc:sldMk cId="4021460358" sldId="273"/>
+            <ac:spMk id="11" creationId="{230F050E-3DE5-6059-ACC6-DF98E002E229}"/>
+          </ac:spMkLst>
+        </pc:spChg>
+        <pc:picChg chg="del">
+          <ac:chgData name="之皓 辜" userId="7e541bd579ed2d47" providerId="LiveId" clId="{79DF058E-2E0C-4722-BE4F-4C1F25848637}" dt="2022-05-04T01:24:32.888" v="1909" actId="478"/>
+          <ac:picMkLst>
+            <pc:docMk/>
+            <pc:sldMk cId="4021460358" sldId="273"/>
+            <ac:picMk id="7" creationId="{E9AAAC89-7EBF-13C5-C2DE-95887ED682BF}"/>
+          </ac:picMkLst>
+        </pc:picChg>
+        <pc:picChg chg="del">
+          <ac:chgData name="之皓 辜" userId="7e541bd579ed2d47" providerId="LiveId" clId="{79DF058E-2E0C-4722-BE4F-4C1F25848637}" dt="2022-05-04T01:24:31.454" v="1907" actId="478"/>
+          <ac:picMkLst>
+            <pc:docMk/>
+            <pc:sldMk cId="4021460358" sldId="273"/>
+            <ac:picMk id="9" creationId="{7DA65B44-0B71-C048-1C7E-36E02BF5A190}"/>
+          </ac:picMkLst>
+        </pc:picChg>
+        <pc:picChg chg="add del mod modCrop">
+          <ac:chgData name="之皓 辜" userId="7e541bd579ed2d47" providerId="LiveId" clId="{79DF058E-2E0C-4722-BE4F-4C1F25848637}" dt="2022-05-04T01:25:18.066" v="1921" actId="1076"/>
+          <ac:picMkLst>
+            <pc:docMk/>
+            <pc:sldMk cId="4021460358" sldId="273"/>
+            <ac:picMk id="10" creationId="{4A4EA969-EF5D-3E26-FC28-EAC8AF11F34D}"/>
+          </ac:picMkLst>
+        </pc:picChg>
+      </pc:sldChg>
+      <pc:sldChg chg="addSp delSp modSp add mod">
+        <pc:chgData name="之皓 辜" userId="7e541bd579ed2d47" providerId="LiveId" clId="{79DF058E-2E0C-4722-BE4F-4C1F25848637}" dt="2022-05-04T01:29:23.504" v="1969" actId="1076"/>
+        <pc:sldMkLst>
+          <pc:docMk/>
+          <pc:sldMk cId="1391128121" sldId="274"/>
+        </pc:sldMkLst>
+        <pc:spChg chg="mod">
+          <ac:chgData name="之皓 辜" userId="7e541bd579ed2d47" providerId="LiveId" clId="{79DF058E-2E0C-4722-BE4F-4C1F25848637}" dt="2022-05-04T01:27:16.625" v="1939" actId="20577"/>
+          <ac:spMkLst>
+            <pc:docMk/>
+            <pc:sldMk cId="1391128121" sldId="274"/>
+            <ac:spMk id="3" creationId="{497546A0-2FBF-5287-47C5-64BAFC260649}"/>
+          </ac:spMkLst>
+        </pc:spChg>
+        <pc:picChg chg="add del mod">
+          <ac:chgData name="之皓 辜" userId="7e541bd579ed2d47" providerId="LiveId" clId="{79DF058E-2E0C-4722-BE4F-4C1F25848637}" dt="2022-05-04T01:28:49.357" v="1958" actId="478"/>
+          <ac:picMkLst>
+            <pc:docMk/>
+            <pc:sldMk cId="1391128121" sldId="274"/>
+            <ac:picMk id="5" creationId="{44EC5B65-98DC-2588-BEC1-A0C630EC1C13}"/>
+          </ac:picMkLst>
+        </pc:picChg>
+        <pc:picChg chg="del">
+          <ac:chgData name="之皓 辜" userId="7e541bd579ed2d47" providerId="LiveId" clId="{79DF058E-2E0C-4722-BE4F-4C1F25848637}" dt="2022-05-04T01:27:28.031" v="1940" actId="478"/>
+          <ac:picMkLst>
+            <pc:docMk/>
+            <pc:sldMk cId="1391128121" sldId="274"/>
+            <ac:picMk id="7" creationId="{E9AAAC89-7EBF-13C5-C2DE-95887ED682BF}"/>
+          </ac:picMkLst>
+        </pc:picChg>
+        <pc:picChg chg="add del mod">
+          <ac:chgData name="之皓 辜" userId="7e541bd579ed2d47" providerId="LiveId" clId="{79DF058E-2E0C-4722-BE4F-4C1F25848637}" dt="2022-05-04T01:29:21.505" v="1966" actId="478"/>
+          <ac:picMkLst>
+            <pc:docMk/>
+            <pc:sldMk cId="1391128121" sldId="274"/>
+            <ac:picMk id="8" creationId="{A33557A0-F986-66C1-0E10-92DFBFFD253B}"/>
+          </ac:picMkLst>
+        </pc:picChg>
+        <pc:picChg chg="del">
+          <ac:chgData name="之皓 辜" userId="7e541bd579ed2d47" providerId="LiveId" clId="{79DF058E-2E0C-4722-BE4F-4C1F25848637}" dt="2022-05-04T01:27:28.724" v="1941" actId="478"/>
+          <ac:picMkLst>
+            <pc:docMk/>
+            <pc:sldMk cId="1391128121" sldId="274"/>
+            <ac:picMk id="9" creationId="{7DA65B44-0B71-C048-1C7E-36E02BF5A190}"/>
+          </ac:picMkLst>
+        </pc:picChg>
+        <pc:picChg chg="add mod">
+          <ac:chgData name="之皓 辜" userId="7e541bd579ed2d47" providerId="LiveId" clId="{79DF058E-2E0C-4722-BE4F-4C1F25848637}" dt="2022-05-04T01:28:56.426" v="1964" actId="1076"/>
+          <ac:picMkLst>
+            <pc:docMk/>
+            <pc:sldMk cId="1391128121" sldId="274"/>
+            <ac:picMk id="11" creationId="{95FB71EE-D42F-F0B7-AD7D-948DD48C2A9A}"/>
+          </ac:picMkLst>
+        </pc:picChg>
+        <pc:picChg chg="add mod">
+          <ac:chgData name="之皓 辜" userId="7e541bd579ed2d47" providerId="LiveId" clId="{79DF058E-2E0C-4722-BE4F-4C1F25848637}" dt="2022-05-04T01:29:23.504" v="1969" actId="1076"/>
+          <ac:picMkLst>
+            <pc:docMk/>
+            <pc:sldMk cId="1391128121" sldId="274"/>
+            <ac:picMk id="13" creationId="{A92045EF-1E07-AF6F-DDE4-2FEA4D643842}"/>
+          </ac:picMkLst>
+        </pc:picChg>
+      </pc:sldChg>
+      <pc:sldChg chg="addSp delSp modSp add mod">
+        <pc:chgData name="之皓 辜" userId="7e541bd579ed2d47" providerId="LiveId" clId="{79DF058E-2E0C-4722-BE4F-4C1F25848637}" dt="2022-05-04T01:34:25.050" v="2101" actId="20577"/>
+        <pc:sldMkLst>
+          <pc:docMk/>
+          <pc:sldMk cId="140723287" sldId="275"/>
+        </pc:sldMkLst>
+        <pc:spChg chg="mod">
+          <ac:chgData name="之皓 辜" userId="7e541bd579ed2d47" providerId="LiveId" clId="{79DF058E-2E0C-4722-BE4F-4C1F25848637}" dt="2022-05-04T01:34:25.050" v="2101" actId="20577"/>
+          <ac:spMkLst>
+            <pc:docMk/>
+            <pc:sldMk cId="140723287" sldId="275"/>
+            <ac:spMk id="3" creationId="{497546A0-2FBF-5287-47C5-64BAFC260649}"/>
+          </ac:spMkLst>
+        </pc:spChg>
+        <pc:picChg chg="add del mod">
+          <ac:chgData name="之皓 辜" userId="7e541bd579ed2d47" providerId="LiveId" clId="{79DF058E-2E0C-4722-BE4F-4C1F25848637}" dt="2022-05-04T01:33:56.574" v="2077" actId="478"/>
+          <ac:picMkLst>
+            <pc:docMk/>
+            <pc:sldMk cId="140723287" sldId="275"/>
+            <ac:picMk id="5" creationId="{6AF2785D-B439-9721-B3EB-058B6D0AFB24}"/>
+          </ac:picMkLst>
+        </pc:picChg>
+        <pc:picChg chg="add del mod">
+          <ac:chgData name="之皓 辜" userId="7e541bd579ed2d47" providerId="LiveId" clId="{79DF058E-2E0C-4722-BE4F-4C1F25848637}" dt="2022-05-04T01:33:24.128" v="2069" actId="478"/>
+          <ac:picMkLst>
+            <pc:docMk/>
+            <pc:sldMk cId="140723287" sldId="275"/>
+            <ac:picMk id="7" creationId="{EA9E3A4F-20AB-9077-56EA-EAFEBFCDF171}"/>
+          </ac:picMkLst>
+        </pc:picChg>
+        <pc:picChg chg="add mod">
+          <ac:chgData name="之皓 辜" userId="7e541bd579ed2d47" providerId="LiveId" clId="{79DF058E-2E0C-4722-BE4F-4C1F25848637}" dt="2022-05-04T01:33:28.897" v="2073" actId="962"/>
+          <ac:picMkLst>
+            <pc:docMk/>
+            <pc:sldMk cId="140723287" sldId="275"/>
+            <ac:picMk id="9" creationId="{CD8905D9-84A2-1CBE-1EA1-CF0397D626D3}"/>
+          </ac:picMkLst>
+        </pc:picChg>
+        <pc:picChg chg="mod">
+          <ac:chgData name="之皓 辜" userId="7e541bd579ed2d47" providerId="LiveId" clId="{79DF058E-2E0C-4722-BE4F-4C1F25848637}" dt="2022-05-04T01:32:47.685" v="2066" actId="1076"/>
+          <ac:picMkLst>
+            <pc:docMk/>
+            <pc:sldMk cId="140723287" sldId="275"/>
+            <ac:picMk id="11" creationId="{95FB71EE-D42F-F0B7-AD7D-948DD48C2A9A}"/>
+          </ac:picMkLst>
+        </pc:picChg>
+        <pc:picChg chg="add mod">
+          <ac:chgData name="之皓 辜" userId="7e541bd579ed2d47" providerId="LiveId" clId="{79DF058E-2E0C-4722-BE4F-4C1F25848637}" dt="2022-05-04T01:33:59.185" v="2078" actId="1076"/>
+          <ac:picMkLst>
+            <pc:docMk/>
+            <pc:sldMk cId="140723287" sldId="275"/>
+            <ac:picMk id="12" creationId="{4CBEFBF6-5E54-7A94-B699-70D2E4D7D910}"/>
+          </ac:picMkLst>
+        </pc:picChg>
+        <pc:picChg chg="mod">
+          <ac:chgData name="之皓 辜" userId="7e541bd579ed2d47" providerId="LiveId" clId="{79DF058E-2E0C-4722-BE4F-4C1F25848637}" dt="2022-05-04T01:32:45.843" v="2064" actId="1076"/>
+          <ac:picMkLst>
+            <pc:docMk/>
+            <pc:sldMk cId="140723287" sldId="275"/>
+            <ac:picMk id="13" creationId="{A92045EF-1E07-AF6F-DDE4-2FEA4D643842}"/>
+          </ac:picMkLst>
+        </pc:picChg>
+      </pc:sldChg>
+      <pc:sldChg chg="add del">
+        <pc:chgData name="之皓 辜" userId="7e541bd579ed2d47" providerId="LiveId" clId="{79DF058E-2E0C-4722-BE4F-4C1F25848637}" dt="2022-05-04T01:27:00.512" v="1924" actId="47"/>
+        <pc:sldMkLst>
+          <pc:docMk/>
+          <pc:sldMk cId="3586044016" sldId="275"/>
+        </pc:sldMkLst>
       </pc:sldChg>
     </pc:docChg>
   </pc:docChgLst>
@@ -689,6 +1244,944 @@
           <a:bodyPr/>
           <a:lstStyle/>
           <a:p>
+            <a:r>
+              <a:rPr lang="en-US" altLang="zh-CN" dirty="0"/>
+              <a:t>The project Goals are divided into two parts, the first part is Create visualizations </a:t>
+            </a:r>
+            <a:endParaRPr lang="zh-CN" altLang="en-US" dirty="0"/>
+          </a:p>
+        </p:txBody>
+      </p:sp>
+      <p:sp>
+        <p:nvSpPr>
+          <p:cNvPr id="4" name="灯片编号占位符 3"/>
+          <p:cNvSpPr>
+            <a:spLocks noGrp="1"/>
+          </p:cNvSpPr>
+          <p:nvPr>
+            <p:ph type="sldNum" sz="quarter" idx="5"/>
+          </p:nvPr>
+        </p:nvSpPr>
+        <p:spPr/>
+        <p:txBody>
+          <a:bodyPr/>
+          <a:lstStyle/>
+          <a:p>
+            <a:fld id="{0E2A09E2-83AD-44A7-A706-E13930091990}" type="slidenum">
+              <a:rPr lang="zh-CN" altLang="en-US" smtClean="0"/>
+              <a:t>2</a:t>
+            </a:fld>
+            <a:endParaRPr lang="zh-CN" altLang="en-US"/>
+          </a:p>
+        </p:txBody>
+      </p:sp>
+    </p:spTree>
+    <p:extLst>
+      <p:ext uri="{BB962C8B-B14F-4D97-AF65-F5344CB8AC3E}">
+        <p14:creationId xmlns:p14="http://schemas.microsoft.com/office/powerpoint/2010/main" val="791367366"/>
+      </p:ext>
+    </p:extLst>
+  </p:cSld>
+  <p:clrMapOvr>
+    <a:masterClrMapping/>
+  </p:clrMapOvr>
+</p:notes>
+</file>
+
+<file path=ppt/notesSlides/notesSlide10.xml><?xml version="1.0" encoding="utf-8"?>
+<p:notes xmlns:a="http://schemas.openxmlformats.org/drawingml/2006/main" xmlns:r="http://schemas.openxmlformats.org/officeDocument/2006/relationships" xmlns:p="http://schemas.openxmlformats.org/presentationml/2006/main">
+  <p:cSld>
+    <p:spTree>
+      <p:nvGrpSpPr>
+        <p:cNvPr id="1" name=""/>
+        <p:cNvGrpSpPr/>
+        <p:nvPr/>
+      </p:nvGrpSpPr>
+      <p:grpSpPr>
+        <a:xfrm>
+          <a:off x="0" y="0"/>
+          <a:ext cx="0" cy="0"/>
+          <a:chOff x="0" y="0"/>
+          <a:chExt cx="0" cy="0"/>
+        </a:xfrm>
+      </p:grpSpPr>
+      <p:sp>
+        <p:nvSpPr>
+          <p:cNvPr id="2" name="幻灯片图像占位符 1"/>
+          <p:cNvSpPr>
+            <a:spLocks noGrp="1" noRot="1" noChangeAspect="1"/>
+          </p:cNvSpPr>
+          <p:nvPr>
+            <p:ph type="sldImg"/>
+          </p:nvPr>
+        </p:nvSpPr>
+        <p:spPr/>
+      </p:sp>
+      <p:sp>
+        <p:nvSpPr>
+          <p:cNvPr id="3" name="备注占位符 2"/>
+          <p:cNvSpPr>
+            <a:spLocks noGrp="1"/>
+          </p:cNvSpPr>
+          <p:nvPr>
+            <p:ph type="body" idx="1"/>
+          </p:nvPr>
+        </p:nvSpPr>
+        <p:spPr/>
+        <p:txBody>
+          <a:bodyPr/>
+          <a:lstStyle/>
+          <a:p>
+            <a:endParaRPr lang="zh-CN" altLang="en-US" dirty="0"/>
+          </a:p>
+        </p:txBody>
+      </p:sp>
+      <p:sp>
+        <p:nvSpPr>
+          <p:cNvPr id="4" name="灯片编号占位符 3"/>
+          <p:cNvSpPr>
+            <a:spLocks noGrp="1"/>
+          </p:cNvSpPr>
+          <p:nvPr>
+            <p:ph type="sldNum" sz="quarter" idx="5"/>
+          </p:nvPr>
+        </p:nvSpPr>
+        <p:spPr/>
+        <p:txBody>
+          <a:bodyPr/>
+          <a:lstStyle/>
+          <a:p>
+            <a:fld id="{474EE073-2A52-430B-BC8F-0C3B3CF099B4}" type="slidenum">
+              <a:rPr lang="zh-CN" altLang="en-US" smtClean="0"/>
+              <a:t>12</a:t>
+            </a:fld>
+            <a:endParaRPr lang="zh-CN" altLang="en-US"/>
+          </a:p>
+        </p:txBody>
+      </p:sp>
+    </p:spTree>
+    <p:extLst>
+      <p:ext uri="{BB962C8B-B14F-4D97-AF65-F5344CB8AC3E}">
+        <p14:creationId xmlns:p14="http://schemas.microsoft.com/office/powerpoint/2010/main" val="3208397328"/>
+      </p:ext>
+    </p:extLst>
+  </p:cSld>
+  <p:clrMapOvr>
+    <a:masterClrMapping/>
+  </p:clrMapOvr>
+</p:notes>
+</file>
+
+<file path=ppt/notesSlides/notesSlide11.xml><?xml version="1.0" encoding="utf-8"?>
+<p:notes xmlns:a="http://schemas.openxmlformats.org/drawingml/2006/main" xmlns:r="http://schemas.openxmlformats.org/officeDocument/2006/relationships" xmlns:p="http://schemas.openxmlformats.org/presentationml/2006/main">
+  <p:cSld>
+    <p:spTree>
+      <p:nvGrpSpPr>
+        <p:cNvPr id="1" name=""/>
+        <p:cNvGrpSpPr/>
+        <p:nvPr/>
+      </p:nvGrpSpPr>
+      <p:grpSpPr>
+        <a:xfrm>
+          <a:off x="0" y="0"/>
+          <a:ext cx="0" cy="0"/>
+          <a:chOff x="0" y="0"/>
+          <a:chExt cx="0" cy="0"/>
+        </a:xfrm>
+      </p:grpSpPr>
+      <p:sp>
+        <p:nvSpPr>
+          <p:cNvPr id="2" name="幻灯片图像占位符 1"/>
+          <p:cNvSpPr>
+            <a:spLocks noGrp="1" noRot="1" noChangeAspect="1"/>
+          </p:cNvSpPr>
+          <p:nvPr>
+            <p:ph type="sldImg"/>
+          </p:nvPr>
+        </p:nvSpPr>
+        <p:spPr/>
+      </p:sp>
+      <p:sp>
+        <p:nvSpPr>
+          <p:cNvPr id="3" name="备注占位符 2"/>
+          <p:cNvSpPr>
+            <a:spLocks noGrp="1"/>
+          </p:cNvSpPr>
+          <p:nvPr>
+            <p:ph type="body" idx="1"/>
+          </p:nvPr>
+        </p:nvSpPr>
+        <p:spPr/>
+        <p:txBody>
+          <a:bodyPr/>
+          <a:lstStyle/>
+          <a:p>
+            <a:r>
+              <a:rPr lang="en-US" altLang="zh-CN" dirty="0"/>
+              <a:t>At the end, we also make a simple portal website to organize all the plots. It includes all directory information about the analysis documents and charts.</a:t>
+            </a:r>
+            <a:endParaRPr lang="zh-CN" altLang="en-US" dirty="0"/>
+          </a:p>
+        </p:txBody>
+      </p:sp>
+      <p:sp>
+        <p:nvSpPr>
+          <p:cNvPr id="4" name="灯片编号占位符 3"/>
+          <p:cNvSpPr>
+            <a:spLocks noGrp="1"/>
+          </p:cNvSpPr>
+          <p:nvPr>
+            <p:ph type="sldNum" sz="quarter" idx="5"/>
+          </p:nvPr>
+        </p:nvSpPr>
+        <p:spPr/>
+        <p:txBody>
+          <a:bodyPr/>
+          <a:lstStyle/>
+          <a:p>
+            <a:fld id="{474EE073-2A52-430B-BC8F-0C3B3CF099B4}" type="slidenum">
+              <a:rPr lang="zh-CN" altLang="en-US" smtClean="0"/>
+              <a:t>13</a:t>
+            </a:fld>
+            <a:endParaRPr lang="zh-CN" altLang="en-US"/>
+          </a:p>
+        </p:txBody>
+      </p:sp>
+    </p:spTree>
+    <p:extLst>
+      <p:ext uri="{BB962C8B-B14F-4D97-AF65-F5344CB8AC3E}">
+        <p14:creationId xmlns:p14="http://schemas.microsoft.com/office/powerpoint/2010/main" val="948858994"/>
+      </p:ext>
+    </p:extLst>
+  </p:cSld>
+  <p:clrMapOvr>
+    <a:masterClrMapping/>
+  </p:clrMapOvr>
+</p:notes>
+</file>
+
+<file path=ppt/notesSlides/notesSlide12.xml><?xml version="1.0" encoding="utf-8"?>
+<p:notes xmlns:a="http://schemas.openxmlformats.org/drawingml/2006/main" xmlns:r="http://schemas.openxmlformats.org/officeDocument/2006/relationships" xmlns:p="http://schemas.openxmlformats.org/presentationml/2006/main">
+  <p:cSld>
+    <p:spTree>
+      <p:nvGrpSpPr>
+        <p:cNvPr id="1" name=""/>
+        <p:cNvGrpSpPr/>
+        <p:nvPr/>
+      </p:nvGrpSpPr>
+      <p:grpSpPr>
+        <a:xfrm>
+          <a:off x="0" y="0"/>
+          <a:ext cx="0" cy="0"/>
+          <a:chOff x="0" y="0"/>
+          <a:chExt cx="0" cy="0"/>
+        </a:xfrm>
+      </p:grpSpPr>
+      <p:sp>
+        <p:nvSpPr>
+          <p:cNvPr id="2" name="幻灯片图像占位符 1"/>
+          <p:cNvSpPr>
+            <a:spLocks noGrp="1" noRot="1" noChangeAspect="1"/>
+          </p:cNvSpPr>
+          <p:nvPr>
+            <p:ph type="sldImg"/>
+          </p:nvPr>
+        </p:nvSpPr>
+        <p:spPr/>
+      </p:sp>
+      <p:sp>
+        <p:nvSpPr>
+          <p:cNvPr id="3" name="备注占位符 2"/>
+          <p:cNvSpPr>
+            <a:spLocks noGrp="1"/>
+          </p:cNvSpPr>
+          <p:nvPr>
+            <p:ph type="body" idx="1"/>
+          </p:nvPr>
+        </p:nvSpPr>
+        <p:spPr/>
+        <p:txBody>
+          <a:bodyPr/>
+          <a:lstStyle/>
+          <a:p>
+            <a:endParaRPr lang="zh-CN" altLang="en-US" dirty="0"/>
+          </a:p>
+        </p:txBody>
+      </p:sp>
+      <p:sp>
+        <p:nvSpPr>
+          <p:cNvPr id="4" name="灯片编号占位符 3"/>
+          <p:cNvSpPr>
+            <a:spLocks noGrp="1"/>
+          </p:cNvSpPr>
+          <p:nvPr>
+            <p:ph type="sldNum" sz="quarter" idx="5"/>
+          </p:nvPr>
+        </p:nvSpPr>
+        <p:spPr/>
+        <p:txBody>
+          <a:bodyPr/>
+          <a:lstStyle/>
+          <a:p>
+            <a:fld id="{0E2A09E2-83AD-44A7-A706-E13930091990}" type="slidenum">
+              <a:rPr lang="zh-CN" altLang="en-US" smtClean="0"/>
+              <a:t>14</a:t>
+            </a:fld>
+            <a:endParaRPr lang="zh-CN" altLang="en-US"/>
+          </a:p>
+        </p:txBody>
+      </p:sp>
+    </p:spTree>
+    <p:extLst>
+      <p:ext uri="{BB962C8B-B14F-4D97-AF65-F5344CB8AC3E}">
+        <p14:creationId xmlns:p14="http://schemas.microsoft.com/office/powerpoint/2010/main" val="3697769614"/>
+      </p:ext>
+    </p:extLst>
+  </p:cSld>
+  <p:clrMapOvr>
+    <a:masterClrMapping/>
+  </p:clrMapOvr>
+</p:notes>
+</file>
+
+<file path=ppt/notesSlides/notesSlide13.xml><?xml version="1.0" encoding="utf-8"?>
+<p:notes xmlns:a="http://schemas.openxmlformats.org/drawingml/2006/main" xmlns:r="http://schemas.openxmlformats.org/officeDocument/2006/relationships" xmlns:p="http://schemas.openxmlformats.org/presentationml/2006/main">
+  <p:cSld>
+    <p:spTree>
+      <p:nvGrpSpPr>
+        <p:cNvPr id="1" name=""/>
+        <p:cNvGrpSpPr/>
+        <p:nvPr/>
+      </p:nvGrpSpPr>
+      <p:grpSpPr>
+        <a:xfrm>
+          <a:off x="0" y="0"/>
+          <a:ext cx="0" cy="0"/>
+          <a:chOff x="0" y="0"/>
+          <a:chExt cx="0" cy="0"/>
+        </a:xfrm>
+      </p:grpSpPr>
+      <p:sp>
+        <p:nvSpPr>
+          <p:cNvPr id="2" name="幻灯片图像占位符 1"/>
+          <p:cNvSpPr>
+            <a:spLocks noGrp="1" noRot="1" noChangeAspect="1"/>
+          </p:cNvSpPr>
+          <p:nvPr>
+            <p:ph type="sldImg"/>
+          </p:nvPr>
+        </p:nvSpPr>
+        <p:spPr/>
+      </p:sp>
+      <p:sp>
+        <p:nvSpPr>
+          <p:cNvPr id="3" name="备注占位符 2"/>
+          <p:cNvSpPr>
+            <a:spLocks noGrp="1"/>
+          </p:cNvSpPr>
+          <p:nvPr>
+            <p:ph type="body" idx="1"/>
+          </p:nvPr>
+        </p:nvSpPr>
+        <p:spPr/>
+        <p:txBody>
+          <a:bodyPr/>
+          <a:lstStyle/>
+          <a:p>
+            <a:pPr marL="0" marR="0" lvl="0" indent="0" algn="l" defTabSz="914400" rtl="0" eaLnBrk="1" fontAlgn="auto" latinLnBrk="0" hangingPunct="1">
+              <a:lnSpc>
+                <a:spcPct val="100000"/>
+              </a:lnSpc>
+              <a:spcBef>
+                <a:spcPts val="0"/>
+              </a:spcBef>
+              <a:spcAft>
+                <a:spcPts val="0"/>
+              </a:spcAft>
+              <a:buClrTx/>
+              <a:buSzTx/>
+              <a:buFontTx/>
+              <a:buNone/>
+              <a:tabLst/>
+              <a:defRPr/>
+            </a:pPr>
+            <a:r>
+              <a:rPr lang="en-US" altLang="zh-CN" b="0" dirty="0"/>
+              <a:t>We divide labor equally and adapted to personal skills.</a:t>
+            </a:r>
+          </a:p>
+          <a:p>
+            <a:endParaRPr lang="zh-CN" altLang="en-US" dirty="0"/>
+          </a:p>
+        </p:txBody>
+      </p:sp>
+      <p:sp>
+        <p:nvSpPr>
+          <p:cNvPr id="4" name="灯片编号占位符 3"/>
+          <p:cNvSpPr>
+            <a:spLocks noGrp="1"/>
+          </p:cNvSpPr>
+          <p:nvPr>
+            <p:ph type="sldNum" sz="quarter" idx="5"/>
+          </p:nvPr>
+        </p:nvSpPr>
+        <p:spPr/>
+        <p:txBody>
+          <a:bodyPr/>
+          <a:lstStyle/>
+          <a:p>
+            <a:fld id="{474EE073-2A52-430B-BC8F-0C3B3CF099B4}" type="slidenum">
+              <a:rPr lang="zh-CN" altLang="en-US" smtClean="0"/>
+              <a:t>15</a:t>
+            </a:fld>
+            <a:endParaRPr lang="zh-CN" altLang="en-US"/>
+          </a:p>
+        </p:txBody>
+      </p:sp>
+    </p:spTree>
+    <p:extLst>
+      <p:ext uri="{BB962C8B-B14F-4D97-AF65-F5344CB8AC3E}">
+        <p14:creationId xmlns:p14="http://schemas.microsoft.com/office/powerpoint/2010/main" val="1495951006"/>
+      </p:ext>
+    </p:extLst>
+  </p:cSld>
+  <p:clrMapOvr>
+    <a:masterClrMapping/>
+  </p:clrMapOvr>
+</p:notes>
+</file>
+
+<file path=ppt/notesSlides/notesSlide2.xml><?xml version="1.0" encoding="utf-8"?>
+<p:notes xmlns:a="http://schemas.openxmlformats.org/drawingml/2006/main" xmlns:r="http://schemas.openxmlformats.org/officeDocument/2006/relationships" xmlns:p="http://schemas.openxmlformats.org/presentationml/2006/main">
+  <p:cSld>
+    <p:spTree>
+      <p:nvGrpSpPr>
+        <p:cNvPr id="1" name=""/>
+        <p:cNvGrpSpPr/>
+        <p:nvPr/>
+      </p:nvGrpSpPr>
+      <p:grpSpPr>
+        <a:xfrm>
+          <a:off x="0" y="0"/>
+          <a:ext cx="0" cy="0"/>
+          <a:chOff x="0" y="0"/>
+          <a:chExt cx="0" cy="0"/>
+        </a:xfrm>
+      </p:grpSpPr>
+      <p:sp>
+        <p:nvSpPr>
+          <p:cNvPr id="2" name="幻灯片图像占位符 1"/>
+          <p:cNvSpPr>
+            <a:spLocks noGrp="1" noRot="1" noChangeAspect="1"/>
+          </p:cNvSpPr>
+          <p:nvPr>
+            <p:ph type="sldImg"/>
+          </p:nvPr>
+        </p:nvSpPr>
+        <p:spPr/>
+      </p:sp>
+      <p:sp>
+        <p:nvSpPr>
+          <p:cNvPr id="3" name="备注占位符 2"/>
+          <p:cNvSpPr>
+            <a:spLocks noGrp="1"/>
+          </p:cNvSpPr>
+          <p:nvPr>
+            <p:ph type="body" idx="1"/>
+          </p:nvPr>
+        </p:nvSpPr>
+        <p:spPr/>
+        <p:txBody>
+          <a:bodyPr/>
+          <a:lstStyle/>
+          <a:p>
+            <a:r>
+              <a:rPr lang="en-US" altLang="zh-CN" dirty="0"/>
+              <a:t>They already have a website to show the data.</a:t>
+            </a:r>
+          </a:p>
+          <a:p>
+            <a:endParaRPr lang="en-US" altLang="zh-CN" dirty="0"/>
+          </a:p>
+          <a:p>
+            <a:r>
+              <a:rPr lang="en-US" altLang="zh-CN" dirty="0"/>
+              <a:t>Not interactive enough</a:t>
+            </a:r>
+          </a:p>
+          <a:p>
+            <a:endParaRPr lang="en-US" altLang="zh-CN" dirty="0"/>
+          </a:p>
+          <a:p>
+            <a:r>
+              <a:rPr lang="en-US" altLang="zh-CN" dirty="0"/>
+              <a:t>No comparison</a:t>
+            </a:r>
+          </a:p>
+          <a:p>
+            <a:endParaRPr lang="en-US" altLang="zh-CN" dirty="0"/>
+          </a:p>
+          <a:p>
+            <a:r>
+              <a:rPr lang="en-US" altLang="zh-CN" dirty="0"/>
+              <a:t>Want: a more interactive way to show data, also find some patterns/trend,</a:t>
+            </a:r>
+            <a:endParaRPr lang="zh-CN" altLang="en-US" dirty="0"/>
+          </a:p>
+        </p:txBody>
+      </p:sp>
+      <p:sp>
+        <p:nvSpPr>
+          <p:cNvPr id="4" name="灯片编号占位符 3"/>
+          <p:cNvSpPr>
+            <a:spLocks noGrp="1"/>
+          </p:cNvSpPr>
+          <p:nvPr>
+            <p:ph type="sldNum" sz="quarter" idx="5"/>
+          </p:nvPr>
+        </p:nvSpPr>
+        <p:spPr/>
+        <p:txBody>
+          <a:bodyPr/>
+          <a:lstStyle/>
+          <a:p>
+            <a:fld id="{0E2A09E2-83AD-44A7-A706-E13930091990}" type="slidenum">
+              <a:rPr lang="zh-CN" altLang="en-US" smtClean="0"/>
+              <a:t>3</a:t>
+            </a:fld>
+            <a:endParaRPr lang="zh-CN" altLang="en-US"/>
+          </a:p>
+        </p:txBody>
+      </p:sp>
+    </p:spTree>
+    <p:extLst>
+      <p:ext uri="{BB962C8B-B14F-4D97-AF65-F5344CB8AC3E}">
+        <p14:creationId xmlns:p14="http://schemas.microsoft.com/office/powerpoint/2010/main" val="3191766505"/>
+      </p:ext>
+    </p:extLst>
+  </p:cSld>
+  <p:clrMapOvr>
+    <a:masterClrMapping/>
+  </p:clrMapOvr>
+</p:notes>
+</file>
+
+<file path=ppt/notesSlides/notesSlide3.xml><?xml version="1.0" encoding="utf-8"?>
+<p:notes xmlns:a="http://schemas.openxmlformats.org/drawingml/2006/main" xmlns:r="http://schemas.openxmlformats.org/officeDocument/2006/relationships" xmlns:p="http://schemas.openxmlformats.org/presentationml/2006/main">
+  <p:cSld>
+    <p:spTree>
+      <p:nvGrpSpPr>
+        <p:cNvPr id="1" name=""/>
+        <p:cNvGrpSpPr/>
+        <p:nvPr/>
+      </p:nvGrpSpPr>
+      <p:grpSpPr>
+        <a:xfrm>
+          <a:off x="0" y="0"/>
+          <a:ext cx="0" cy="0"/>
+          <a:chOff x="0" y="0"/>
+          <a:chExt cx="0" cy="0"/>
+        </a:xfrm>
+      </p:grpSpPr>
+      <p:sp>
+        <p:nvSpPr>
+          <p:cNvPr id="2" name="幻灯片图像占位符 1"/>
+          <p:cNvSpPr>
+            <a:spLocks noGrp="1" noRot="1" noChangeAspect="1"/>
+          </p:cNvSpPr>
+          <p:nvPr>
+            <p:ph type="sldImg"/>
+          </p:nvPr>
+        </p:nvSpPr>
+        <p:spPr/>
+      </p:sp>
+      <p:sp>
+        <p:nvSpPr>
+          <p:cNvPr id="3" name="备注占位符 2"/>
+          <p:cNvSpPr>
+            <a:spLocks noGrp="1"/>
+          </p:cNvSpPr>
+          <p:nvPr>
+            <p:ph type="body" idx="1"/>
+          </p:nvPr>
+        </p:nvSpPr>
+        <p:spPr/>
+        <p:txBody>
+          <a:bodyPr/>
+          <a:lstStyle/>
+          <a:p>
+            <a:r>
+              <a:rPr lang="en-US" altLang="zh-CN" dirty="0"/>
+              <a:t>We use the same data showed by the website. </a:t>
+            </a:r>
+          </a:p>
+          <a:p>
+            <a:endParaRPr lang="en-US" altLang="zh-CN" dirty="0"/>
+          </a:p>
+          <a:p>
+            <a:r>
+              <a:rPr lang="en-US" altLang="zh-CN" dirty="0"/>
+              <a:t>Needs to fix error indexes, handle missing data</a:t>
+            </a:r>
+            <a:endParaRPr lang="zh-CN" altLang="en-US" dirty="0"/>
+          </a:p>
+        </p:txBody>
+      </p:sp>
+      <p:sp>
+        <p:nvSpPr>
+          <p:cNvPr id="4" name="灯片编号占位符 3"/>
+          <p:cNvSpPr>
+            <a:spLocks noGrp="1"/>
+          </p:cNvSpPr>
+          <p:nvPr>
+            <p:ph type="sldNum" sz="quarter" idx="5"/>
+          </p:nvPr>
+        </p:nvSpPr>
+        <p:spPr/>
+        <p:txBody>
+          <a:bodyPr/>
+          <a:lstStyle/>
+          <a:p>
+            <a:fld id="{474EE073-2A52-430B-BC8F-0C3B3CF099B4}" type="slidenum">
+              <a:rPr lang="zh-CN" altLang="en-US" smtClean="0"/>
+              <a:t>4</a:t>
+            </a:fld>
+            <a:endParaRPr lang="zh-CN" altLang="en-US"/>
+          </a:p>
+        </p:txBody>
+      </p:sp>
+    </p:spTree>
+    <p:extLst>
+      <p:ext uri="{BB962C8B-B14F-4D97-AF65-F5344CB8AC3E}">
+        <p14:creationId xmlns:p14="http://schemas.microsoft.com/office/powerpoint/2010/main" val="493719108"/>
+      </p:ext>
+    </p:extLst>
+  </p:cSld>
+  <p:clrMapOvr>
+    <a:masterClrMapping/>
+  </p:clrMapOvr>
+</p:notes>
+</file>
+
+<file path=ppt/notesSlides/notesSlide4.xml><?xml version="1.0" encoding="utf-8"?>
+<p:notes xmlns:a="http://schemas.openxmlformats.org/drawingml/2006/main" xmlns:r="http://schemas.openxmlformats.org/officeDocument/2006/relationships" xmlns:p="http://schemas.openxmlformats.org/presentationml/2006/main">
+  <p:cSld>
+    <p:spTree>
+      <p:nvGrpSpPr>
+        <p:cNvPr id="1" name=""/>
+        <p:cNvGrpSpPr/>
+        <p:nvPr/>
+      </p:nvGrpSpPr>
+      <p:grpSpPr>
+        <a:xfrm>
+          <a:off x="0" y="0"/>
+          <a:ext cx="0" cy="0"/>
+          <a:chOff x="0" y="0"/>
+          <a:chExt cx="0" cy="0"/>
+        </a:xfrm>
+      </p:grpSpPr>
+      <p:sp>
+        <p:nvSpPr>
+          <p:cNvPr id="2" name="幻灯片图像占位符 1"/>
+          <p:cNvSpPr>
+            <a:spLocks noGrp="1" noRot="1" noChangeAspect="1"/>
+          </p:cNvSpPr>
+          <p:nvPr>
+            <p:ph type="sldImg"/>
+          </p:nvPr>
+        </p:nvSpPr>
+        <p:spPr/>
+      </p:sp>
+      <p:sp>
+        <p:nvSpPr>
+          <p:cNvPr id="3" name="备注占位符 2"/>
+          <p:cNvSpPr>
+            <a:spLocks noGrp="1"/>
+          </p:cNvSpPr>
+          <p:nvPr>
+            <p:ph type="body" idx="1"/>
+          </p:nvPr>
+        </p:nvSpPr>
+        <p:spPr/>
+        <p:txBody>
+          <a:bodyPr/>
+          <a:lstStyle/>
+          <a:p>
+            <a:r>
+              <a:rPr lang="en-US" altLang="zh-CN" dirty="0"/>
+              <a:t>We use </a:t>
+            </a:r>
+            <a:r>
+              <a:rPr lang="en-US" altLang="zh-CN" dirty="0" err="1"/>
+              <a:t>pyecharts</a:t>
+            </a:r>
+            <a:r>
+              <a:rPr lang="en-US" altLang="zh-CN" dirty="0"/>
+              <a:t> to generate visualization.</a:t>
+            </a:r>
+          </a:p>
+          <a:p>
+            <a:endParaRPr lang="en-US" altLang="zh-CN" dirty="0"/>
+          </a:p>
+          <a:p>
+            <a:pPr marL="0" marR="0" lvl="0" indent="0" algn="l" defTabSz="914400" rtl="0" eaLnBrk="1" fontAlgn="auto" latinLnBrk="0" hangingPunct="1">
+              <a:lnSpc>
+                <a:spcPct val="100000"/>
+              </a:lnSpc>
+              <a:spcBef>
+                <a:spcPts val="0"/>
+              </a:spcBef>
+              <a:spcAft>
+                <a:spcPts val="0"/>
+              </a:spcAft>
+              <a:buClrTx/>
+              <a:buSzTx/>
+              <a:buFontTx/>
+              <a:buNone/>
+              <a:tabLst/>
+              <a:defRPr/>
+            </a:pPr>
+            <a:r>
+              <a:rPr lang="en-US" altLang="zh-CN" dirty="0"/>
+              <a:t>It is easy to embed, including timeline, interactive, select what we want to display which meets the client’s requirements perfectly</a:t>
+            </a:r>
+          </a:p>
+          <a:p>
+            <a:endParaRPr lang="en-US" altLang="zh-CN" dirty="0"/>
+          </a:p>
+          <a:p>
+            <a:endParaRPr lang="en-US" altLang="zh-CN" dirty="0"/>
+          </a:p>
+          <a:p>
+            <a:r>
+              <a:rPr lang="en-US" altLang="zh-CN" dirty="0"/>
+              <a:t>We provide three different type of visualization</a:t>
+            </a:r>
+          </a:p>
+          <a:p>
+            <a:r>
+              <a:rPr lang="en-US" altLang="zh-CN" dirty="0"/>
+              <a:t>First is showing data by states</a:t>
+            </a:r>
+          </a:p>
+          <a:p>
+            <a:r>
+              <a:rPr lang="en-US" altLang="zh-CN" dirty="0"/>
+              <a:t>Second is showing data by year</a:t>
+            </a:r>
+          </a:p>
+          <a:p>
+            <a:endParaRPr lang="en-US" altLang="zh-CN" dirty="0"/>
+          </a:p>
+          <a:p>
+            <a:r>
+              <a:rPr lang="en-US" altLang="zh-CN" dirty="0"/>
+              <a:t>Using these two types, we can </a:t>
+            </a:r>
+            <a:r>
+              <a:rPr lang="en-US" altLang="zh-CN" b="0" dirty="0"/>
+              <a:t>Compare data</a:t>
+            </a:r>
+            <a:r>
+              <a:rPr lang="en-US" altLang="zh-CN" b="1" dirty="0"/>
+              <a:t> between years </a:t>
+            </a:r>
+            <a:r>
+              <a:rPr lang="en-US" altLang="zh-CN" b="0" dirty="0"/>
+              <a:t>and </a:t>
+            </a:r>
+            <a:r>
+              <a:rPr lang="en-US" altLang="zh-CN" dirty="0"/>
+              <a:t>Compare data </a:t>
+            </a:r>
+            <a:r>
+              <a:rPr lang="en-US" altLang="zh-CN" b="1" dirty="0"/>
+              <a:t>between states</a:t>
+            </a:r>
+          </a:p>
+          <a:p>
+            <a:endParaRPr lang="en-US" altLang="zh-CN" dirty="0"/>
+          </a:p>
+          <a:p>
+            <a:endParaRPr lang="en-US" altLang="zh-CN" dirty="0"/>
+          </a:p>
+          <a:p>
+            <a:endParaRPr lang="zh-CN" altLang="en-US" dirty="0"/>
+          </a:p>
+        </p:txBody>
+      </p:sp>
+      <p:sp>
+        <p:nvSpPr>
+          <p:cNvPr id="4" name="灯片编号占位符 3"/>
+          <p:cNvSpPr>
+            <a:spLocks noGrp="1"/>
+          </p:cNvSpPr>
+          <p:nvPr>
+            <p:ph type="sldNum" sz="quarter" idx="5"/>
+          </p:nvPr>
+        </p:nvSpPr>
+        <p:spPr/>
+        <p:txBody>
+          <a:bodyPr/>
+          <a:lstStyle/>
+          <a:p>
+            <a:fld id="{0E2A09E2-83AD-44A7-A706-E13930091990}" type="slidenum">
+              <a:rPr lang="zh-CN" altLang="en-US" smtClean="0"/>
+              <a:t>5</a:t>
+            </a:fld>
+            <a:endParaRPr lang="zh-CN" altLang="en-US"/>
+          </a:p>
+        </p:txBody>
+      </p:sp>
+    </p:spTree>
+    <p:extLst>
+      <p:ext uri="{BB962C8B-B14F-4D97-AF65-F5344CB8AC3E}">
+        <p14:creationId xmlns:p14="http://schemas.microsoft.com/office/powerpoint/2010/main" val="1171351517"/>
+      </p:ext>
+    </p:extLst>
+  </p:cSld>
+  <p:clrMapOvr>
+    <a:masterClrMapping/>
+  </p:clrMapOvr>
+</p:notes>
+</file>
+
+<file path=ppt/notesSlides/notesSlide5.xml><?xml version="1.0" encoding="utf-8"?>
+<p:notes xmlns:a="http://schemas.openxmlformats.org/drawingml/2006/main" xmlns:r="http://schemas.openxmlformats.org/officeDocument/2006/relationships" xmlns:p="http://schemas.openxmlformats.org/presentationml/2006/main">
+  <p:cSld>
+    <p:spTree>
+      <p:nvGrpSpPr>
+        <p:cNvPr id="1" name=""/>
+        <p:cNvGrpSpPr/>
+        <p:nvPr/>
+      </p:nvGrpSpPr>
+      <p:grpSpPr>
+        <a:xfrm>
+          <a:off x="0" y="0"/>
+          <a:ext cx="0" cy="0"/>
+          <a:chOff x="0" y="0"/>
+          <a:chExt cx="0" cy="0"/>
+        </a:xfrm>
+      </p:grpSpPr>
+      <p:sp>
+        <p:nvSpPr>
+          <p:cNvPr id="2" name="幻灯片图像占位符 1"/>
+          <p:cNvSpPr>
+            <a:spLocks noGrp="1" noRot="1" noChangeAspect="1"/>
+          </p:cNvSpPr>
+          <p:nvPr>
+            <p:ph type="sldImg"/>
+          </p:nvPr>
+        </p:nvSpPr>
+        <p:spPr/>
+      </p:sp>
+      <p:sp>
+        <p:nvSpPr>
+          <p:cNvPr id="3" name="备注占位符 2"/>
+          <p:cNvSpPr>
+            <a:spLocks noGrp="1"/>
+          </p:cNvSpPr>
+          <p:nvPr>
+            <p:ph type="body" idx="1"/>
+          </p:nvPr>
+        </p:nvSpPr>
+        <p:spPr/>
+        <p:txBody>
+          <a:bodyPr/>
+          <a:lstStyle/>
+          <a:p>
+            <a:r>
+              <a:rPr lang="en-US" altLang="zh-CN" dirty="0"/>
+              <a:t>The third type is showing data on the map using heatmap, to </a:t>
+            </a:r>
+            <a:r>
+              <a:rPr lang="en-US" altLang="zh-CN"/>
+              <a:t>a give </a:t>
+            </a:r>
+            <a:endParaRPr lang="zh-CN" altLang="en-US"/>
+          </a:p>
+        </p:txBody>
+      </p:sp>
+      <p:sp>
+        <p:nvSpPr>
+          <p:cNvPr id="4" name="灯片编号占位符 3"/>
+          <p:cNvSpPr>
+            <a:spLocks noGrp="1"/>
+          </p:cNvSpPr>
+          <p:nvPr>
+            <p:ph type="sldNum" sz="quarter" idx="5"/>
+          </p:nvPr>
+        </p:nvSpPr>
+        <p:spPr/>
+        <p:txBody>
+          <a:bodyPr/>
+          <a:lstStyle/>
+          <a:p>
+            <a:fld id="{474EE073-2A52-430B-BC8F-0C3B3CF099B4}" type="slidenum">
+              <a:rPr lang="zh-CN" altLang="en-US" smtClean="0"/>
+              <a:t>6</a:t>
+            </a:fld>
+            <a:endParaRPr lang="zh-CN" altLang="en-US"/>
+          </a:p>
+        </p:txBody>
+      </p:sp>
+    </p:spTree>
+    <p:extLst>
+      <p:ext uri="{BB962C8B-B14F-4D97-AF65-F5344CB8AC3E}">
+        <p14:creationId xmlns:p14="http://schemas.microsoft.com/office/powerpoint/2010/main" val="3884846991"/>
+      </p:ext>
+    </p:extLst>
+  </p:cSld>
+  <p:clrMapOvr>
+    <a:masterClrMapping/>
+  </p:clrMapOvr>
+</p:notes>
+</file>
+
+<file path=ppt/notesSlides/notesSlide6.xml><?xml version="1.0" encoding="utf-8"?>
+<p:notes xmlns:a="http://schemas.openxmlformats.org/drawingml/2006/main" xmlns:r="http://schemas.openxmlformats.org/officeDocument/2006/relationships" xmlns:p="http://schemas.openxmlformats.org/presentationml/2006/main">
+  <p:cSld>
+    <p:spTree>
+      <p:nvGrpSpPr>
+        <p:cNvPr id="1" name=""/>
+        <p:cNvGrpSpPr/>
+        <p:nvPr/>
+      </p:nvGrpSpPr>
+      <p:grpSpPr>
+        <a:xfrm>
+          <a:off x="0" y="0"/>
+          <a:ext cx="0" cy="0"/>
+          <a:chOff x="0" y="0"/>
+          <a:chExt cx="0" cy="0"/>
+        </a:xfrm>
+      </p:grpSpPr>
+      <p:sp>
+        <p:nvSpPr>
+          <p:cNvPr id="2" name="幻灯片图像占位符 1"/>
+          <p:cNvSpPr>
+            <a:spLocks noGrp="1" noRot="1" noChangeAspect="1"/>
+          </p:cNvSpPr>
+          <p:nvPr>
+            <p:ph type="sldImg"/>
+          </p:nvPr>
+        </p:nvSpPr>
+        <p:spPr/>
+      </p:sp>
+      <p:sp>
+        <p:nvSpPr>
+          <p:cNvPr id="3" name="备注占位符 2"/>
+          <p:cNvSpPr>
+            <a:spLocks noGrp="1"/>
+          </p:cNvSpPr>
+          <p:nvPr>
+            <p:ph type="body" idx="1"/>
+          </p:nvPr>
+        </p:nvSpPr>
+        <p:spPr/>
+        <p:txBody>
+          <a:bodyPr/>
+          <a:lstStyle/>
+          <a:p>
             <a:endParaRPr lang="zh-CN" altLang="en-US" dirty="0"/>
           </a:p>
         </p:txBody>
@@ -719,7 +2212,259 @@
     </p:spTree>
     <p:extLst>
       <p:ext uri="{BB962C8B-B14F-4D97-AF65-F5344CB8AC3E}">
-        <p14:creationId xmlns:p14="http://schemas.microsoft.com/office/powerpoint/2010/main" val="1495951006"/>
+        <p14:creationId xmlns:p14="http://schemas.microsoft.com/office/powerpoint/2010/main" val="858814693"/>
+      </p:ext>
+    </p:extLst>
+  </p:cSld>
+  <p:clrMapOvr>
+    <a:masterClrMapping/>
+  </p:clrMapOvr>
+</p:notes>
+</file>
+
+<file path=ppt/notesSlides/notesSlide7.xml><?xml version="1.0" encoding="utf-8"?>
+<p:notes xmlns:a="http://schemas.openxmlformats.org/drawingml/2006/main" xmlns:r="http://schemas.openxmlformats.org/officeDocument/2006/relationships" xmlns:p="http://schemas.openxmlformats.org/presentationml/2006/main">
+  <p:cSld>
+    <p:spTree>
+      <p:nvGrpSpPr>
+        <p:cNvPr id="1" name=""/>
+        <p:cNvGrpSpPr/>
+        <p:nvPr/>
+      </p:nvGrpSpPr>
+      <p:grpSpPr>
+        <a:xfrm>
+          <a:off x="0" y="0"/>
+          <a:ext cx="0" cy="0"/>
+          <a:chOff x="0" y="0"/>
+          <a:chExt cx="0" cy="0"/>
+        </a:xfrm>
+      </p:grpSpPr>
+      <p:sp>
+        <p:nvSpPr>
+          <p:cNvPr id="2" name="幻灯片图像占位符 1"/>
+          <p:cNvSpPr>
+            <a:spLocks noGrp="1" noRot="1" noChangeAspect="1"/>
+          </p:cNvSpPr>
+          <p:nvPr>
+            <p:ph type="sldImg"/>
+          </p:nvPr>
+        </p:nvSpPr>
+        <p:spPr/>
+      </p:sp>
+      <p:sp>
+        <p:nvSpPr>
+          <p:cNvPr id="3" name="备注占位符 2"/>
+          <p:cNvSpPr>
+            <a:spLocks noGrp="1"/>
+          </p:cNvSpPr>
+          <p:nvPr>
+            <p:ph type="body" idx="1"/>
+          </p:nvPr>
+        </p:nvSpPr>
+        <p:spPr/>
+        <p:txBody>
+          <a:bodyPr/>
+          <a:lstStyle/>
+          <a:p>
+            <a:endParaRPr lang="zh-CN" altLang="en-US" dirty="0"/>
+          </a:p>
+        </p:txBody>
+      </p:sp>
+      <p:sp>
+        <p:nvSpPr>
+          <p:cNvPr id="4" name="灯片编号占位符 3"/>
+          <p:cNvSpPr>
+            <a:spLocks noGrp="1"/>
+          </p:cNvSpPr>
+          <p:nvPr>
+            <p:ph type="sldNum" sz="quarter" idx="5"/>
+          </p:nvPr>
+        </p:nvSpPr>
+        <p:spPr/>
+        <p:txBody>
+          <a:bodyPr/>
+          <a:lstStyle/>
+          <a:p>
+            <a:fld id="{474EE073-2A52-430B-BC8F-0C3B3CF099B4}" type="slidenum">
+              <a:rPr lang="zh-CN" altLang="en-US" smtClean="0"/>
+              <a:t>9</a:t>
+            </a:fld>
+            <a:endParaRPr lang="zh-CN" altLang="en-US"/>
+          </a:p>
+        </p:txBody>
+      </p:sp>
+    </p:spTree>
+    <p:extLst>
+      <p:ext uri="{BB962C8B-B14F-4D97-AF65-F5344CB8AC3E}">
+        <p14:creationId xmlns:p14="http://schemas.microsoft.com/office/powerpoint/2010/main" val="2758162806"/>
+      </p:ext>
+    </p:extLst>
+  </p:cSld>
+  <p:clrMapOvr>
+    <a:masterClrMapping/>
+  </p:clrMapOvr>
+</p:notes>
+</file>
+
+<file path=ppt/notesSlides/notesSlide8.xml><?xml version="1.0" encoding="utf-8"?>
+<p:notes xmlns:a="http://schemas.openxmlformats.org/drawingml/2006/main" xmlns:r="http://schemas.openxmlformats.org/officeDocument/2006/relationships" xmlns:p="http://schemas.openxmlformats.org/presentationml/2006/main">
+  <p:cSld>
+    <p:spTree>
+      <p:nvGrpSpPr>
+        <p:cNvPr id="1" name=""/>
+        <p:cNvGrpSpPr/>
+        <p:nvPr/>
+      </p:nvGrpSpPr>
+      <p:grpSpPr>
+        <a:xfrm>
+          <a:off x="0" y="0"/>
+          <a:ext cx="0" cy="0"/>
+          <a:chOff x="0" y="0"/>
+          <a:chExt cx="0" cy="0"/>
+        </a:xfrm>
+      </p:grpSpPr>
+      <p:sp>
+        <p:nvSpPr>
+          <p:cNvPr id="2" name="幻灯片图像占位符 1"/>
+          <p:cNvSpPr>
+            <a:spLocks noGrp="1" noRot="1" noChangeAspect="1"/>
+          </p:cNvSpPr>
+          <p:nvPr>
+            <p:ph type="sldImg"/>
+          </p:nvPr>
+        </p:nvSpPr>
+        <p:spPr/>
+      </p:sp>
+      <p:sp>
+        <p:nvSpPr>
+          <p:cNvPr id="3" name="备注占位符 2"/>
+          <p:cNvSpPr>
+            <a:spLocks noGrp="1"/>
+          </p:cNvSpPr>
+          <p:nvPr>
+            <p:ph type="body" idx="1"/>
+          </p:nvPr>
+        </p:nvSpPr>
+        <p:spPr/>
+        <p:txBody>
+          <a:bodyPr/>
+          <a:lstStyle/>
+          <a:p>
+            <a:endParaRPr lang="zh-CN" altLang="en-US" dirty="0"/>
+          </a:p>
+        </p:txBody>
+      </p:sp>
+      <p:sp>
+        <p:nvSpPr>
+          <p:cNvPr id="4" name="灯片编号占位符 3"/>
+          <p:cNvSpPr>
+            <a:spLocks noGrp="1"/>
+          </p:cNvSpPr>
+          <p:nvPr>
+            <p:ph type="sldNum" sz="quarter" idx="5"/>
+          </p:nvPr>
+        </p:nvSpPr>
+        <p:spPr/>
+        <p:txBody>
+          <a:bodyPr/>
+          <a:lstStyle/>
+          <a:p>
+            <a:fld id="{474EE073-2A52-430B-BC8F-0C3B3CF099B4}" type="slidenum">
+              <a:rPr lang="zh-CN" altLang="en-US" smtClean="0"/>
+              <a:t>10</a:t>
+            </a:fld>
+            <a:endParaRPr lang="zh-CN" altLang="en-US"/>
+          </a:p>
+        </p:txBody>
+      </p:sp>
+    </p:spTree>
+    <p:extLst>
+      <p:ext uri="{BB962C8B-B14F-4D97-AF65-F5344CB8AC3E}">
+        <p14:creationId xmlns:p14="http://schemas.microsoft.com/office/powerpoint/2010/main" val="4023892066"/>
+      </p:ext>
+    </p:extLst>
+  </p:cSld>
+  <p:clrMapOvr>
+    <a:masterClrMapping/>
+  </p:clrMapOvr>
+</p:notes>
+</file>
+
+<file path=ppt/notesSlides/notesSlide9.xml><?xml version="1.0" encoding="utf-8"?>
+<p:notes xmlns:a="http://schemas.openxmlformats.org/drawingml/2006/main" xmlns:r="http://schemas.openxmlformats.org/officeDocument/2006/relationships" xmlns:p="http://schemas.openxmlformats.org/presentationml/2006/main">
+  <p:cSld>
+    <p:spTree>
+      <p:nvGrpSpPr>
+        <p:cNvPr id="1" name=""/>
+        <p:cNvGrpSpPr/>
+        <p:nvPr/>
+      </p:nvGrpSpPr>
+      <p:grpSpPr>
+        <a:xfrm>
+          <a:off x="0" y="0"/>
+          <a:ext cx="0" cy="0"/>
+          <a:chOff x="0" y="0"/>
+          <a:chExt cx="0" cy="0"/>
+        </a:xfrm>
+      </p:grpSpPr>
+      <p:sp>
+        <p:nvSpPr>
+          <p:cNvPr id="2" name="幻灯片图像占位符 1"/>
+          <p:cNvSpPr>
+            <a:spLocks noGrp="1" noRot="1" noChangeAspect="1"/>
+          </p:cNvSpPr>
+          <p:nvPr>
+            <p:ph type="sldImg"/>
+          </p:nvPr>
+        </p:nvSpPr>
+        <p:spPr/>
+      </p:sp>
+      <p:sp>
+        <p:nvSpPr>
+          <p:cNvPr id="3" name="备注占位符 2"/>
+          <p:cNvSpPr>
+            <a:spLocks noGrp="1"/>
+          </p:cNvSpPr>
+          <p:nvPr>
+            <p:ph type="body" idx="1"/>
+          </p:nvPr>
+        </p:nvSpPr>
+        <p:spPr/>
+        <p:txBody>
+          <a:bodyPr/>
+          <a:lstStyle/>
+          <a:p>
+            <a:endParaRPr lang="zh-CN" altLang="en-US" dirty="0"/>
+          </a:p>
+        </p:txBody>
+      </p:sp>
+      <p:sp>
+        <p:nvSpPr>
+          <p:cNvPr id="4" name="灯片编号占位符 3"/>
+          <p:cNvSpPr>
+            <a:spLocks noGrp="1"/>
+          </p:cNvSpPr>
+          <p:nvPr>
+            <p:ph type="sldNum" sz="quarter" idx="5"/>
+          </p:nvPr>
+        </p:nvSpPr>
+        <p:spPr/>
+        <p:txBody>
+          <a:bodyPr/>
+          <a:lstStyle/>
+          <a:p>
+            <a:fld id="{474EE073-2A52-430B-BC8F-0C3B3CF099B4}" type="slidenum">
+              <a:rPr lang="zh-CN" altLang="en-US" smtClean="0"/>
+              <a:t>11</a:t>
+            </a:fld>
+            <a:endParaRPr lang="zh-CN" altLang="en-US"/>
+          </a:p>
+        </p:txBody>
+      </p:sp>
+    </p:spTree>
+    <p:extLst>
+      <p:ext uri="{BB962C8B-B14F-4D97-AF65-F5344CB8AC3E}">
+        <p14:creationId xmlns:p14="http://schemas.microsoft.com/office/powerpoint/2010/main" val="2534857603"/>
       </p:ext>
     </p:extLst>
   </p:cSld>
@@ -4014,6 +5759,1134 @@
 </p:sld>
 </file>
 
+<file path=ppt/slides/slide10.xml><?xml version="1.0" encoding="utf-8"?>
+<p:sld xmlns:a="http://schemas.openxmlformats.org/drawingml/2006/main" xmlns:r="http://schemas.openxmlformats.org/officeDocument/2006/relationships" xmlns:p="http://schemas.openxmlformats.org/presentationml/2006/main">
+  <p:cSld>
+    <p:spTree>
+      <p:nvGrpSpPr>
+        <p:cNvPr id="1" name=""/>
+        <p:cNvGrpSpPr/>
+        <p:nvPr/>
+      </p:nvGrpSpPr>
+      <p:grpSpPr>
+        <a:xfrm>
+          <a:off x="0" y="0"/>
+          <a:ext cx="0" cy="0"/>
+          <a:chOff x="0" y="0"/>
+          <a:chExt cx="0" cy="0"/>
+        </a:xfrm>
+      </p:grpSpPr>
+      <p:sp>
+        <p:nvSpPr>
+          <p:cNvPr id="2" name="标题 1">
+            <a:extLst>
+              <a:ext uri="{FF2B5EF4-FFF2-40B4-BE49-F238E27FC236}">
+                <a16:creationId xmlns:a16="http://schemas.microsoft.com/office/drawing/2014/main" id="{571C99F8-F4B9-0AE1-B828-E77B434D131F}"/>
+              </a:ext>
+            </a:extLst>
+          </p:cNvPr>
+          <p:cNvSpPr>
+            <a:spLocks noGrp="1"/>
+          </p:cNvSpPr>
+          <p:nvPr>
+            <p:ph type="title"/>
+          </p:nvPr>
+        </p:nvSpPr>
+        <p:spPr/>
+        <p:txBody>
+          <a:bodyPr/>
+          <a:lstStyle/>
+          <a:p>
+            <a:r>
+              <a:rPr lang="en-US" altLang="zh-CN" dirty="0"/>
+              <a:t>Analysis Part – Income Example</a:t>
+            </a:r>
+            <a:endParaRPr lang="zh-CN" altLang="en-US" dirty="0"/>
+          </a:p>
+        </p:txBody>
+      </p:sp>
+      <p:pic>
+        <p:nvPicPr>
+          <p:cNvPr id="10" name="内容占位符 4" descr="地图&#10;&#10;描述已自动生成">
+            <a:extLst>
+              <a:ext uri="{FF2B5EF4-FFF2-40B4-BE49-F238E27FC236}">
+                <a16:creationId xmlns:a16="http://schemas.microsoft.com/office/drawing/2014/main" id="{4A4EA969-EF5D-3E26-FC28-EAC8AF11F34D}"/>
+              </a:ext>
+            </a:extLst>
+          </p:cNvPr>
+          <p:cNvPicPr>
+            <a:picLocks noChangeAspect="1"/>
+          </p:cNvPicPr>
+          <p:nvPr/>
+        </p:nvPicPr>
+        <p:blipFill rotWithShape="1">
+          <a:blip r:embed="rId3">
+            <a:extLst>
+              <a:ext uri="{28A0092B-C50C-407E-A947-70E740481C1C}">
+                <a14:useLocalDpi xmlns:a14="http://schemas.microsoft.com/office/drawing/2010/main" val="0"/>
+              </a:ext>
+            </a:extLst>
+          </a:blip>
+          <a:srcRect t="16574" r="35920" b="24454"/>
+          <a:stretch/>
+        </p:blipFill>
+        <p:spPr>
+          <a:xfrm>
+            <a:off x="3731112" y="1999487"/>
+            <a:ext cx="8326776" cy="4309872"/>
+          </a:xfrm>
+          <a:prstGeom prst="rect">
+            <a:avLst/>
+          </a:prstGeom>
+        </p:spPr>
+      </p:pic>
+      <p:sp>
+        <p:nvSpPr>
+          <p:cNvPr id="11" name="内容占位符 2">
+            <a:extLst>
+              <a:ext uri="{FF2B5EF4-FFF2-40B4-BE49-F238E27FC236}">
+                <a16:creationId xmlns:a16="http://schemas.microsoft.com/office/drawing/2014/main" id="{230F050E-3DE5-6059-ACC6-DF98E002E229}"/>
+              </a:ext>
+            </a:extLst>
+          </p:cNvPr>
+          <p:cNvSpPr>
+            <a:spLocks noGrp="1"/>
+          </p:cNvSpPr>
+          <p:nvPr>
+            <p:ph idx="1"/>
+          </p:nvPr>
+        </p:nvSpPr>
+        <p:spPr>
+          <a:xfrm>
+            <a:off x="838200" y="1999487"/>
+            <a:ext cx="2502408" cy="4177475"/>
+          </a:xfrm>
+        </p:spPr>
+        <p:txBody>
+          <a:bodyPr/>
+          <a:lstStyle/>
+          <a:p>
+            <a:r>
+              <a:rPr lang="en-US" altLang="zh-CN" dirty="0"/>
+              <a:t>Increasing pattern for MA, CA, CT, FL, MI, NJ, NY, PA, TX.</a:t>
+            </a:r>
+          </a:p>
+          <a:p>
+            <a:endParaRPr lang="en-US" altLang="zh-CN" dirty="0"/>
+          </a:p>
+          <a:p>
+            <a:endParaRPr lang="zh-CN" altLang="en-US" dirty="0"/>
+          </a:p>
+        </p:txBody>
+      </p:sp>
+    </p:spTree>
+    <p:extLst>
+      <p:ext uri="{BB962C8B-B14F-4D97-AF65-F5344CB8AC3E}">
+        <p14:creationId xmlns:p14="http://schemas.microsoft.com/office/powerpoint/2010/main" val="4021460358"/>
+      </p:ext>
+    </p:extLst>
+  </p:cSld>
+  <p:clrMapOvr>
+    <a:masterClrMapping/>
+  </p:clrMapOvr>
+</p:sld>
+</file>
+
+<file path=ppt/slides/slide11.xml><?xml version="1.0" encoding="utf-8"?>
+<p:sld xmlns:a="http://schemas.openxmlformats.org/drawingml/2006/main" xmlns:r="http://schemas.openxmlformats.org/officeDocument/2006/relationships" xmlns:p="http://schemas.openxmlformats.org/presentationml/2006/main">
+  <p:cSld>
+    <p:spTree>
+      <p:nvGrpSpPr>
+        <p:cNvPr id="1" name=""/>
+        <p:cNvGrpSpPr/>
+        <p:nvPr/>
+      </p:nvGrpSpPr>
+      <p:grpSpPr>
+        <a:xfrm>
+          <a:off x="0" y="0"/>
+          <a:ext cx="0" cy="0"/>
+          <a:chOff x="0" y="0"/>
+          <a:chExt cx="0" cy="0"/>
+        </a:xfrm>
+      </p:grpSpPr>
+      <p:sp>
+        <p:nvSpPr>
+          <p:cNvPr id="2" name="标题 1">
+            <a:extLst>
+              <a:ext uri="{FF2B5EF4-FFF2-40B4-BE49-F238E27FC236}">
+                <a16:creationId xmlns:a16="http://schemas.microsoft.com/office/drawing/2014/main" id="{571C99F8-F4B9-0AE1-B828-E77B434D131F}"/>
+              </a:ext>
+            </a:extLst>
+          </p:cNvPr>
+          <p:cNvSpPr>
+            <a:spLocks noGrp="1"/>
+          </p:cNvSpPr>
+          <p:nvPr>
+            <p:ph type="title"/>
+          </p:nvPr>
+        </p:nvSpPr>
+        <p:spPr/>
+        <p:txBody>
+          <a:bodyPr/>
+          <a:lstStyle/>
+          <a:p>
+            <a:r>
+              <a:rPr lang="en-US" altLang="zh-CN" dirty="0"/>
+              <a:t>Analysis Part – Income Example</a:t>
+            </a:r>
+            <a:endParaRPr lang="zh-CN" altLang="en-US" dirty="0"/>
+          </a:p>
+        </p:txBody>
+      </p:sp>
+      <p:sp>
+        <p:nvSpPr>
+          <p:cNvPr id="3" name="内容占位符 2">
+            <a:extLst>
+              <a:ext uri="{FF2B5EF4-FFF2-40B4-BE49-F238E27FC236}">
+                <a16:creationId xmlns:a16="http://schemas.microsoft.com/office/drawing/2014/main" id="{497546A0-2FBF-5287-47C5-64BAFC260649}"/>
+              </a:ext>
+            </a:extLst>
+          </p:cNvPr>
+          <p:cNvSpPr>
+            <a:spLocks noGrp="1"/>
+          </p:cNvSpPr>
+          <p:nvPr>
+            <p:ph idx="1"/>
+          </p:nvPr>
+        </p:nvSpPr>
+        <p:spPr/>
+        <p:txBody>
+          <a:bodyPr/>
+          <a:lstStyle/>
+          <a:p>
+            <a:r>
+              <a:rPr lang="en-US" altLang="zh-CN" dirty="0"/>
+              <a:t>Decreasing pattern around 2008 to 2012  for AZ, CO, CT, MD, NV. </a:t>
+            </a:r>
+          </a:p>
+          <a:p>
+            <a:endParaRPr lang="zh-CN" altLang="en-US" dirty="0"/>
+          </a:p>
+        </p:txBody>
+      </p:sp>
+      <p:pic>
+        <p:nvPicPr>
+          <p:cNvPr id="11" name="图片 10" descr="图表, 折线图&#10;&#10;描述已自动生成">
+            <a:extLst>
+              <a:ext uri="{FF2B5EF4-FFF2-40B4-BE49-F238E27FC236}">
+                <a16:creationId xmlns:a16="http://schemas.microsoft.com/office/drawing/2014/main" id="{95FB71EE-D42F-F0B7-AD7D-948DD48C2A9A}"/>
+              </a:ext>
+            </a:extLst>
+          </p:cNvPr>
+          <p:cNvPicPr>
+            <a:picLocks noChangeAspect="1"/>
+          </p:cNvPicPr>
+          <p:nvPr/>
+        </p:nvPicPr>
+        <p:blipFill>
+          <a:blip r:embed="rId3">
+            <a:extLst>
+              <a:ext uri="{28A0092B-C50C-407E-A947-70E740481C1C}">
+                <a14:useLocalDpi xmlns:a14="http://schemas.microsoft.com/office/drawing/2010/main" val="0"/>
+              </a:ext>
+            </a:extLst>
+          </a:blip>
+          <a:stretch>
+            <a:fillRect/>
+          </a:stretch>
+        </p:blipFill>
+        <p:spPr>
+          <a:xfrm>
+            <a:off x="608302" y="2636011"/>
+            <a:ext cx="5487698" cy="3542226"/>
+          </a:xfrm>
+          <a:prstGeom prst="rect">
+            <a:avLst/>
+          </a:prstGeom>
+        </p:spPr>
+      </p:pic>
+      <p:pic>
+        <p:nvPicPr>
+          <p:cNvPr id="13" name="图片 12" descr="图表, 折线图&#10;&#10;描述已自动生成">
+            <a:extLst>
+              <a:ext uri="{FF2B5EF4-FFF2-40B4-BE49-F238E27FC236}">
+                <a16:creationId xmlns:a16="http://schemas.microsoft.com/office/drawing/2014/main" id="{A92045EF-1E07-AF6F-DDE4-2FEA4D643842}"/>
+              </a:ext>
+            </a:extLst>
+          </p:cNvPr>
+          <p:cNvPicPr>
+            <a:picLocks noChangeAspect="1"/>
+          </p:cNvPicPr>
+          <p:nvPr/>
+        </p:nvPicPr>
+        <p:blipFill>
+          <a:blip r:embed="rId4">
+            <a:extLst>
+              <a:ext uri="{28A0092B-C50C-407E-A947-70E740481C1C}">
+                <a14:useLocalDpi xmlns:a14="http://schemas.microsoft.com/office/drawing/2010/main" val="0"/>
+              </a:ext>
+            </a:extLst>
+          </a:blip>
+          <a:stretch>
+            <a:fillRect/>
+          </a:stretch>
+        </p:blipFill>
+        <p:spPr>
+          <a:xfrm>
+            <a:off x="6096000" y="2568053"/>
+            <a:ext cx="5801535" cy="3743847"/>
+          </a:xfrm>
+          <a:prstGeom prst="rect">
+            <a:avLst/>
+          </a:prstGeom>
+        </p:spPr>
+      </p:pic>
+    </p:spTree>
+    <p:extLst>
+      <p:ext uri="{BB962C8B-B14F-4D97-AF65-F5344CB8AC3E}">
+        <p14:creationId xmlns:p14="http://schemas.microsoft.com/office/powerpoint/2010/main" val="1391128121"/>
+      </p:ext>
+    </p:extLst>
+  </p:cSld>
+  <p:clrMapOvr>
+    <a:masterClrMapping/>
+  </p:clrMapOvr>
+</p:sld>
+</file>
+
+<file path=ppt/slides/slide12.xml><?xml version="1.0" encoding="utf-8"?>
+<p:sld xmlns:a="http://schemas.openxmlformats.org/drawingml/2006/main" xmlns:r="http://schemas.openxmlformats.org/officeDocument/2006/relationships" xmlns:p="http://schemas.openxmlformats.org/presentationml/2006/main">
+  <p:cSld>
+    <p:spTree>
+      <p:nvGrpSpPr>
+        <p:cNvPr id="1" name=""/>
+        <p:cNvGrpSpPr/>
+        <p:nvPr/>
+      </p:nvGrpSpPr>
+      <p:grpSpPr>
+        <a:xfrm>
+          <a:off x="0" y="0"/>
+          <a:ext cx="0" cy="0"/>
+          <a:chOff x="0" y="0"/>
+          <a:chExt cx="0" cy="0"/>
+        </a:xfrm>
+      </p:grpSpPr>
+      <p:sp>
+        <p:nvSpPr>
+          <p:cNvPr id="2" name="标题 1">
+            <a:extLst>
+              <a:ext uri="{FF2B5EF4-FFF2-40B4-BE49-F238E27FC236}">
+                <a16:creationId xmlns:a16="http://schemas.microsoft.com/office/drawing/2014/main" id="{571C99F8-F4B9-0AE1-B828-E77B434D131F}"/>
+              </a:ext>
+            </a:extLst>
+          </p:cNvPr>
+          <p:cNvSpPr>
+            <a:spLocks noGrp="1"/>
+          </p:cNvSpPr>
+          <p:nvPr>
+            <p:ph type="title"/>
+          </p:nvPr>
+        </p:nvSpPr>
+        <p:spPr/>
+        <p:txBody>
+          <a:bodyPr/>
+          <a:lstStyle/>
+          <a:p>
+            <a:r>
+              <a:rPr lang="en-US" altLang="zh-CN" dirty="0"/>
+              <a:t>Analysis Part – Income Example</a:t>
+            </a:r>
+            <a:endParaRPr lang="zh-CN" altLang="en-US" dirty="0"/>
+          </a:p>
+        </p:txBody>
+      </p:sp>
+      <p:sp>
+        <p:nvSpPr>
+          <p:cNvPr id="3" name="内容占位符 2">
+            <a:extLst>
+              <a:ext uri="{FF2B5EF4-FFF2-40B4-BE49-F238E27FC236}">
+                <a16:creationId xmlns:a16="http://schemas.microsoft.com/office/drawing/2014/main" id="{497546A0-2FBF-5287-47C5-64BAFC260649}"/>
+              </a:ext>
+            </a:extLst>
+          </p:cNvPr>
+          <p:cNvSpPr>
+            <a:spLocks noGrp="1"/>
+          </p:cNvSpPr>
+          <p:nvPr>
+            <p:ph idx="1"/>
+          </p:nvPr>
+        </p:nvSpPr>
+        <p:spPr>
+          <a:xfrm>
+            <a:off x="182421" y="1690688"/>
+            <a:ext cx="3365451" cy="4802187"/>
+          </a:xfrm>
+        </p:spPr>
+        <p:txBody>
+          <a:bodyPr/>
+          <a:lstStyle/>
+          <a:p>
+            <a:r>
+              <a:rPr lang="en-US" altLang="zh-CN" dirty="0"/>
+              <a:t>Decreasing pattern around 2008 to 2012  for AZ, CO, CT, MD, NV. </a:t>
+            </a:r>
+          </a:p>
+          <a:p>
+            <a:r>
+              <a:rPr lang="en-US" altLang="zh-CN" dirty="0"/>
+              <a:t>Related to employment?</a:t>
+            </a:r>
+          </a:p>
+          <a:p>
+            <a:r>
+              <a:rPr lang="en-US" altLang="zh-CN" dirty="0"/>
+              <a:t>Sales and Office as example</a:t>
+            </a:r>
+            <a:endParaRPr lang="zh-CN" altLang="en-US" dirty="0"/>
+          </a:p>
+        </p:txBody>
+      </p:sp>
+      <p:pic>
+        <p:nvPicPr>
+          <p:cNvPr id="11" name="图片 10" descr="图表, 折线图&#10;&#10;描述已自动生成">
+            <a:extLst>
+              <a:ext uri="{FF2B5EF4-FFF2-40B4-BE49-F238E27FC236}">
+                <a16:creationId xmlns:a16="http://schemas.microsoft.com/office/drawing/2014/main" id="{95FB71EE-D42F-F0B7-AD7D-948DD48C2A9A}"/>
+              </a:ext>
+            </a:extLst>
+          </p:cNvPr>
+          <p:cNvPicPr>
+            <a:picLocks noChangeAspect="1"/>
+          </p:cNvPicPr>
+          <p:nvPr/>
+        </p:nvPicPr>
+        <p:blipFill>
+          <a:blip r:embed="rId3">
+            <a:extLst>
+              <a:ext uri="{28A0092B-C50C-407E-A947-70E740481C1C}">
+                <a14:useLocalDpi xmlns:a14="http://schemas.microsoft.com/office/drawing/2010/main" val="0"/>
+              </a:ext>
+            </a:extLst>
+          </a:blip>
+          <a:stretch>
+            <a:fillRect/>
+          </a:stretch>
+        </p:blipFill>
+        <p:spPr>
+          <a:xfrm>
+            <a:off x="3648837" y="1474548"/>
+            <a:ext cx="4040886" cy="2608331"/>
+          </a:xfrm>
+          <a:prstGeom prst="rect">
+            <a:avLst/>
+          </a:prstGeom>
+        </p:spPr>
+      </p:pic>
+      <p:pic>
+        <p:nvPicPr>
+          <p:cNvPr id="13" name="图片 12" descr="图表, 折线图&#10;&#10;描述已自动生成">
+            <a:extLst>
+              <a:ext uri="{FF2B5EF4-FFF2-40B4-BE49-F238E27FC236}">
+                <a16:creationId xmlns:a16="http://schemas.microsoft.com/office/drawing/2014/main" id="{A92045EF-1E07-AF6F-DDE4-2FEA4D643842}"/>
+              </a:ext>
+            </a:extLst>
+          </p:cNvPr>
+          <p:cNvPicPr>
+            <a:picLocks noChangeAspect="1"/>
+          </p:cNvPicPr>
+          <p:nvPr/>
+        </p:nvPicPr>
+        <p:blipFill>
+          <a:blip r:embed="rId4">
+            <a:extLst>
+              <a:ext uri="{28A0092B-C50C-407E-A947-70E740481C1C}">
+                <a14:useLocalDpi xmlns:a14="http://schemas.microsoft.com/office/drawing/2010/main" val="0"/>
+              </a:ext>
+            </a:extLst>
+          </a:blip>
+          <a:stretch>
+            <a:fillRect/>
+          </a:stretch>
+        </p:blipFill>
+        <p:spPr>
+          <a:xfrm>
+            <a:off x="7981383" y="1483403"/>
+            <a:ext cx="4028195" cy="2599476"/>
+          </a:xfrm>
+          <a:prstGeom prst="rect">
+            <a:avLst/>
+          </a:prstGeom>
+        </p:spPr>
+      </p:pic>
+      <p:pic>
+        <p:nvPicPr>
+          <p:cNvPr id="9" name="图片 8" descr="图表, 折线图&#10;&#10;描述已自动生成">
+            <a:extLst>
+              <a:ext uri="{FF2B5EF4-FFF2-40B4-BE49-F238E27FC236}">
+                <a16:creationId xmlns:a16="http://schemas.microsoft.com/office/drawing/2014/main" id="{CD8905D9-84A2-1CBE-1EA1-CF0397D626D3}"/>
+              </a:ext>
+            </a:extLst>
+          </p:cNvPr>
+          <p:cNvPicPr>
+            <a:picLocks noChangeAspect="1"/>
+          </p:cNvPicPr>
+          <p:nvPr/>
+        </p:nvPicPr>
+        <p:blipFill>
+          <a:blip r:embed="rId5">
+            <a:extLst>
+              <a:ext uri="{28A0092B-C50C-407E-A947-70E740481C1C}">
+                <a14:useLocalDpi xmlns:a14="http://schemas.microsoft.com/office/drawing/2010/main" val="0"/>
+              </a:ext>
+            </a:extLst>
+          </a:blip>
+          <a:stretch>
+            <a:fillRect/>
+          </a:stretch>
+        </p:blipFill>
+        <p:spPr>
+          <a:xfrm>
+            <a:off x="3816409" y="4247786"/>
+            <a:ext cx="3705742" cy="2610214"/>
+          </a:xfrm>
+          <a:prstGeom prst="rect">
+            <a:avLst/>
+          </a:prstGeom>
+        </p:spPr>
+      </p:pic>
+      <p:pic>
+        <p:nvPicPr>
+          <p:cNvPr id="12" name="图片 11" descr="图表&#10;&#10;描述已自动生成">
+            <a:extLst>
+              <a:ext uri="{FF2B5EF4-FFF2-40B4-BE49-F238E27FC236}">
+                <a16:creationId xmlns:a16="http://schemas.microsoft.com/office/drawing/2014/main" id="{4CBEFBF6-5E54-7A94-B699-70D2E4D7D910}"/>
+              </a:ext>
+            </a:extLst>
+          </p:cNvPr>
+          <p:cNvPicPr>
+            <a:picLocks noChangeAspect="1"/>
+          </p:cNvPicPr>
+          <p:nvPr/>
+        </p:nvPicPr>
+        <p:blipFill>
+          <a:blip r:embed="rId6">
+            <a:extLst>
+              <a:ext uri="{28A0092B-C50C-407E-A947-70E740481C1C}">
+                <a14:useLocalDpi xmlns:a14="http://schemas.microsoft.com/office/drawing/2010/main" val="0"/>
+              </a:ext>
+            </a:extLst>
+          </a:blip>
+          <a:stretch>
+            <a:fillRect/>
+          </a:stretch>
+        </p:blipFill>
+        <p:spPr>
+          <a:xfrm>
+            <a:off x="7981383" y="4136453"/>
+            <a:ext cx="3839111" cy="2715004"/>
+          </a:xfrm>
+          <a:prstGeom prst="rect">
+            <a:avLst/>
+          </a:prstGeom>
+        </p:spPr>
+      </p:pic>
+    </p:spTree>
+    <p:extLst>
+      <p:ext uri="{BB962C8B-B14F-4D97-AF65-F5344CB8AC3E}">
+        <p14:creationId xmlns:p14="http://schemas.microsoft.com/office/powerpoint/2010/main" val="140723287"/>
+      </p:ext>
+    </p:extLst>
+  </p:cSld>
+  <p:clrMapOvr>
+    <a:masterClrMapping/>
+  </p:clrMapOvr>
+</p:sld>
+</file>
+
+<file path=ppt/slides/slide13.xml><?xml version="1.0" encoding="utf-8"?>
+<p:sld xmlns:a="http://schemas.openxmlformats.org/drawingml/2006/main" xmlns:r="http://schemas.openxmlformats.org/officeDocument/2006/relationships" xmlns:p="http://schemas.openxmlformats.org/presentationml/2006/main">
+  <p:cSld>
+    <p:spTree>
+      <p:nvGrpSpPr>
+        <p:cNvPr id="1" name=""/>
+        <p:cNvGrpSpPr/>
+        <p:nvPr/>
+      </p:nvGrpSpPr>
+      <p:grpSpPr>
+        <a:xfrm>
+          <a:off x="0" y="0"/>
+          <a:ext cx="0" cy="0"/>
+          <a:chOff x="0" y="0"/>
+          <a:chExt cx="0" cy="0"/>
+        </a:xfrm>
+      </p:grpSpPr>
+      <p:sp>
+        <p:nvSpPr>
+          <p:cNvPr id="2" name="标题 1">
+            <a:extLst>
+              <a:ext uri="{FF2B5EF4-FFF2-40B4-BE49-F238E27FC236}">
+                <a16:creationId xmlns:a16="http://schemas.microsoft.com/office/drawing/2014/main" id="{E99262E5-A774-8DEC-1449-24D499ADC7DC}"/>
+              </a:ext>
+            </a:extLst>
+          </p:cNvPr>
+          <p:cNvSpPr>
+            <a:spLocks noGrp="1"/>
+          </p:cNvSpPr>
+          <p:nvPr>
+            <p:ph type="title"/>
+          </p:nvPr>
+        </p:nvSpPr>
+        <p:spPr/>
+        <p:txBody>
+          <a:bodyPr/>
+          <a:lstStyle/>
+          <a:p>
+            <a:r>
+              <a:rPr lang="en-US" altLang="zh-CN" dirty="0"/>
+              <a:t>Portal Site</a:t>
+            </a:r>
+            <a:endParaRPr lang="zh-CN" altLang="en-US" dirty="0"/>
+          </a:p>
+        </p:txBody>
+      </p:sp>
+      <p:sp>
+        <p:nvSpPr>
+          <p:cNvPr id="7" name="内容占位符 6">
+            <a:extLst>
+              <a:ext uri="{FF2B5EF4-FFF2-40B4-BE49-F238E27FC236}">
+                <a16:creationId xmlns:a16="http://schemas.microsoft.com/office/drawing/2014/main" id="{44E7CEC9-BA37-73CA-1FC5-F16C873A3BBA}"/>
+              </a:ext>
+            </a:extLst>
+          </p:cNvPr>
+          <p:cNvSpPr>
+            <a:spLocks noGrp="1"/>
+          </p:cNvSpPr>
+          <p:nvPr>
+            <p:ph idx="1"/>
+          </p:nvPr>
+        </p:nvSpPr>
+        <p:spPr>
+          <a:xfrm>
+            <a:off x="838200" y="1507808"/>
+            <a:ext cx="10515600" cy="4351338"/>
+          </a:xfrm>
+        </p:spPr>
+        <p:txBody>
+          <a:bodyPr/>
+          <a:lstStyle/>
+          <a:p>
+            <a:r>
+              <a:rPr lang="en-US" altLang="zh-CN" dirty="0"/>
+              <a:t>We add a portal web page to guide through all kinds of plot.</a:t>
+            </a:r>
+          </a:p>
+          <a:p>
+            <a:endParaRPr lang="zh-CN" altLang="en-US" dirty="0"/>
+          </a:p>
+        </p:txBody>
+      </p:sp>
+      <p:pic>
+        <p:nvPicPr>
+          <p:cNvPr id="4" name="图片 3" descr="表格&#10;&#10;描述已自动生成">
+            <a:extLst>
+              <a:ext uri="{FF2B5EF4-FFF2-40B4-BE49-F238E27FC236}">
+                <a16:creationId xmlns:a16="http://schemas.microsoft.com/office/drawing/2014/main" id="{36E6A0C2-2EEC-938F-39A7-08CEEE57EEAC}"/>
+              </a:ext>
+            </a:extLst>
+          </p:cNvPr>
+          <p:cNvPicPr>
+            <a:picLocks noChangeAspect="1"/>
+          </p:cNvPicPr>
+          <p:nvPr/>
+        </p:nvPicPr>
+        <p:blipFill rotWithShape="1">
+          <a:blip r:embed="rId3">
+            <a:extLst>
+              <a:ext uri="{28A0092B-C50C-407E-A947-70E740481C1C}">
+                <a14:useLocalDpi xmlns:a14="http://schemas.microsoft.com/office/drawing/2010/main" val="0"/>
+              </a:ext>
+            </a:extLst>
+          </a:blip>
+          <a:srcRect b="31928"/>
+          <a:stretch/>
+        </p:blipFill>
+        <p:spPr>
+          <a:xfrm>
+            <a:off x="1093044" y="2147642"/>
+            <a:ext cx="4442123" cy="4345233"/>
+          </a:xfrm>
+          <a:prstGeom prst="rect">
+            <a:avLst/>
+          </a:prstGeom>
+        </p:spPr>
+      </p:pic>
+      <p:pic>
+        <p:nvPicPr>
+          <p:cNvPr id="6" name="图片 5" descr="表格&#10;&#10;描述已自动生成">
+            <a:extLst>
+              <a:ext uri="{FF2B5EF4-FFF2-40B4-BE49-F238E27FC236}">
+                <a16:creationId xmlns:a16="http://schemas.microsoft.com/office/drawing/2014/main" id="{452C2F3F-ECF6-1020-094F-44C7D9CC8E7F}"/>
+              </a:ext>
+            </a:extLst>
+          </p:cNvPr>
+          <p:cNvPicPr>
+            <a:picLocks noChangeAspect="1"/>
+          </p:cNvPicPr>
+          <p:nvPr/>
+        </p:nvPicPr>
+        <p:blipFill rotWithShape="1">
+          <a:blip r:embed="rId4">
+            <a:extLst>
+              <a:ext uri="{28A0092B-C50C-407E-A947-70E740481C1C}">
+                <a14:useLocalDpi xmlns:a14="http://schemas.microsoft.com/office/drawing/2010/main" val="0"/>
+              </a:ext>
+            </a:extLst>
+          </a:blip>
+          <a:srcRect t="30124" b="1"/>
+          <a:stretch/>
+        </p:blipFill>
+        <p:spPr>
+          <a:xfrm>
+            <a:off x="5790011" y="2147642"/>
+            <a:ext cx="4729422" cy="4470283"/>
+          </a:xfrm>
+          <a:prstGeom prst="rect">
+            <a:avLst/>
+          </a:prstGeom>
+        </p:spPr>
+      </p:pic>
+    </p:spTree>
+    <p:extLst>
+      <p:ext uri="{BB962C8B-B14F-4D97-AF65-F5344CB8AC3E}">
+        <p14:creationId xmlns:p14="http://schemas.microsoft.com/office/powerpoint/2010/main" val="2036234987"/>
+      </p:ext>
+    </p:extLst>
+  </p:cSld>
+  <p:clrMapOvr>
+    <a:masterClrMapping/>
+  </p:clrMapOvr>
+</p:sld>
+</file>
+
+<file path=ppt/slides/slide14.xml><?xml version="1.0" encoding="utf-8"?>
+<p:sld xmlns:a="http://schemas.openxmlformats.org/drawingml/2006/main" xmlns:r="http://schemas.openxmlformats.org/officeDocument/2006/relationships" xmlns:p="http://schemas.openxmlformats.org/presentationml/2006/main">
+  <p:cSld>
+    <p:spTree>
+      <p:nvGrpSpPr>
+        <p:cNvPr id="1" name=""/>
+        <p:cNvGrpSpPr/>
+        <p:nvPr/>
+      </p:nvGrpSpPr>
+      <p:grpSpPr>
+        <a:xfrm>
+          <a:off x="0" y="0"/>
+          <a:ext cx="0" cy="0"/>
+          <a:chOff x="0" y="0"/>
+          <a:chExt cx="0" cy="0"/>
+        </a:xfrm>
+      </p:grpSpPr>
+      <p:sp>
+        <p:nvSpPr>
+          <p:cNvPr id="2" name="标题 1">
+            <a:extLst>
+              <a:ext uri="{FF2B5EF4-FFF2-40B4-BE49-F238E27FC236}">
+                <a16:creationId xmlns:a16="http://schemas.microsoft.com/office/drawing/2014/main" id="{19FD7EA6-620C-4739-ABBE-34CE5A941610}"/>
+              </a:ext>
+            </a:extLst>
+          </p:cNvPr>
+          <p:cNvSpPr>
+            <a:spLocks noGrp="1"/>
+          </p:cNvSpPr>
+          <p:nvPr>
+            <p:ph type="title"/>
+          </p:nvPr>
+        </p:nvSpPr>
+        <p:spPr/>
+        <p:txBody>
+          <a:bodyPr/>
+          <a:lstStyle/>
+          <a:p>
+            <a:r>
+              <a:rPr lang="en-US" altLang="zh-CN" dirty="0"/>
+              <a:t>Challenge &amp; Limitation</a:t>
+            </a:r>
+            <a:endParaRPr lang="zh-CN" altLang="en-US" dirty="0"/>
+          </a:p>
+        </p:txBody>
+      </p:sp>
+      <p:sp>
+        <p:nvSpPr>
+          <p:cNvPr id="3" name="内容占位符 2">
+            <a:extLst>
+              <a:ext uri="{FF2B5EF4-FFF2-40B4-BE49-F238E27FC236}">
+                <a16:creationId xmlns:a16="http://schemas.microsoft.com/office/drawing/2014/main" id="{E7FE0ACE-A7AF-45FA-A7AF-DAD5CE6291DD}"/>
+              </a:ext>
+            </a:extLst>
+          </p:cNvPr>
+          <p:cNvSpPr>
+            <a:spLocks noGrp="1"/>
+          </p:cNvSpPr>
+          <p:nvPr>
+            <p:ph idx="1"/>
+          </p:nvPr>
+        </p:nvSpPr>
+        <p:spPr>
+          <a:xfrm>
+            <a:off x="838200" y="1825624"/>
+            <a:ext cx="10515600" cy="4904359"/>
+          </a:xfrm>
+        </p:spPr>
+        <p:txBody>
+          <a:bodyPr>
+            <a:normAutofit/>
+          </a:bodyPr>
+          <a:lstStyle/>
+          <a:p>
+            <a:r>
+              <a:rPr lang="en-US" altLang="zh-CN" dirty="0"/>
+              <a:t>Challenges</a:t>
+            </a:r>
+          </a:p>
+          <a:p>
+            <a:pPr lvl="1"/>
+            <a:r>
+              <a:rPr lang="en-US" altLang="zh-CN" dirty="0"/>
+              <a:t>Visualization should allow the user to set date parameters. </a:t>
+            </a:r>
+          </a:p>
+          <a:p>
+            <a:pPr lvl="1"/>
+            <a:r>
+              <a:rPr lang="en-US" altLang="zh-CN" dirty="0"/>
+              <a:t>Visualization including timeline.</a:t>
+            </a:r>
+          </a:p>
+          <a:p>
+            <a:pPr lvl="1"/>
+            <a:r>
+              <a:rPr lang="en-US" altLang="zh-CN" dirty="0"/>
+              <a:t>The chart can be embedded into website.</a:t>
+            </a:r>
+          </a:p>
+          <a:p>
+            <a:pPr lvl="1"/>
+            <a:r>
+              <a:rPr lang="en-US" altLang="zh-CN" dirty="0"/>
+              <a:t>Sort the data in descending order, show top 10 states.</a:t>
+            </a:r>
+          </a:p>
+          <a:p>
+            <a:pPr lvl="1"/>
+            <a:r>
+              <a:rPr lang="en-US" altLang="zh-CN" dirty="0"/>
+              <a:t>Some patterns of demographics data are hard to predict.</a:t>
+            </a:r>
+          </a:p>
+          <a:p>
+            <a:r>
+              <a:rPr lang="en-US" altLang="zh-CN" dirty="0"/>
+              <a:t>Limitation</a:t>
+            </a:r>
+          </a:p>
+          <a:p>
+            <a:pPr lvl="1"/>
+            <a:r>
+              <a:rPr lang="en-US" altLang="zh-CN" dirty="0"/>
+              <a:t>Data must be pre-sort by code.</a:t>
+            </a:r>
+          </a:p>
+          <a:p>
+            <a:pPr lvl="1"/>
+            <a:r>
+              <a:rPr lang="en-US" altLang="zh-CN" dirty="0"/>
+              <a:t>Some features such as gender proportion changes rapidly and is unable to predict and analyze.</a:t>
+            </a:r>
+          </a:p>
+          <a:p>
+            <a:pPr lvl="1"/>
+            <a:r>
+              <a:rPr lang="en-US" altLang="zh-CN" dirty="0"/>
+              <a:t>Relations between data is hard to tell.</a:t>
+            </a:r>
+          </a:p>
+          <a:p>
+            <a:pPr lvl="1"/>
+            <a:endParaRPr lang="zh-CN" altLang="en-US" dirty="0"/>
+          </a:p>
+        </p:txBody>
+      </p:sp>
+    </p:spTree>
+    <p:extLst>
+      <p:ext uri="{BB962C8B-B14F-4D97-AF65-F5344CB8AC3E}">
+        <p14:creationId xmlns:p14="http://schemas.microsoft.com/office/powerpoint/2010/main" val="3416626871"/>
+      </p:ext>
+    </p:extLst>
+  </p:cSld>
+  <p:clrMapOvr>
+    <a:masterClrMapping/>
+  </p:clrMapOvr>
+</p:sld>
+</file>
+
+<file path=ppt/slides/slide15.xml><?xml version="1.0" encoding="utf-8"?>
+<p:sld xmlns:a="http://schemas.openxmlformats.org/drawingml/2006/main" xmlns:r="http://schemas.openxmlformats.org/officeDocument/2006/relationships" xmlns:p="http://schemas.openxmlformats.org/presentationml/2006/main">
+  <p:cSld>
+    <p:spTree>
+      <p:nvGrpSpPr>
+        <p:cNvPr id="1" name=""/>
+        <p:cNvGrpSpPr/>
+        <p:nvPr/>
+      </p:nvGrpSpPr>
+      <p:grpSpPr>
+        <a:xfrm>
+          <a:off x="0" y="0"/>
+          <a:ext cx="0" cy="0"/>
+          <a:chOff x="0" y="0"/>
+          <a:chExt cx="0" cy="0"/>
+        </a:xfrm>
+      </p:grpSpPr>
+      <p:sp>
+        <p:nvSpPr>
+          <p:cNvPr id="2" name="标题 1">
+            <a:extLst>
+              <a:ext uri="{FF2B5EF4-FFF2-40B4-BE49-F238E27FC236}">
+                <a16:creationId xmlns:a16="http://schemas.microsoft.com/office/drawing/2014/main" id="{F4E98FB3-9F44-494B-81EB-911F7DF449FE}"/>
+              </a:ext>
+            </a:extLst>
+          </p:cNvPr>
+          <p:cNvSpPr>
+            <a:spLocks noGrp="1"/>
+          </p:cNvSpPr>
+          <p:nvPr>
+            <p:ph type="title"/>
+          </p:nvPr>
+        </p:nvSpPr>
+        <p:spPr/>
+        <p:txBody>
+          <a:bodyPr/>
+          <a:lstStyle/>
+          <a:p>
+            <a:r>
+              <a:rPr lang="en-US" altLang="zh-CN" dirty="0"/>
+              <a:t>Divide labor:</a:t>
+            </a:r>
+            <a:endParaRPr lang="zh-CN" altLang="en-US" dirty="0"/>
+          </a:p>
+        </p:txBody>
+      </p:sp>
+      <p:sp>
+        <p:nvSpPr>
+          <p:cNvPr id="3" name="内容占位符 2">
+            <a:extLst>
+              <a:ext uri="{FF2B5EF4-FFF2-40B4-BE49-F238E27FC236}">
+                <a16:creationId xmlns:a16="http://schemas.microsoft.com/office/drawing/2014/main" id="{99AB12A4-8D4F-4DA7-B215-CF50025A5537}"/>
+              </a:ext>
+            </a:extLst>
+          </p:cNvPr>
+          <p:cNvSpPr>
+            <a:spLocks noGrp="1"/>
+          </p:cNvSpPr>
+          <p:nvPr>
+            <p:ph idx="1"/>
+          </p:nvPr>
+        </p:nvSpPr>
+        <p:spPr>
+          <a:xfrm>
+            <a:off x="438912" y="1792224"/>
+            <a:ext cx="10914888" cy="4700651"/>
+          </a:xfrm>
+        </p:spPr>
+        <p:txBody>
+          <a:bodyPr>
+            <a:normAutofit lnSpcReduction="10000"/>
+          </a:bodyPr>
+          <a:lstStyle/>
+          <a:p>
+            <a:pPr marL="457200" lvl="1" indent="0">
+              <a:buNone/>
+            </a:pPr>
+            <a:r>
+              <a:rPr lang="en-US" altLang="zh-CN" b="1" dirty="0"/>
+              <a:t>We divide labor equally and adapted to personal skills.</a:t>
+            </a:r>
+          </a:p>
+          <a:p>
+            <a:pPr lvl="1"/>
+            <a:r>
+              <a:rPr lang="en-US" altLang="zh-CN" dirty="0"/>
+              <a:t>Plot by year: Zhihao Gu, Pengchao Yuan</a:t>
+            </a:r>
+          </a:p>
+          <a:p>
+            <a:pPr lvl="1"/>
+            <a:r>
+              <a:rPr lang="en-US" altLang="zh-CN" dirty="0"/>
+              <a:t>Plot by states: Minghui yang, Xiaohan Zou</a:t>
+            </a:r>
+          </a:p>
+          <a:p>
+            <a:pPr lvl="1"/>
+            <a:r>
+              <a:rPr lang="en-US" altLang="zh-CN" dirty="0"/>
+              <a:t>Data process: Chenyang Zhang</a:t>
+            </a:r>
+          </a:p>
+          <a:p>
+            <a:pPr lvl="1"/>
+            <a:r>
+              <a:rPr lang="en-US" altLang="zh-CN" dirty="0"/>
+              <a:t>Heat Map:</a:t>
+            </a:r>
+            <a:r>
+              <a:rPr lang="zh-CN" altLang="en-US" dirty="0"/>
+              <a:t> </a:t>
+            </a:r>
+            <a:r>
+              <a:rPr lang="en-US" altLang="zh-CN" dirty="0"/>
+              <a:t>Pengchao Yuan</a:t>
+            </a:r>
+          </a:p>
+          <a:p>
+            <a:pPr lvl="1"/>
+            <a:r>
+              <a:rPr lang="en-US" altLang="zh-CN" dirty="0"/>
+              <a:t>Data Analysis:</a:t>
+            </a:r>
+          </a:p>
+          <a:p>
+            <a:pPr lvl="2"/>
+            <a:r>
+              <a:rPr lang="en-US" altLang="zh-CN" dirty="0"/>
+              <a:t>Age, Gender: Chenyang Zhang</a:t>
+            </a:r>
+          </a:p>
+          <a:p>
+            <a:pPr lvl="2"/>
+            <a:r>
+              <a:rPr lang="en-US" altLang="zh-CN" dirty="0"/>
+              <a:t>Income: Zhihao Gu</a:t>
+            </a:r>
+          </a:p>
+          <a:p>
+            <a:pPr lvl="2"/>
+            <a:r>
+              <a:rPr lang="en-US" altLang="zh-CN" dirty="0"/>
+              <a:t>Education: Minghui Yang</a:t>
+            </a:r>
+          </a:p>
+          <a:p>
+            <a:pPr lvl="2"/>
+            <a:r>
+              <a:rPr lang="en-US" altLang="zh-CN" dirty="0"/>
+              <a:t>Employment: Xiaohan Zou</a:t>
+            </a:r>
+          </a:p>
+          <a:p>
+            <a:pPr lvl="2"/>
+            <a:r>
+              <a:rPr lang="en-US" altLang="zh-CN" dirty="0"/>
+              <a:t>Poverty: Pengchao Yuan</a:t>
+            </a:r>
+          </a:p>
+          <a:p>
+            <a:pPr lvl="1"/>
+            <a:r>
+              <a:rPr lang="en-US" altLang="zh-CN" dirty="0"/>
+              <a:t>Early Insight: Zhihao Gu</a:t>
+            </a:r>
+          </a:p>
+          <a:p>
+            <a:pPr lvl="1"/>
+            <a:r>
+              <a:rPr lang="en-US" altLang="zh-CN" dirty="0"/>
+              <a:t>Final Presentation: Pengchao(presentation), Zhihao(slide)</a:t>
+            </a:r>
+          </a:p>
+          <a:p>
+            <a:endParaRPr lang="en-US" altLang="zh-CN" dirty="0"/>
+          </a:p>
+        </p:txBody>
+      </p:sp>
+    </p:spTree>
+    <p:extLst>
+      <p:ext uri="{BB962C8B-B14F-4D97-AF65-F5344CB8AC3E}">
+        <p14:creationId xmlns:p14="http://schemas.microsoft.com/office/powerpoint/2010/main" val="2961724078"/>
+      </p:ext>
+    </p:extLst>
+  </p:cSld>
+  <p:clrMapOvr>
+    <a:masterClrMapping/>
+  </p:clrMapOvr>
+</p:sld>
+</file>
+
+<file path=ppt/slides/slide16.xml><?xml version="1.0" encoding="utf-8"?>
+<p:sld xmlns:a="http://schemas.openxmlformats.org/drawingml/2006/main" xmlns:r="http://schemas.openxmlformats.org/officeDocument/2006/relationships" xmlns:p="http://schemas.openxmlformats.org/presentationml/2006/main">
+  <p:cSld>
+    <p:spTree>
+      <p:nvGrpSpPr>
+        <p:cNvPr id="1" name=""/>
+        <p:cNvGrpSpPr/>
+        <p:nvPr/>
+      </p:nvGrpSpPr>
+      <p:grpSpPr>
+        <a:xfrm>
+          <a:off x="0" y="0"/>
+          <a:ext cx="0" cy="0"/>
+          <a:chOff x="0" y="0"/>
+          <a:chExt cx="0" cy="0"/>
+        </a:xfrm>
+      </p:grpSpPr>
+      <p:sp>
+        <p:nvSpPr>
+          <p:cNvPr id="2" name="标题 1">
+            <a:extLst>
+              <a:ext uri="{FF2B5EF4-FFF2-40B4-BE49-F238E27FC236}">
+                <a16:creationId xmlns:a16="http://schemas.microsoft.com/office/drawing/2014/main" id="{B277C5A7-6334-C67A-B532-113A3A11D3B8}"/>
+              </a:ext>
+            </a:extLst>
+          </p:cNvPr>
+          <p:cNvSpPr>
+            <a:spLocks noGrp="1"/>
+          </p:cNvSpPr>
+          <p:nvPr>
+            <p:ph type="title"/>
+          </p:nvPr>
+        </p:nvSpPr>
+        <p:spPr>
+          <a:xfrm>
+            <a:off x="838200" y="2510917"/>
+            <a:ext cx="10515600" cy="1325563"/>
+          </a:xfrm>
+        </p:spPr>
+        <p:txBody>
+          <a:bodyPr>
+            <a:normAutofit/>
+          </a:bodyPr>
+          <a:lstStyle/>
+          <a:p>
+            <a:pPr algn="ctr"/>
+            <a:r>
+              <a:rPr lang="en-US" altLang="zh-CN" sz="8800" dirty="0"/>
+              <a:t>Thank You</a:t>
+            </a:r>
+            <a:endParaRPr lang="zh-CN" altLang="en-US" sz="8800" dirty="0"/>
+          </a:p>
+        </p:txBody>
+      </p:sp>
+    </p:spTree>
+    <p:extLst>
+      <p:ext uri="{BB962C8B-B14F-4D97-AF65-F5344CB8AC3E}">
+        <p14:creationId xmlns:p14="http://schemas.microsoft.com/office/powerpoint/2010/main" val="3686816197"/>
+      </p:ext>
+    </p:extLst>
+  </p:cSld>
+  <p:clrMapOvr>
+    <a:masterClrMapping/>
+  </p:clrMapOvr>
+</p:sld>
+</file>
+
 <file path=ppt/slides/slide2.xml><?xml version="1.0" encoding="utf-8"?>
 <p:sld xmlns:a="http://schemas.openxmlformats.org/drawingml/2006/main" xmlns:r="http://schemas.openxmlformats.org/officeDocument/2006/relationships" xmlns:p="http://schemas.openxmlformats.org/presentationml/2006/main">
   <p:cSld>
@@ -4033,10 +6906,39 @@
       </p:grpSpPr>
       <p:sp>
         <p:nvSpPr>
+          <p:cNvPr id="2" name="标题 1">
+            <a:extLst>
+              <a:ext uri="{FF2B5EF4-FFF2-40B4-BE49-F238E27FC236}">
+                <a16:creationId xmlns:a16="http://schemas.microsoft.com/office/drawing/2014/main" id="{9FF7F653-A57A-40B9-8533-6DDC03181DCD}"/>
+              </a:ext>
+            </a:extLst>
+          </p:cNvPr>
+          <p:cNvSpPr>
+            <a:spLocks noGrp="1"/>
+          </p:cNvSpPr>
+          <p:nvPr>
+            <p:ph type="title"/>
+          </p:nvPr>
+        </p:nvSpPr>
+        <p:spPr/>
+        <p:txBody>
+          <a:bodyPr/>
+          <a:lstStyle/>
+          <a:p>
+            <a:r>
+              <a:rPr lang="en-US" altLang="zh-CN" dirty="0"/>
+              <a:t>Brazilian Community Census Analysis</a:t>
+            </a:r>
+            <a:endParaRPr lang="zh-CN" altLang="en-US" dirty="0"/>
+          </a:p>
+        </p:txBody>
+      </p:sp>
+      <p:sp>
+        <p:nvSpPr>
           <p:cNvPr id="3" name="内容占位符 2">
             <a:extLst>
               <a:ext uri="{FF2B5EF4-FFF2-40B4-BE49-F238E27FC236}">
-                <a16:creationId xmlns:a16="http://schemas.microsoft.com/office/drawing/2014/main" id="{CED6462D-4588-6CD1-6ECC-090A3AF2433C}"/>
+                <a16:creationId xmlns:a16="http://schemas.microsoft.com/office/drawing/2014/main" id="{44EF6E0E-3502-4253-97B7-9F37D60B009E}"/>
               </a:ext>
             </a:extLst>
           </p:cNvPr>
@@ -4052,48 +6954,56 @@
           <a:bodyPr/>
           <a:lstStyle/>
           <a:p>
-            <a:endParaRPr lang="zh-CN" altLang="en-US"/>
-          </a:p>
-        </p:txBody>
-      </p:sp>
-      <p:sp>
-        <p:nvSpPr>
-          <p:cNvPr id="4" name="标题 1">
-            <a:extLst>
-              <a:ext uri="{FF2B5EF4-FFF2-40B4-BE49-F238E27FC236}">
-                <a16:creationId xmlns:a16="http://schemas.microsoft.com/office/drawing/2014/main" id="{FD295623-C00F-8C5C-EBE7-E07DBDCD9FD3}"/>
-              </a:ext>
-            </a:extLst>
-          </p:cNvPr>
-          <p:cNvSpPr>
-            <a:spLocks noGrp="1"/>
-          </p:cNvSpPr>
-          <p:nvPr>
-            <p:ph type="title"/>
-          </p:nvPr>
-        </p:nvSpPr>
-        <p:spPr>
-          <a:xfrm>
-            <a:off x="838200" y="365125"/>
-            <a:ext cx="10515600" cy="1325563"/>
-          </a:xfrm>
-        </p:spPr>
-        <p:txBody>
-          <a:bodyPr/>
-          <a:lstStyle/>
-          <a:p>
-            <a:r>
-              <a:rPr lang="en-US" altLang="zh-CN" dirty="0"/>
-              <a:t>Brazilian Community Census Analysis</a:t>
-            </a:r>
-            <a:endParaRPr lang="zh-CN" altLang="en-US" dirty="0"/>
+            <a:r>
+              <a:rPr lang="en-US" altLang="zh-CN" dirty="0"/>
+              <a:t>Sponsored by Boston Planning &amp; Development Agency (BPDA)</a:t>
+            </a:r>
+          </a:p>
+          <a:p>
+            <a:r>
+              <a:rPr lang="en-US" altLang="zh-CN" dirty="0"/>
+              <a:t>Project goal</a:t>
+            </a:r>
+          </a:p>
+          <a:p>
+            <a:pPr lvl="1"/>
+            <a:r>
+              <a:rPr lang="en-US" altLang="zh-CN" dirty="0"/>
+              <a:t>Create visualizations using cleaned and processed data.</a:t>
+            </a:r>
+          </a:p>
+          <a:p>
+            <a:pPr lvl="1"/>
+            <a:r>
+              <a:rPr lang="en-US" altLang="zh-CN" dirty="0"/>
+              <a:t>Identify trends in community demographics (throughout the US).</a:t>
+            </a:r>
+          </a:p>
+          <a:p>
+            <a:r>
+              <a:rPr lang="en-US" altLang="zh-CN" dirty="0"/>
+              <a:t>No background needed for the project</a:t>
+            </a:r>
+          </a:p>
+          <a:p>
+            <a:endParaRPr lang="en-US" altLang="zh-CN" dirty="0"/>
+          </a:p>
+          <a:p>
+            <a:pPr lvl="1"/>
+            <a:endParaRPr lang="en-US" altLang="zh-CN" dirty="0"/>
+          </a:p>
+          <a:p>
+            <a:pPr marL="457200" lvl="1" indent="0">
+              <a:buNone/>
+            </a:pPr>
+            <a:endParaRPr lang="en-US" altLang="zh-CN" dirty="0"/>
           </a:p>
         </p:txBody>
       </p:sp>
     </p:spTree>
     <p:extLst>
       <p:ext uri="{BB962C8B-B14F-4D97-AF65-F5344CB8AC3E}">
-        <p14:creationId xmlns:p14="http://schemas.microsoft.com/office/powerpoint/2010/main" val="3455736537"/>
+        <p14:creationId xmlns:p14="http://schemas.microsoft.com/office/powerpoint/2010/main" val="2885138349"/>
       </p:ext>
     </p:extLst>
   </p:cSld>
@@ -4125,7 +7035,7 @@
           <p:cNvPr id="2" name="标题 1">
             <a:extLst>
               <a:ext uri="{FF2B5EF4-FFF2-40B4-BE49-F238E27FC236}">
-                <a16:creationId xmlns:a16="http://schemas.microsoft.com/office/drawing/2014/main" id="{732F0EC7-8AC8-00BC-BF5F-019FE2F7403F}"/>
+                <a16:creationId xmlns:a16="http://schemas.microsoft.com/office/drawing/2014/main" id="{85F642AE-5E1D-4143-9631-5B1E24A1B601}"/>
               </a:ext>
             </a:extLst>
           </p:cNvPr>
@@ -4141,7 +7051,11 @@
           <a:bodyPr/>
           <a:lstStyle/>
           <a:p>
-            <a:endParaRPr lang="zh-CN" altLang="en-US"/>
+            <a:r>
+              <a:rPr lang="en-US" altLang="zh-CN" dirty="0"/>
+              <a:t>Previous work about Brazilian Community</a:t>
+            </a:r>
+            <a:endParaRPr lang="zh-CN" altLang="en-US" dirty="0"/>
           </a:p>
         </p:txBody>
       </p:sp>
@@ -4150,7 +7064,7 @@
           <p:cNvPr id="3" name="内容占位符 2">
             <a:extLst>
               <a:ext uri="{FF2B5EF4-FFF2-40B4-BE49-F238E27FC236}">
-                <a16:creationId xmlns:a16="http://schemas.microsoft.com/office/drawing/2014/main" id="{486ED9B2-8FA8-9E44-1629-33A309926A6C}"/>
+                <a16:creationId xmlns:a16="http://schemas.microsoft.com/office/drawing/2014/main" id="{708CA3EA-F4D8-480F-9D41-F459509056A1}"/>
               </a:ext>
             </a:extLst>
           </p:cNvPr>
@@ -4161,19 +7075,105 @@
             <p:ph idx="1"/>
           </p:nvPr>
         </p:nvSpPr>
-        <p:spPr/>
-        <p:txBody>
-          <a:bodyPr/>
-          <a:lstStyle/>
-          <a:p>
-            <a:endParaRPr lang="zh-CN" altLang="en-US"/>
-          </a:p>
-        </p:txBody>
-      </p:sp>
+        <p:spPr>
+          <a:xfrm>
+            <a:off x="838200" y="1690688"/>
+            <a:ext cx="10515600" cy="4351338"/>
+          </a:xfrm>
+        </p:spPr>
+        <p:txBody>
+          <a:bodyPr/>
+          <a:lstStyle/>
+          <a:p>
+            <a:r>
+              <a:rPr lang="en-US" altLang="zh-CN" dirty="0">
+                <a:hlinkClick r:id="rId3"/>
+              </a:rPr>
+              <a:t>https://digaai.herokuapp.com/</a:t>
+            </a:r>
+            <a:endParaRPr lang="zh-CN" altLang="en-US" dirty="0"/>
+          </a:p>
+          <a:p>
+            <a:endParaRPr lang="zh-CN" altLang="en-US" dirty="0"/>
+          </a:p>
+        </p:txBody>
+      </p:sp>
+      <p:pic>
+        <p:nvPicPr>
+          <p:cNvPr id="5" name="图片 4" descr="图形用户界面, 应用程序&#10;&#10;描述已自动生成">
+            <a:extLst>
+              <a:ext uri="{FF2B5EF4-FFF2-40B4-BE49-F238E27FC236}">
+                <a16:creationId xmlns:a16="http://schemas.microsoft.com/office/drawing/2014/main" id="{537A0143-ED7E-4894-82F6-42DFE491C740}"/>
+              </a:ext>
+            </a:extLst>
+          </p:cNvPr>
+          <p:cNvPicPr>
+            <a:picLocks noChangeAspect="1"/>
+          </p:cNvPicPr>
+          <p:nvPr/>
+        </p:nvPicPr>
+        <p:blipFill>
+          <a:blip r:embed="rId4">
+            <a:extLst>
+              <a:ext uri="{28A0092B-C50C-407E-A947-70E740481C1C}">
+                <a14:useLocalDpi xmlns:a14="http://schemas.microsoft.com/office/drawing/2010/main" val="0"/>
+              </a:ext>
+            </a:extLst>
+          </a:blip>
+          <a:stretch>
+            <a:fillRect/>
+          </a:stretch>
+        </p:blipFill>
+        <p:spPr>
+          <a:xfrm>
+            <a:off x="1556482" y="2187715"/>
+            <a:ext cx="3879119" cy="4174984"/>
+          </a:xfrm>
+          <a:prstGeom prst="rect">
+            <a:avLst/>
+          </a:prstGeom>
+        </p:spPr>
+      </p:pic>
+      <p:pic>
+        <p:nvPicPr>
+          <p:cNvPr id="7" name="图片 6" descr="图示&#10;&#10;中度可信度描述已自动生成">
+            <a:extLst>
+              <a:ext uri="{FF2B5EF4-FFF2-40B4-BE49-F238E27FC236}">
+                <a16:creationId xmlns:a16="http://schemas.microsoft.com/office/drawing/2014/main" id="{41B930BB-CB0A-4C67-A25A-4F14B4B23F51}"/>
+              </a:ext>
+            </a:extLst>
+          </p:cNvPr>
+          <p:cNvPicPr>
+            <a:picLocks noChangeAspect="1"/>
+          </p:cNvPicPr>
+          <p:nvPr/>
+        </p:nvPicPr>
+        <p:blipFill>
+          <a:blip r:embed="rId5">
+            <a:extLst>
+              <a:ext uri="{28A0092B-C50C-407E-A947-70E740481C1C}">
+                <a14:useLocalDpi xmlns:a14="http://schemas.microsoft.com/office/drawing/2010/main" val="0"/>
+              </a:ext>
+            </a:extLst>
+          </a:blip>
+          <a:stretch>
+            <a:fillRect/>
+          </a:stretch>
+        </p:blipFill>
+        <p:spPr>
+          <a:xfrm>
+            <a:off x="5918200" y="2187715"/>
+            <a:ext cx="3835204" cy="4174985"/>
+          </a:xfrm>
+          <a:prstGeom prst="rect">
+            <a:avLst/>
+          </a:prstGeom>
+        </p:spPr>
+      </p:pic>
     </p:spTree>
     <p:extLst>
       <p:ext uri="{BB962C8B-B14F-4D97-AF65-F5344CB8AC3E}">
-        <p14:creationId xmlns:p14="http://schemas.microsoft.com/office/powerpoint/2010/main" val="2135914280"/>
+        <p14:creationId xmlns:p14="http://schemas.microsoft.com/office/powerpoint/2010/main" val="4085121333"/>
       </p:ext>
     </p:extLst>
   </p:cSld>
@@ -4202,10 +7202,111 @@
       </p:grpSpPr>
       <p:sp>
         <p:nvSpPr>
-          <p:cNvPr id="2" name="标题 1">
-            <a:extLst>
-              <a:ext uri="{FF2B5EF4-FFF2-40B4-BE49-F238E27FC236}">
-                <a16:creationId xmlns:a16="http://schemas.microsoft.com/office/drawing/2014/main" id="{33A8ABC4-035D-F86A-F44A-C94D356F780E}"/>
+          <p:cNvPr id="3" name="内容占位符 2">
+            <a:extLst>
+              <a:ext uri="{FF2B5EF4-FFF2-40B4-BE49-F238E27FC236}">
+                <a16:creationId xmlns:a16="http://schemas.microsoft.com/office/drawing/2014/main" id="{CED6462D-4588-6CD1-6ECC-090A3AF2433C}"/>
+              </a:ext>
+            </a:extLst>
+          </p:cNvPr>
+          <p:cNvSpPr>
+            <a:spLocks noGrp="1"/>
+          </p:cNvSpPr>
+          <p:nvPr>
+            <p:ph idx="1"/>
+          </p:nvPr>
+        </p:nvSpPr>
+        <p:spPr/>
+        <p:txBody>
+          <a:bodyPr>
+            <a:normAutofit lnSpcReduction="10000"/>
+          </a:bodyPr>
+          <a:lstStyle/>
+          <a:p>
+            <a:r>
+              <a:rPr lang="en-US" altLang="zh-CN" dirty="0"/>
+              <a:t>Data are provided </a:t>
+            </a:r>
+          </a:p>
+          <a:p>
+            <a:r>
+              <a:rPr lang="en-US" altLang="zh-CN" dirty="0"/>
+              <a:t>Preprocessed Brazilian Immigrants data</a:t>
+            </a:r>
+          </a:p>
+          <a:p>
+            <a:pPr lvl="1"/>
+            <a:r>
+              <a:rPr lang="en-US" altLang="zh-CN" dirty="0"/>
+              <a:t>Population</a:t>
+            </a:r>
+          </a:p>
+          <a:p>
+            <a:pPr lvl="1"/>
+            <a:r>
+              <a:rPr lang="en-US" altLang="zh-CN" dirty="0"/>
+              <a:t>Age distribute</a:t>
+            </a:r>
+          </a:p>
+          <a:p>
+            <a:pPr lvl="1"/>
+            <a:r>
+              <a:rPr lang="en-US" altLang="zh-CN" dirty="0"/>
+              <a:t>Gender</a:t>
+            </a:r>
+          </a:p>
+          <a:p>
+            <a:pPr lvl="1"/>
+            <a:r>
+              <a:rPr lang="en-US" altLang="zh-CN" dirty="0"/>
+              <a:t>Marital status</a:t>
+            </a:r>
+          </a:p>
+          <a:p>
+            <a:pPr lvl="1"/>
+            <a:r>
+              <a:rPr lang="en-US" altLang="zh-CN" dirty="0"/>
+              <a:t>Citizenship</a:t>
+            </a:r>
+          </a:p>
+          <a:p>
+            <a:pPr lvl="1"/>
+            <a:r>
+              <a:rPr lang="en-US" altLang="zh-CN" dirty="0"/>
+              <a:t>Education</a:t>
+            </a:r>
+          </a:p>
+          <a:p>
+            <a:pPr lvl="1"/>
+            <a:r>
+              <a:rPr lang="en-US" altLang="zh-CN" dirty="0"/>
+              <a:t>Employment</a:t>
+            </a:r>
+          </a:p>
+          <a:p>
+            <a:pPr lvl="1"/>
+            <a:r>
+              <a:rPr lang="en-US" altLang="zh-CN" dirty="0"/>
+              <a:t>Income</a:t>
+            </a:r>
+          </a:p>
+          <a:p>
+            <a:r>
+              <a:rPr lang="en-US" altLang="zh-CN" dirty="0"/>
+              <a:t>Both per year and per State</a:t>
+            </a:r>
+          </a:p>
+          <a:p>
+            <a:endParaRPr lang="zh-CN" altLang="en-US" dirty="0"/>
+          </a:p>
+        </p:txBody>
+      </p:sp>
+      <p:sp>
+        <p:nvSpPr>
+          <p:cNvPr id="4" name="标题 1">
+            <a:extLst>
+              <a:ext uri="{FF2B5EF4-FFF2-40B4-BE49-F238E27FC236}">
+                <a16:creationId xmlns:a16="http://schemas.microsoft.com/office/drawing/2014/main" id="{FD295623-C00F-8C5C-EBE7-E07DBDCD9FD3}"/>
               </a:ext>
             </a:extLst>
           </p:cNvPr>
@@ -4216,44 +7317,28 @@
             <p:ph type="title"/>
           </p:nvPr>
         </p:nvSpPr>
-        <p:spPr/>
-        <p:txBody>
-          <a:bodyPr/>
-          <a:lstStyle/>
-          <a:p>
-            <a:endParaRPr lang="zh-CN" altLang="en-US"/>
-          </a:p>
-        </p:txBody>
-      </p:sp>
-      <p:sp>
-        <p:nvSpPr>
-          <p:cNvPr id="3" name="内容占位符 2">
-            <a:extLst>
-              <a:ext uri="{FF2B5EF4-FFF2-40B4-BE49-F238E27FC236}">
-                <a16:creationId xmlns:a16="http://schemas.microsoft.com/office/drawing/2014/main" id="{E032C3B4-3A4C-A7D4-FA78-B813317C02E5}"/>
-              </a:ext>
-            </a:extLst>
-          </p:cNvPr>
-          <p:cNvSpPr>
-            <a:spLocks noGrp="1"/>
-          </p:cNvSpPr>
-          <p:nvPr>
-            <p:ph idx="1"/>
-          </p:nvPr>
-        </p:nvSpPr>
-        <p:spPr/>
-        <p:txBody>
-          <a:bodyPr/>
-          <a:lstStyle/>
-          <a:p>
-            <a:endParaRPr lang="zh-CN" altLang="en-US"/>
+        <p:spPr>
+          <a:xfrm>
+            <a:off x="838200" y="365125"/>
+            <a:ext cx="10515600" cy="1325563"/>
+          </a:xfrm>
+        </p:spPr>
+        <p:txBody>
+          <a:bodyPr/>
+          <a:lstStyle/>
+          <a:p>
+            <a:r>
+              <a:rPr lang="en-US" altLang="zh-CN" dirty="0"/>
+              <a:t>Data</a:t>
+            </a:r>
+            <a:endParaRPr lang="zh-CN" altLang="en-US" dirty="0"/>
           </a:p>
         </p:txBody>
       </p:sp>
     </p:spTree>
     <p:extLst>
       <p:ext uri="{BB962C8B-B14F-4D97-AF65-F5344CB8AC3E}">
-        <p14:creationId xmlns:p14="http://schemas.microsoft.com/office/powerpoint/2010/main" val="1022795079"/>
+        <p14:creationId xmlns:p14="http://schemas.microsoft.com/office/powerpoint/2010/main" val="3455736537"/>
       </p:ext>
     </p:extLst>
   </p:cSld>
@@ -4285,7 +7370,7 @@
           <p:cNvPr id="2" name="标题 1">
             <a:extLst>
               <a:ext uri="{FF2B5EF4-FFF2-40B4-BE49-F238E27FC236}">
-                <a16:creationId xmlns:a16="http://schemas.microsoft.com/office/drawing/2014/main" id="{571C99F8-F4B9-0AE1-B828-E77B434D131F}"/>
+                <a16:creationId xmlns:a16="http://schemas.microsoft.com/office/drawing/2014/main" id="{99C4452A-E53A-4427-A840-0CAB6C5022D0}"/>
               </a:ext>
             </a:extLst>
           </p:cNvPr>
@@ -4301,7 +7386,11 @@
           <a:bodyPr/>
           <a:lstStyle/>
           <a:p>
-            <a:endParaRPr lang="zh-CN" altLang="en-US"/>
+            <a:r>
+              <a:rPr lang="en-US" altLang="zh-CN" dirty="0"/>
+              <a:t>Visualization Part</a:t>
+            </a:r>
+            <a:endParaRPr lang="zh-CN" altLang="en-US" dirty="0"/>
           </a:p>
         </p:txBody>
       </p:sp>
@@ -4310,7 +7399,7 @@
           <p:cNvPr id="3" name="内容占位符 2">
             <a:extLst>
               <a:ext uri="{FF2B5EF4-FFF2-40B4-BE49-F238E27FC236}">
-                <a16:creationId xmlns:a16="http://schemas.microsoft.com/office/drawing/2014/main" id="{497546A0-2FBF-5287-47C5-64BAFC260649}"/>
+                <a16:creationId xmlns:a16="http://schemas.microsoft.com/office/drawing/2014/main" id="{E0BF13C0-5D3C-46F5-991C-C7694D98C9E8}"/>
               </a:ext>
             </a:extLst>
           </p:cNvPr>
@@ -4321,19 +7410,347 @@
             <p:ph idx="1"/>
           </p:nvPr>
         </p:nvSpPr>
-        <p:spPr/>
-        <p:txBody>
-          <a:bodyPr/>
-          <a:lstStyle/>
-          <a:p>
-            <a:endParaRPr lang="zh-CN" altLang="en-US"/>
+        <p:spPr>
+          <a:xfrm>
+            <a:off x="838200" y="1825625"/>
+            <a:ext cx="4165600" cy="4351338"/>
+          </a:xfrm>
+        </p:spPr>
+        <p:txBody>
+          <a:bodyPr/>
+          <a:lstStyle/>
+          <a:p>
+            <a:r>
+              <a:rPr lang="en-US" altLang="zh-CN" dirty="0"/>
+              <a:t>Visualization by state</a:t>
+            </a:r>
+          </a:p>
+          <a:p>
+            <a:endParaRPr lang="en-US" altLang="zh-CN" dirty="0"/>
+          </a:p>
+        </p:txBody>
+      </p:sp>
+      <p:sp>
+        <p:nvSpPr>
+          <p:cNvPr id="4" name="内容占位符 2">
+            <a:extLst>
+              <a:ext uri="{FF2B5EF4-FFF2-40B4-BE49-F238E27FC236}">
+                <a16:creationId xmlns:a16="http://schemas.microsoft.com/office/drawing/2014/main" id="{A705B9EA-DBD9-47A0-8651-A71EB7A0435E}"/>
+              </a:ext>
+            </a:extLst>
+          </p:cNvPr>
+          <p:cNvSpPr txBox="1">
+            <a:spLocks/>
+          </p:cNvSpPr>
+          <p:nvPr/>
+        </p:nvSpPr>
+        <p:spPr>
+          <a:xfrm>
+            <a:off x="6235700" y="1825625"/>
+            <a:ext cx="4165600" cy="4351338"/>
+          </a:xfrm>
+          <a:prstGeom prst="rect">
+            <a:avLst/>
+          </a:prstGeom>
+        </p:spPr>
+        <p:txBody>
+          <a:bodyPr vert="horz" lIns="91440" tIns="45720" rIns="91440" bIns="45720" rtlCol="0">
+            <a:normAutofit/>
+          </a:bodyPr>
+          <a:lstStyle>
+            <a:lvl1pPr marL="228600" indent="-228600" algn="l" defTabSz="914400" rtl="0" eaLnBrk="1" latinLnBrk="0" hangingPunct="1">
+              <a:lnSpc>
+                <a:spcPct val="90000"/>
+              </a:lnSpc>
+              <a:spcBef>
+                <a:spcPts val="1000"/>
+              </a:spcBef>
+              <a:buFont typeface="Arial" panose="020B0604020202020204" pitchFamily="34" charset="0"/>
+              <a:buChar char="•"/>
+              <a:defRPr sz="2800" kern="1200">
+                <a:solidFill>
+                  <a:schemeClr val="tx1"/>
+                </a:solidFill>
+                <a:latin typeface="+mn-lt"/>
+                <a:ea typeface="+mn-ea"/>
+                <a:cs typeface="+mn-cs"/>
+              </a:defRPr>
+            </a:lvl1pPr>
+            <a:lvl2pPr marL="685800" indent="-228600" algn="l" defTabSz="914400" rtl="0" eaLnBrk="1" latinLnBrk="0" hangingPunct="1">
+              <a:lnSpc>
+                <a:spcPct val="90000"/>
+              </a:lnSpc>
+              <a:spcBef>
+                <a:spcPts val="500"/>
+              </a:spcBef>
+              <a:buFont typeface="Arial" panose="020B0604020202020204" pitchFamily="34" charset="0"/>
+              <a:buChar char="•"/>
+              <a:defRPr sz="2400" kern="1200">
+                <a:solidFill>
+                  <a:schemeClr val="tx1"/>
+                </a:solidFill>
+                <a:latin typeface="+mn-lt"/>
+                <a:ea typeface="+mn-ea"/>
+                <a:cs typeface="+mn-cs"/>
+              </a:defRPr>
+            </a:lvl2pPr>
+            <a:lvl3pPr marL="1143000" indent="-228600" algn="l" defTabSz="914400" rtl="0" eaLnBrk="1" latinLnBrk="0" hangingPunct="1">
+              <a:lnSpc>
+                <a:spcPct val="90000"/>
+              </a:lnSpc>
+              <a:spcBef>
+                <a:spcPts val="500"/>
+              </a:spcBef>
+              <a:buFont typeface="Arial" panose="020B0604020202020204" pitchFamily="34" charset="0"/>
+              <a:buChar char="•"/>
+              <a:defRPr sz="2000" kern="1200">
+                <a:solidFill>
+                  <a:schemeClr val="tx1"/>
+                </a:solidFill>
+                <a:latin typeface="+mn-lt"/>
+                <a:ea typeface="+mn-ea"/>
+                <a:cs typeface="+mn-cs"/>
+              </a:defRPr>
+            </a:lvl3pPr>
+            <a:lvl4pPr marL="1600200" indent="-228600" algn="l" defTabSz="914400" rtl="0" eaLnBrk="1" latinLnBrk="0" hangingPunct="1">
+              <a:lnSpc>
+                <a:spcPct val="90000"/>
+              </a:lnSpc>
+              <a:spcBef>
+                <a:spcPts val="500"/>
+              </a:spcBef>
+              <a:buFont typeface="Arial" panose="020B0604020202020204" pitchFamily="34" charset="0"/>
+              <a:buChar char="•"/>
+              <a:defRPr sz="1800" kern="1200">
+                <a:solidFill>
+                  <a:schemeClr val="tx1"/>
+                </a:solidFill>
+                <a:latin typeface="+mn-lt"/>
+                <a:ea typeface="+mn-ea"/>
+                <a:cs typeface="+mn-cs"/>
+              </a:defRPr>
+            </a:lvl4pPr>
+            <a:lvl5pPr marL="2057400" indent="-228600" algn="l" defTabSz="914400" rtl="0" eaLnBrk="1" latinLnBrk="0" hangingPunct="1">
+              <a:lnSpc>
+                <a:spcPct val="90000"/>
+              </a:lnSpc>
+              <a:spcBef>
+                <a:spcPts val="500"/>
+              </a:spcBef>
+              <a:buFont typeface="Arial" panose="020B0604020202020204" pitchFamily="34" charset="0"/>
+              <a:buChar char="•"/>
+              <a:defRPr sz="1800" kern="1200">
+                <a:solidFill>
+                  <a:schemeClr val="tx1"/>
+                </a:solidFill>
+                <a:latin typeface="+mn-lt"/>
+                <a:ea typeface="+mn-ea"/>
+                <a:cs typeface="+mn-cs"/>
+              </a:defRPr>
+            </a:lvl5pPr>
+            <a:lvl6pPr marL="2514600" indent="-228600" algn="l" defTabSz="914400" rtl="0" eaLnBrk="1" latinLnBrk="0" hangingPunct="1">
+              <a:lnSpc>
+                <a:spcPct val="90000"/>
+              </a:lnSpc>
+              <a:spcBef>
+                <a:spcPts val="500"/>
+              </a:spcBef>
+              <a:buFont typeface="Arial" panose="020B0604020202020204" pitchFamily="34" charset="0"/>
+              <a:buChar char="•"/>
+              <a:defRPr sz="1800" kern="1200">
+                <a:solidFill>
+                  <a:schemeClr val="tx1"/>
+                </a:solidFill>
+                <a:latin typeface="+mn-lt"/>
+                <a:ea typeface="+mn-ea"/>
+                <a:cs typeface="+mn-cs"/>
+              </a:defRPr>
+            </a:lvl6pPr>
+            <a:lvl7pPr marL="2971800" indent="-228600" algn="l" defTabSz="914400" rtl="0" eaLnBrk="1" latinLnBrk="0" hangingPunct="1">
+              <a:lnSpc>
+                <a:spcPct val="90000"/>
+              </a:lnSpc>
+              <a:spcBef>
+                <a:spcPts val="500"/>
+              </a:spcBef>
+              <a:buFont typeface="Arial" panose="020B0604020202020204" pitchFamily="34" charset="0"/>
+              <a:buChar char="•"/>
+              <a:defRPr sz="1800" kern="1200">
+                <a:solidFill>
+                  <a:schemeClr val="tx1"/>
+                </a:solidFill>
+                <a:latin typeface="+mn-lt"/>
+                <a:ea typeface="+mn-ea"/>
+                <a:cs typeface="+mn-cs"/>
+              </a:defRPr>
+            </a:lvl7pPr>
+            <a:lvl8pPr marL="3429000" indent="-228600" algn="l" defTabSz="914400" rtl="0" eaLnBrk="1" latinLnBrk="0" hangingPunct="1">
+              <a:lnSpc>
+                <a:spcPct val="90000"/>
+              </a:lnSpc>
+              <a:spcBef>
+                <a:spcPts val="500"/>
+              </a:spcBef>
+              <a:buFont typeface="Arial" panose="020B0604020202020204" pitchFamily="34" charset="0"/>
+              <a:buChar char="•"/>
+              <a:defRPr sz="1800" kern="1200">
+                <a:solidFill>
+                  <a:schemeClr val="tx1"/>
+                </a:solidFill>
+                <a:latin typeface="+mn-lt"/>
+                <a:ea typeface="+mn-ea"/>
+                <a:cs typeface="+mn-cs"/>
+              </a:defRPr>
+            </a:lvl8pPr>
+            <a:lvl9pPr marL="3886200" indent="-228600" algn="l" defTabSz="914400" rtl="0" eaLnBrk="1" latinLnBrk="0" hangingPunct="1">
+              <a:lnSpc>
+                <a:spcPct val="90000"/>
+              </a:lnSpc>
+              <a:spcBef>
+                <a:spcPts val="500"/>
+              </a:spcBef>
+              <a:buFont typeface="Arial" panose="020B0604020202020204" pitchFamily="34" charset="0"/>
+              <a:buChar char="•"/>
+              <a:defRPr sz="1800" kern="1200">
+                <a:solidFill>
+                  <a:schemeClr val="tx1"/>
+                </a:solidFill>
+                <a:latin typeface="+mn-lt"/>
+                <a:ea typeface="+mn-ea"/>
+                <a:cs typeface="+mn-cs"/>
+              </a:defRPr>
+            </a:lvl9pPr>
+          </a:lstStyle>
+          <a:p>
+            <a:r>
+              <a:rPr lang="en-US" altLang="zh-CN" dirty="0"/>
+              <a:t>Visualization by year</a:t>
+            </a:r>
+            <a:endParaRPr lang="zh-CN" altLang="en-US" dirty="0"/>
+          </a:p>
+        </p:txBody>
+      </p:sp>
+      <p:pic>
+        <p:nvPicPr>
+          <p:cNvPr id="6" name="图片 5" descr="图表&#10;&#10;描述已自动生成">
+            <a:extLst>
+              <a:ext uri="{FF2B5EF4-FFF2-40B4-BE49-F238E27FC236}">
+                <a16:creationId xmlns:a16="http://schemas.microsoft.com/office/drawing/2014/main" id="{7963C3D2-84D2-458C-869C-5DD8BBECB4A5}"/>
+              </a:ext>
+            </a:extLst>
+          </p:cNvPr>
+          <p:cNvPicPr>
+            <a:picLocks noChangeAspect="1"/>
+          </p:cNvPicPr>
+          <p:nvPr/>
+        </p:nvPicPr>
+        <p:blipFill rotWithShape="1">
+          <a:blip r:embed="rId3">
+            <a:extLst>
+              <a:ext uri="{28A0092B-C50C-407E-A947-70E740481C1C}">
+                <a14:useLocalDpi xmlns:a14="http://schemas.microsoft.com/office/drawing/2010/main" val="0"/>
+              </a:ext>
+            </a:extLst>
+          </a:blip>
+          <a:srcRect b="1678"/>
+          <a:stretch/>
+        </p:blipFill>
+        <p:spPr>
+          <a:xfrm>
+            <a:off x="214704" y="2489200"/>
+            <a:ext cx="6020996" cy="3550874"/>
+          </a:xfrm>
+          <a:prstGeom prst="rect">
+            <a:avLst/>
+          </a:prstGeom>
+        </p:spPr>
+      </p:pic>
+      <p:pic>
+        <p:nvPicPr>
+          <p:cNvPr id="8" name="图片 7" descr="图形用户界面, 图表, 应用程序&#10;&#10;描述已自动生成">
+            <a:extLst>
+              <a:ext uri="{FF2B5EF4-FFF2-40B4-BE49-F238E27FC236}">
+                <a16:creationId xmlns:a16="http://schemas.microsoft.com/office/drawing/2014/main" id="{2EDE8A17-F527-4E07-A919-675BC55FF46A}"/>
+              </a:ext>
+            </a:extLst>
+          </p:cNvPr>
+          <p:cNvPicPr>
+            <a:picLocks noChangeAspect="1"/>
+          </p:cNvPicPr>
+          <p:nvPr/>
+        </p:nvPicPr>
+        <p:blipFill>
+          <a:blip r:embed="rId4">
+            <a:extLst>
+              <a:ext uri="{28A0092B-C50C-407E-A947-70E740481C1C}">
+                <a14:useLocalDpi xmlns:a14="http://schemas.microsoft.com/office/drawing/2010/main" val="0"/>
+              </a:ext>
+            </a:extLst>
+          </a:blip>
+          <a:stretch>
+            <a:fillRect/>
+          </a:stretch>
+        </p:blipFill>
+        <p:spPr>
+          <a:xfrm>
+            <a:off x="6171500" y="2489199"/>
+            <a:ext cx="6046535" cy="3550874"/>
+          </a:xfrm>
+          <a:prstGeom prst="rect">
+            <a:avLst/>
+          </a:prstGeom>
+        </p:spPr>
+      </p:pic>
+      <p:sp>
+        <p:nvSpPr>
+          <p:cNvPr id="9" name="文本框 8">
+            <a:extLst>
+              <a:ext uri="{FF2B5EF4-FFF2-40B4-BE49-F238E27FC236}">
+                <a16:creationId xmlns:a16="http://schemas.microsoft.com/office/drawing/2014/main" id="{7C9F297A-8210-42BB-9D29-26DFFAD6D5F3}"/>
+              </a:ext>
+            </a:extLst>
+          </p:cNvPr>
+          <p:cNvSpPr txBox="1"/>
+          <p:nvPr/>
+        </p:nvSpPr>
+        <p:spPr>
+          <a:xfrm>
+            <a:off x="508000" y="6324600"/>
+            <a:ext cx="7594600" cy="369332"/>
+          </a:xfrm>
+          <a:prstGeom prst="rect">
+            <a:avLst/>
+          </a:prstGeom>
+          <a:noFill/>
+        </p:spPr>
+        <p:txBody>
+          <a:bodyPr wrap="square" rtlCol="0">
+            <a:spAutoFit/>
+          </a:bodyPr>
+          <a:lstStyle/>
+          <a:p>
+            <a:r>
+              <a:rPr lang="en-US" altLang="zh-CN" dirty="0"/>
+              <a:t>Powered by </a:t>
+            </a:r>
+            <a:r>
+              <a:rPr lang="en-US" altLang="zh-CN" dirty="0">
+                <a:hlinkClick r:id="rId5"/>
+              </a:rPr>
+              <a:t>pyecharts</a:t>
+            </a:r>
+            <a:r>
+              <a:rPr lang="en-US" altLang="zh-CN" dirty="0"/>
+              <a:t>, an opensource JavaScript visualization library</a:t>
+            </a:r>
+            <a:endParaRPr lang="zh-CN" altLang="en-US" dirty="0"/>
           </a:p>
         </p:txBody>
       </p:sp>
     </p:spTree>
     <p:extLst>
       <p:ext uri="{BB962C8B-B14F-4D97-AF65-F5344CB8AC3E}">
-        <p14:creationId xmlns:p14="http://schemas.microsoft.com/office/powerpoint/2010/main" val="3305979141"/>
+        <p14:creationId xmlns:p14="http://schemas.microsoft.com/office/powerpoint/2010/main" val="3526378995"/>
       </p:ext>
     </p:extLst>
   </p:cSld>
@@ -4365,7 +7782,7 @@
           <p:cNvPr id="2" name="标题 1">
             <a:extLst>
               <a:ext uri="{FF2B5EF4-FFF2-40B4-BE49-F238E27FC236}">
-                <a16:creationId xmlns:a16="http://schemas.microsoft.com/office/drawing/2014/main" id="{1A38A379-BB3D-7C46-F3EA-8C2B7AD95A62}"/>
+                <a16:creationId xmlns:a16="http://schemas.microsoft.com/office/drawing/2014/main" id="{33A8ABC4-035D-F86A-F44A-C94D356F780E}"/>
               </a:ext>
             </a:extLst>
           </p:cNvPr>
@@ -4381,39 +7798,472 @@
           <a:bodyPr/>
           <a:lstStyle/>
           <a:p>
-            <a:endParaRPr lang="zh-CN" altLang="en-US"/>
-          </a:p>
-        </p:txBody>
-      </p:sp>
-      <p:sp>
-        <p:nvSpPr>
-          <p:cNvPr id="3" name="内容占位符 2">
-            <a:extLst>
-              <a:ext uri="{FF2B5EF4-FFF2-40B4-BE49-F238E27FC236}">
-                <a16:creationId xmlns:a16="http://schemas.microsoft.com/office/drawing/2014/main" id="{04B0CE83-544D-8ED4-3E60-5AAF310E875C}"/>
-              </a:ext>
-            </a:extLst>
-          </p:cNvPr>
-          <p:cNvSpPr>
-            <a:spLocks noGrp="1"/>
-          </p:cNvSpPr>
+            <a:r>
+              <a:rPr lang="en-US" altLang="zh-CN" dirty="0"/>
+              <a:t>Visualization Part</a:t>
+            </a:r>
+            <a:endParaRPr lang="zh-CN" altLang="en-US" dirty="0"/>
+          </a:p>
+        </p:txBody>
+      </p:sp>
+      <p:pic>
+        <p:nvPicPr>
+          <p:cNvPr id="5" name="内容占位符 4" descr="地图&#10;&#10;描述已自动生成">
+            <a:extLst>
+              <a:ext uri="{FF2B5EF4-FFF2-40B4-BE49-F238E27FC236}">
+                <a16:creationId xmlns:a16="http://schemas.microsoft.com/office/drawing/2014/main" id="{7900A7DA-6C8A-139F-C8E5-88607D43D1DA}"/>
+              </a:ext>
+            </a:extLst>
+          </p:cNvPr>
+          <p:cNvPicPr>
+            <a:picLocks noGrp="1" noChangeAspect="1"/>
+          </p:cNvPicPr>
           <p:nvPr>
             <p:ph idx="1"/>
           </p:nvPr>
-        </p:nvSpPr>
-        <p:spPr/>
-        <p:txBody>
-          <a:bodyPr/>
-          <a:lstStyle/>
-          <a:p>
-            <a:endParaRPr lang="zh-CN" altLang="en-US"/>
+        </p:nvPicPr>
+        <p:blipFill>
+          <a:blip r:embed="rId3">
+            <a:extLst>
+              <a:ext uri="{28A0092B-C50C-407E-A947-70E740481C1C}">
+                <a14:useLocalDpi xmlns:a14="http://schemas.microsoft.com/office/drawing/2010/main" val="0"/>
+              </a:ext>
+            </a:extLst>
+          </a:blip>
+          <a:stretch>
+            <a:fillRect/>
+          </a:stretch>
+        </p:blipFill>
+        <p:spPr>
+          <a:xfrm>
+            <a:off x="344514" y="2056510"/>
+            <a:ext cx="8256822" cy="4643818"/>
+          </a:xfrm>
+        </p:spPr>
+      </p:pic>
+      <p:sp>
+        <p:nvSpPr>
+          <p:cNvPr id="7" name="内容占位符 2">
+            <a:extLst>
+              <a:ext uri="{FF2B5EF4-FFF2-40B4-BE49-F238E27FC236}">
+                <a16:creationId xmlns:a16="http://schemas.microsoft.com/office/drawing/2014/main" id="{4215555F-ACAD-511E-9735-35819ACC4926}"/>
+              </a:ext>
+            </a:extLst>
+          </p:cNvPr>
+          <p:cNvSpPr txBox="1">
+            <a:spLocks/>
+          </p:cNvSpPr>
+          <p:nvPr/>
+        </p:nvSpPr>
+        <p:spPr>
+          <a:xfrm>
+            <a:off x="8723256" y="2166238"/>
+            <a:ext cx="3218688" cy="4424362"/>
+          </a:xfrm>
+          <a:prstGeom prst="rect">
+            <a:avLst/>
+          </a:prstGeom>
+        </p:spPr>
+        <p:txBody>
+          <a:bodyPr vert="horz" lIns="91440" tIns="45720" rIns="91440" bIns="45720" rtlCol="0">
+            <a:normAutofit/>
+          </a:bodyPr>
+          <a:lstStyle>
+            <a:lvl1pPr marL="228600" indent="-228600" algn="l" defTabSz="914400" rtl="0" eaLnBrk="1" latinLnBrk="0" hangingPunct="1">
+              <a:lnSpc>
+                <a:spcPct val="90000"/>
+              </a:lnSpc>
+              <a:spcBef>
+                <a:spcPts val="1000"/>
+              </a:spcBef>
+              <a:buFont typeface="Arial" panose="020B0604020202020204" pitchFamily="34" charset="0"/>
+              <a:buChar char="•"/>
+              <a:defRPr sz="2800" kern="1200">
+                <a:solidFill>
+                  <a:schemeClr val="tx1"/>
+                </a:solidFill>
+                <a:latin typeface="+mn-lt"/>
+                <a:ea typeface="+mn-ea"/>
+                <a:cs typeface="+mn-cs"/>
+              </a:defRPr>
+            </a:lvl1pPr>
+            <a:lvl2pPr marL="685800" indent="-228600" algn="l" defTabSz="914400" rtl="0" eaLnBrk="1" latinLnBrk="0" hangingPunct="1">
+              <a:lnSpc>
+                <a:spcPct val="90000"/>
+              </a:lnSpc>
+              <a:spcBef>
+                <a:spcPts val="500"/>
+              </a:spcBef>
+              <a:buFont typeface="Arial" panose="020B0604020202020204" pitchFamily="34" charset="0"/>
+              <a:buChar char="•"/>
+              <a:defRPr sz="2400" kern="1200">
+                <a:solidFill>
+                  <a:schemeClr val="tx1"/>
+                </a:solidFill>
+                <a:latin typeface="+mn-lt"/>
+                <a:ea typeface="+mn-ea"/>
+                <a:cs typeface="+mn-cs"/>
+              </a:defRPr>
+            </a:lvl2pPr>
+            <a:lvl3pPr marL="1143000" indent="-228600" algn="l" defTabSz="914400" rtl="0" eaLnBrk="1" latinLnBrk="0" hangingPunct="1">
+              <a:lnSpc>
+                <a:spcPct val="90000"/>
+              </a:lnSpc>
+              <a:spcBef>
+                <a:spcPts val="500"/>
+              </a:spcBef>
+              <a:buFont typeface="Arial" panose="020B0604020202020204" pitchFamily="34" charset="0"/>
+              <a:buChar char="•"/>
+              <a:defRPr sz="2000" kern="1200">
+                <a:solidFill>
+                  <a:schemeClr val="tx1"/>
+                </a:solidFill>
+                <a:latin typeface="+mn-lt"/>
+                <a:ea typeface="+mn-ea"/>
+                <a:cs typeface="+mn-cs"/>
+              </a:defRPr>
+            </a:lvl3pPr>
+            <a:lvl4pPr marL="1600200" indent="-228600" algn="l" defTabSz="914400" rtl="0" eaLnBrk="1" latinLnBrk="0" hangingPunct="1">
+              <a:lnSpc>
+                <a:spcPct val="90000"/>
+              </a:lnSpc>
+              <a:spcBef>
+                <a:spcPts val="500"/>
+              </a:spcBef>
+              <a:buFont typeface="Arial" panose="020B0604020202020204" pitchFamily="34" charset="0"/>
+              <a:buChar char="•"/>
+              <a:defRPr sz="1800" kern="1200">
+                <a:solidFill>
+                  <a:schemeClr val="tx1"/>
+                </a:solidFill>
+                <a:latin typeface="+mn-lt"/>
+                <a:ea typeface="+mn-ea"/>
+                <a:cs typeface="+mn-cs"/>
+              </a:defRPr>
+            </a:lvl4pPr>
+            <a:lvl5pPr marL="2057400" indent="-228600" algn="l" defTabSz="914400" rtl="0" eaLnBrk="1" latinLnBrk="0" hangingPunct="1">
+              <a:lnSpc>
+                <a:spcPct val="90000"/>
+              </a:lnSpc>
+              <a:spcBef>
+                <a:spcPts val="500"/>
+              </a:spcBef>
+              <a:buFont typeface="Arial" panose="020B0604020202020204" pitchFamily="34" charset="0"/>
+              <a:buChar char="•"/>
+              <a:defRPr sz="1800" kern="1200">
+                <a:solidFill>
+                  <a:schemeClr val="tx1"/>
+                </a:solidFill>
+                <a:latin typeface="+mn-lt"/>
+                <a:ea typeface="+mn-ea"/>
+                <a:cs typeface="+mn-cs"/>
+              </a:defRPr>
+            </a:lvl5pPr>
+            <a:lvl6pPr marL="2514600" indent="-228600" algn="l" defTabSz="914400" rtl="0" eaLnBrk="1" latinLnBrk="0" hangingPunct="1">
+              <a:lnSpc>
+                <a:spcPct val="90000"/>
+              </a:lnSpc>
+              <a:spcBef>
+                <a:spcPts val="500"/>
+              </a:spcBef>
+              <a:buFont typeface="Arial" panose="020B0604020202020204" pitchFamily="34" charset="0"/>
+              <a:buChar char="•"/>
+              <a:defRPr sz="1800" kern="1200">
+                <a:solidFill>
+                  <a:schemeClr val="tx1"/>
+                </a:solidFill>
+                <a:latin typeface="+mn-lt"/>
+                <a:ea typeface="+mn-ea"/>
+                <a:cs typeface="+mn-cs"/>
+              </a:defRPr>
+            </a:lvl6pPr>
+            <a:lvl7pPr marL="2971800" indent="-228600" algn="l" defTabSz="914400" rtl="0" eaLnBrk="1" latinLnBrk="0" hangingPunct="1">
+              <a:lnSpc>
+                <a:spcPct val="90000"/>
+              </a:lnSpc>
+              <a:spcBef>
+                <a:spcPts val="500"/>
+              </a:spcBef>
+              <a:buFont typeface="Arial" panose="020B0604020202020204" pitchFamily="34" charset="0"/>
+              <a:buChar char="•"/>
+              <a:defRPr sz="1800" kern="1200">
+                <a:solidFill>
+                  <a:schemeClr val="tx1"/>
+                </a:solidFill>
+                <a:latin typeface="+mn-lt"/>
+                <a:ea typeface="+mn-ea"/>
+                <a:cs typeface="+mn-cs"/>
+              </a:defRPr>
+            </a:lvl7pPr>
+            <a:lvl8pPr marL="3429000" indent="-228600" algn="l" defTabSz="914400" rtl="0" eaLnBrk="1" latinLnBrk="0" hangingPunct="1">
+              <a:lnSpc>
+                <a:spcPct val="90000"/>
+              </a:lnSpc>
+              <a:spcBef>
+                <a:spcPts val="500"/>
+              </a:spcBef>
+              <a:buFont typeface="Arial" panose="020B0604020202020204" pitchFamily="34" charset="0"/>
+              <a:buChar char="•"/>
+              <a:defRPr sz="1800" kern="1200">
+                <a:solidFill>
+                  <a:schemeClr val="tx1"/>
+                </a:solidFill>
+                <a:latin typeface="+mn-lt"/>
+                <a:ea typeface="+mn-ea"/>
+                <a:cs typeface="+mn-cs"/>
+              </a:defRPr>
+            </a:lvl8pPr>
+            <a:lvl9pPr marL="3886200" indent="-228600" algn="l" defTabSz="914400" rtl="0" eaLnBrk="1" latinLnBrk="0" hangingPunct="1">
+              <a:lnSpc>
+                <a:spcPct val="90000"/>
+              </a:lnSpc>
+              <a:spcBef>
+                <a:spcPts val="500"/>
+              </a:spcBef>
+              <a:buFont typeface="Arial" panose="020B0604020202020204" pitchFamily="34" charset="0"/>
+              <a:buChar char="•"/>
+              <a:defRPr sz="1800" kern="1200">
+                <a:solidFill>
+                  <a:schemeClr val="tx1"/>
+                </a:solidFill>
+                <a:latin typeface="+mn-lt"/>
+                <a:ea typeface="+mn-ea"/>
+                <a:cs typeface="+mn-cs"/>
+              </a:defRPr>
+            </a:lvl9pPr>
+          </a:lstStyle>
+          <a:p>
+            <a:r>
+              <a:rPr lang="en-US" altLang="zh-CN" dirty="0"/>
+              <a:t>Showing data on the map</a:t>
+            </a:r>
+          </a:p>
+          <a:p>
+            <a:r>
+              <a:rPr lang="en-US" altLang="zh-CN" dirty="0"/>
+              <a:t>Color represents absolute value</a:t>
+            </a:r>
+          </a:p>
+          <a:p>
+            <a:r>
+              <a:rPr lang="en-US" altLang="zh-CN" dirty="0"/>
+              <a:t>Geographically related</a:t>
+            </a:r>
+          </a:p>
+          <a:p>
+            <a:r>
+              <a:rPr lang="en-US" altLang="zh-CN" dirty="0"/>
+              <a:t>Combining with Pie chart to show the proportion within US</a:t>
+            </a:r>
+          </a:p>
+        </p:txBody>
+      </p:sp>
+      <p:sp>
+        <p:nvSpPr>
+          <p:cNvPr id="8" name="内容占位符 2">
+            <a:extLst>
+              <a:ext uri="{FF2B5EF4-FFF2-40B4-BE49-F238E27FC236}">
+                <a16:creationId xmlns:a16="http://schemas.microsoft.com/office/drawing/2014/main" id="{46D0C9CB-76C2-F4A0-AD25-96BAC9B84979}"/>
+              </a:ext>
+            </a:extLst>
+          </p:cNvPr>
+          <p:cNvSpPr txBox="1">
+            <a:spLocks/>
+          </p:cNvSpPr>
+          <p:nvPr/>
+        </p:nvSpPr>
+        <p:spPr>
+          <a:xfrm>
+            <a:off x="838200" y="1536191"/>
+            <a:ext cx="6842760" cy="4201859"/>
+          </a:xfrm>
+          <a:prstGeom prst="rect">
+            <a:avLst/>
+          </a:prstGeom>
+        </p:spPr>
+        <p:txBody>
+          <a:bodyPr vert="horz" lIns="91440" tIns="45720" rIns="91440" bIns="45720" rtlCol="0">
+            <a:normAutofit/>
+          </a:bodyPr>
+          <a:lstStyle>
+            <a:lvl1pPr marL="228600" indent="-228600" algn="l" defTabSz="914400" rtl="0" eaLnBrk="1" latinLnBrk="0" hangingPunct="1">
+              <a:lnSpc>
+                <a:spcPct val="90000"/>
+              </a:lnSpc>
+              <a:spcBef>
+                <a:spcPts val="1000"/>
+              </a:spcBef>
+              <a:buFont typeface="Arial" panose="020B0604020202020204" pitchFamily="34" charset="0"/>
+              <a:buChar char="•"/>
+              <a:defRPr sz="2800" kern="1200">
+                <a:solidFill>
+                  <a:schemeClr val="tx1"/>
+                </a:solidFill>
+                <a:latin typeface="+mn-lt"/>
+                <a:ea typeface="+mn-ea"/>
+                <a:cs typeface="+mn-cs"/>
+              </a:defRPr>
+            </a:lvl1pPr>
+            <a:lvl2pPr marL="685800" indent="-228600" algn="l" defTabSz="914400" rtl="0" eaLnBrk="1" latinLnBrk="0" hangingPunct="1">
+              <a:lnSpc>
+                <a:spcPct val="90000"/>
+              </a:lnSpc>
+              <a:spcBef>
+                <a:spcPts val="500"/>
+              </a:spcBef>
+              <a:buFont typeface="Arial" panose="020B0604020202020204" pitchFamily="34" charset="0"/>
+              <a:buChar char="•"/>
+              <a:defRPr sz="2400" kern="1200">
+                <a:solidFill>
+                  <a:schemeClr val="tx1"/>
+                </a:solidFill>
+                <a:latin typeface="+mn-lt"/>
+                <a:ea typeface="+mn-ea"/>
+                <a:cs typeface="+mn-cs"/>
+              </a:defRPr>
+            </a:lvl2pPr>
+            <a:lvl3pPr marL="1143000" indent="-228600" algn="l" defTabSz="914400" rtl="0" eaLnBrk="1" latinLnBrk="0" hangingPunct="1">
+              <a:lnSpc>
+                <a:spcPct val="90000"/>
+              </a:lnSpc>
+              <a:spcBef>
+                <a:spcPts val="500"/>
+              </a:spcBef>
+              <a:buFont typeface="Arial" panose="020B0604020202020204" pitchFamily="34" charset="0"/>
+              <a:buChar char="•"/>
+              <a:defRPr sz="2000" kern="1200">
+                <a:solidFill>
+                  <a:schemeClr val="tx1"/>
+                </a:solidFill>
+                <a:latin typeface="+mn-lt"/>
+                <a:ea typeface="+mn-ea"/>
+                <a:cs typeface="+mn-cs"/>
+              </a:defRPr>
+            </a:lvl3pPr>
+            <a:lvl4pPr marL="1600200" indent="-228600" algn="l" defTabSz="914400" rtl="0" eaLnBrk="1" latinLnBrk="0" hangingPunct="1">
+              <a:lnSpc>
+                <a:spcPct val="90000"/>
+              </a:lnSpc>
+              <a:spcBef>
+                <a:spcPts val="500"/>
+              </a:spcBef>
+              <a:buFont typeface="Arial" panose="020B0604020202020204" pitchFamily="34" charset="0"/>
+              <a:buChar char="•"/>
+              <a:defRPr sz="1800" kern="1200">
+                <a:solidFill>
+                  <a:schemeClr val="tx1"/>
+                </a:solidFill>
+                <a:latin typeface="+mn-lt"/>
+                <a:ea typeface="+mn-ea"/>
+                <a:cs typeface="+mn-cs"/>
+              </a:defRPr>
+            </a:lvl4pPr>
+            <a:lvl5pPr marL="2057400" indent="-228600" algn="l" defTabSz="914400" rtl="0" eaLnBrk="1" latinLnBrk="0" hangingPunct="1">
+              <a:lnSpc>
+                <a:spcPct val="90000"/>
+              </a:lnSpc>
+              <a:spcBef>
+                <a:spcPts val="500"/>
+              </a:spcBef>
+              <a:buFont typeface="Arial" panose="020B0604020202020204" pitchFamily="34" charset="0"/>
+              <a:buChar char="•"/>
+              <a:defRPr sz="1800" kern="1200">
+                <a:solidFill>
+                  <a:schemeClr val="tx1"/>
+                </a:solidFill>
+                <a:latin typeface="+mn-lt"/>
+                <a:ea typeface="+mn-ea"/>
+                <a:cs typeface="+mn-cs"/>
+              </a:defRPr>
+            </a:lvl5pPr>
+            <a:lvl6pPr marL="2514600" indent="-228600" algn="l" defTabSz="914400" rtl="0" eaLnBrk="1" latinLnBrk="0" hangingPunct="1">
+              <a:lnSpc>
+                <a:spcPct val="90000"/>
+              </a:lnSpc>
+              <a:spcBef>
+                <a:spcPts val="500"/>
+              </a:spcBef>
+              <a:buFont typeface="Arial" panose="020B0604020202020204" pitchFamily="34" charset="0"/>
+              <a:buChar char="•"/>
+              <a:defRPr sz="1800" kern="1200">
+                <a:solidFill>
+                  <a:schemeClr val="tx1"/>
+                </a:solidFill>
+                <a:latin typeface="+mn-lt"/>
+                <a:ea typeface="+mn-ea"/>
+                <a:cs typeface="+mn-cs"/>
+              </a:defRPr>
+            </a:lvl6pPr>
+            <a:lvl7pPr marL="2971800" indent="-228600" algn="l" defTabSz="914400" rtl="0" eaLnBrk="1" latinLnBrk="0" hangingPunct="1">
+              <a:lnSpc>
+                <a:spcPct val="90000"/>
+              </a:lnSpc>
+              <a:spcBef>
+                <a:spcPts val="500"/>
+              </a:spcBef>
+              <a:buFont typeface="Arial" panose="020B0604020202020204" pitchFamily="34" charset="0"/>
+              <a:buChar char="•"/>
+              <a:defRPr sz="1800" kern="1200">
+                <a:solidFill>
+                  <a:schemeClr val="tx1"/>
+                </a:solidFill>
+                <a:latin typeface="+mn-lt"/>
+                <a:ea typeface="+mn-ea"/>
+                <a:cs typeface="+mn-cs"/>
+              </a:defRPr>
+            </a:lvl7pPr>
+            <a:lvl8pPr marL="3429000" indent="-228600" algn="l" defTabSz="914400" rtl="0" eaLnBrk="1" latinLnBrk="0" hangingPunct="1">
+              <a:lnSpc>
+                <a:spcPct val="90000"/>
+              </a:lnSpc>
+              <a:spcBef>
+                <a:spcPts val="500"/>
+              </a:spcBef>
+              <a:buFont typeface="Arial" panose="020B0604020202020204" pitchFamily="34" charset="0"/>
+              <a:buChar char="•"/>
+              <a:defRPr sz="1800" kern="1200">
+                <a:solidFill>
+                  <a:schemeClr val="tx1"/>
+                </a:solidFill>
+                <a:latin typeface="+mn-lt"/>
+                <a:ea typeface="+mn-ea"/>
+                <a:cs typeface="+mn-cs"/>
+              </a:defRPr>
+            </a:lvl8pPr>
+            <a:lvl9pPr marL="3886200" indent="-228600" algn="l" defTabSz="914400" rtl="0" eaLnBrk="1" latinLnBrk="0" hangingPunct="1">
+              <a:lnSpc>
+                <a:spcPct val="90000"/>
+              </a:lnSpc>
+              <a:spcBef>
+                <a:spcPts val="500"/>
+              </a:spcBef>
+              <a:buFont typeface="Arial" panose="020B0604020202020204" pitchFamily="34" charset="0"/>
+              <a:buChar char="•"/>
+              <a:defRPr sz="1800" kern="1200">
+                <a:solidFill>
+                  <a:schemeClr val="tx1"/>
+                </a:solidFill>
+                <a:latin typeface="+mn-lt"/>
+                <a:ea typeface="+mn-ea"/>
+                <a:cs typeface="+mn-cs"/>
+              </a:defRPr>
+            </a:lvl9pPr>
+          </a:lstStyle>
+          <a:p>
+            <a:r>
+              <a:rPr lang="en-US" altLang="zh-CN" dirty="0"/>
+              <a:t>Visualization by Heat Map</a:t>
+            </a:r>
+          </a:p>
+          <a:p>
+            <a:endParaRPr lang="en-US" altLang="zh-CN" dirty="0"/>
           </a:p>
         </p:txBody>
       </p:sp>
     </p:spTree>
     <p:extLst>
       <p:ext uri="{BB962C8B-B14F-4D97-AF65-F5344CB8AC3E}">
-        <p14:creationId xmlns:p14="http://schemas.microsoft.com/office/powerpoint/2010/main" val="3954431065"/>
+        <p14:creationId xmlns:p14="http://schemas.microsoft.com/office/powerpoint/2010/main" val="1022795079"/>
       </p:ext>
     </p:extLst>
   </p:cSld>
@@ -4445,7 +8295,7 @@
           <p:cNvPr id="2" name="标题 1">
             <a:extLst>
               <a:ext uri="{FF2B5EF4-FFF2-40B4-BE49-F238E27FC236}">
-                <a16:creationId xmlns:a16="http://schemas.microsoft.com/office/drawing/2014/main" id="{E99262E5-A774-8DEC-1449-24D499ADC7DC}"/>
+                <a16:creationId xmlns:a16="http://schemas.microsoft.com/office/drawing/2014/main" id="{571C99F8-F4B9-0AE1-B828-E77B434D131F}"/>
               </a:ext>
             </a:extLst>
           </p:cNvPr>
@@ -4463,7 +8313,7 @@
           <a:p>
             <a:r>
               <a:rPr lang="en-US" altLang="zh-CN" dirty="0"/>
-              <a:t>Portal site</a:t>
+              <a:t>Analysis Part</a:t>
             </a:r>
             <a:endParaRPr lang="zh-CN" altLang="en-US" dirty="0"/>
           </a:p>
@@ -4471,10 +8321,10 @@
       </p:sp>
       <p:sp>
         <p:nvSpPr>
-          <p:cNvPr id="7" name="内容占位符 6">
-            <a:extLst>
-              <a:ext uri="{FF2B5EF4-FFF2-40B4-BE49-F238E27FC236}">
-                <a16:creationId xmlns:a16="http://schemas.microsoft.com/office/drawing/2014/main" id="{44E7CEC9-BA37-73CA-1FC5-F16C873A3BBA}"/>
+          <p:cNvPr id="3" name="内容占位符 2">
+            <a:extLst>
+              <a:ext uri="{FF2B5EF4-FFF2-40B4-BE49-F238E27FC236}">
+                <a16:creationId xmlns:a16="http://schemas.microsoft.com/office/drawing/2014/main" id="{497546A0-2FBF-5287-47C5-64BAFC260649}"/>
               </a:ext>
             </a:extLst>
           </p:cNvPr>
@@ -4485,25 +8335,146 @@
             <p:ph idx="1"/>
           </p:nvPr>
         </p:nvSpPr>
-        <p:spPr/>
-        <p:txBody>
-          <a:bodyPr/>
-          <a:lstStyle/>
-          <a:p>
-            <a:r>
-              <a:rPr lang="en-US" altLang="zh-CN" dirty="0"/>
-              <a:t>We add a portal web page to guide through all kinds of plot.</a:t>
-            </a:r>
-          </a:p>
-          <a:p>
-            <a:endParaRPr lang="zh-CN" altLang="en-US" dirty="0"/>
-          </a:p>
-        </p:txBody>
-      </p:sp>
+        <p:spPr>
+          <a:xfrm>
+            <a:off x="838200" y="1690688"/>
+            <a:ext cx="4306614" cy="4435475"/>
+          </a:xfrm>
+        </p:spPr>
+        <p:txBody>
+          <a:bodyPr/>
+          <a:lstStyle/>
+          <a:p>
+            <a:r>
+              <a:rPr lang="en-US" altLang="zh-CN" dirty="0"/>
+              <a:t>Analyze the trends or patterns in the data</a:t>
+            </a:r>
+          </a:p>
+          <a:p>
+            <a:r>
+              <a:rPr lang="en-US" altLang="zh-CN" dirty="0"/>
+              <a:t>focus on</a:t>
+            </a:r>
+          </a:p>
+          <a:p>
+            <a:pPr lvl="1"/>
+            <a:r>
+              <a:rPr lang="en-US" altLang="zh-CN" dirty="0"/>
+              <a:t>Population</a:t>
+            </a:r>
+          </a:p>
+          <a:p>
+            <a:pPr lvl="1"/>
+            <a:r>
+              <a:rPr lang="en-US" altLang="zh-CN" dirty="0"/>
+              <a:t>Gender</a:t>
+            </a:r>
+          </a:p>
+          <a:p>
+            <a:pPr lvl="1"/>
+            <a:r>
+              <a:rPr lang="en-US" altLang="zh-CN" dirty="0"/>
+              <a:t>Age</a:t>
+            </a:r>
+          </a:p>
+          <a:p>
+            <a:pPr lvl="1"/>
+            <a:r>
+              <a:rPr lang="en-US" altLang="zh-CN" dirty="0"/>
+              <a:t>Income</a:t>
+            </a:r>
+          </a:p>
+          <a:p>
+            <a:pPr lvl="1"/>
+            <a:r>
+              <a:rPr lang="en-US" altLang="zh-CN" dirty="0"/>
+              <a:t>Employment</a:t>
+            </a:r>
+          </a:p>
+          <a:p>
+            <a:pPr lvl="1"/>
+            <a:r>
+              <a:rPr lang="en-US" altLang="zh-CN" dirty="0"/>
+              <a:t>Education</a:t>
+            </a:r>
+          </a:p>
+        </p:txBody>
+      </p:sp>
+      <p:pic>
+        <p:nvPicPr>
+          <p:cNvPr id="4" name="图片 3" descr="图表, 折线图&#10;&#10;描述已自动生成">
+            <a:extLst>
+              <a:ext uri="{FF2B5EF4-FFF2-40B4-BE49-F238E27FC236}">
+                <a16:creationId xmlns:a16="http://schemas.microsoft.com/office/drawing/2014/main" id="{5D849911-C81D-09C1-1104-DA39F80A60C9}"/>
+              </a:ext>
+            </a:extLst>
+          </p:cNvPr>
+          <p:cNvPicPr>
+            <a:picLocks noChangeAspect="1"/>
+          </p:cNvPicPr>
+          <p:nvPr/>
+        </p:nvPicPr>
+        <p:blipFill rotWithShape="1">
+          <a:blip r:embed="rId2">
+            <a:extLst>
+              <a:ext uri="{28A0092B-C50C-407E-A947-70E740481C1C}">
+                <a14:useLocalDpi xmlns:a14="http://schemas.microsoft.com/office/drawing/2010/main" val="0"/>
+              </a:ext>
+            </a:extLst>
+          </a:blip>
+          <a:srcRect l="996" t="950" r="1770" b="2955"/>
+          <a:stretch/>
+        </p:blipFill>
+        <p:spPr>
+          <a:xfrm>
+            <a:off x="5607704" y="150436"/>
+            <a:ext cx="4831763" cy="3757989"/>
+          </a:xfrm>
+          <a:prstGeom prst="rect">
+            <a:avLst/>
+          </a:prstGeom>
+        </p:spPr>
+      </p:pic>
+      <p:pic>
+        <p:nvPicPr>
+          <p:cNvPr id="6" name="图片 5" descr="图表, 折线图&#10;&#10;描述已自动生成">
+            <a:extLst>
+              <a:ext uri="{FF2B5EF4-FFF2-40B4-BE49-F238E27FC236}">
+                <a16:creationId xmlns:a16="http://schemas.microsoft.com/office/drawing/2014/main" id="{16C934DC-01C7-D211-4F04-F32B2BDBA910}"/>
+              </a:ext>
+            </a:extLst>
+          </p:cNvPr>
+          <p:cNvPicPr>
+            <a:picLocks noChangeAspect="1"/>
+          </p:cNvPicPr>
+          <p:nvPr/>
+        </p:nvPicPr>
+        <p:blipFill>
+          <a:blip r:embed="rId3">
+            <a:extLst>
+              <a:ext uri="{28A0092B-C50C-407E-A947-70E740481C1C}">
+                <a14:useLocalDpi xmlns:a14="http://schemas.microsoft.com/office/drawing/2010/main" val="0"/>
+              </a:ext>
+            </a:extLst>
+          </a:blip>
+          <a:stretch>
+            <a:fillRect/>
+          </a:stretch>
+        </p:blipFill>
+        <p:spPr>
+          <a:xfrm>
+            <a:off x="5607704" y="3976367"/>
+            <a:ext cx="4687608" cy="2881633"/>
+          </a:xfrm>
+          <a:prstGeom prst="rect">
+            <a:avLst/>
+          </a:prstGeom>
+        </p:spPr>
+      </p:pic>
     </p:spTree>
     <p:extLst>
       <p:ext uri="{BB962C8B-B14F-4D97-AF65-F5344CB8AC3E}">
-        <p14:creationId xmlns:p14="http://schemas.microsoft.com/office/powerpoint/2010/main" val="2036234987"/>
+        <p14:creationId xmlns:p14="http://schemas.microsoft.com/office/powerpoint/2010/main" val="3305979141"/>
       </p:ext>
     </p:extLst>
   </p:cSld>
@@ -4535,7 +8506,7 @@
           <p:cNvPr id="2" name="标题 1">
             <a:extLst>
               <a:ext uri="{FF2B5EF4-FFF2-40B4-BE49-F238E27FC236}">
-                <a16:creationId xmlns:a16="http://schemas.microsoft.com/office/drawing/2014/main" id="{F4E98FB3-9F44-494B-81EB-911F7DF449FE}"/>
+                <a16:creationId xmlns:a16="http://schemas.microsoft.com/office/drawing/2014/main" id="{571C99F8-F4B9-0AE1-B828-E77B434D131F}"/>
               </a:ext>
             </a:extLst>
           </p:cNvPr>
@@ -4553,149 +8524,427 @@
           <a:p>
             <a:r>
               <a:rPr lang="en-US" altLang="zh-CN" dirty="0"/>
-              <a:t>Divide labor:</a:t>
+              <a:t>Analysis Part – Income Example</a:t>
             </a:r>
             <a:endParaRPr lang="zh-CN" altLang="en-US" dirty="0"/>
           </a:p>
         </p:txBody>
       </p:sp>
-      <p:sp>
-        <p:nvSpPr>
-          <p:cNvPr id="3" name="内容占位符 2">
-            <a:extLst>
-              <a:ext uri="{FF2B5EF4-FFF2-40B4-BE49-F238E27FC236}">
-                <a16:creationId xmlns:a16="http://schemas.microsoft.com/office/drawing/2014/main" id="{99AB12A4-8D4F-4DA7-B215-CF50025A5537}"/>
-              </a:ext>
-            </a:extLst>
-          </p:cNvPr>
-          <p:cNvSpPr>
-            <a:spLocks noGrp="1"/>
-          </p:cNvSpPr>
+      <p:pic>
+        <p:nvPicPr>
+          <p:cNvPr id="5" name="内容占位符 4" descr="图表, 折线图&#10;&#10;描述已自动生成">
+            <a:extLst>
+              <a:ext uri="{FF2B5EF4-FFF2-40B4-BE49-F238E27FC236}">
+                <a16:creationId xmlns:a16="http://schemas.microsoft.com/office/drawing/2014/main" id="{1F7DA3ED-DA26-B5E8-1F88-909E27226800}"/>
+              </a:ext>
+            </a:extLst>
+          </p:cNvPr>
+          <p:cNvPicPr>
+            <a:picLocks noGrp="1" noChangeAspect="1"/>
+          </p:cNvPicPr>
           <p:nvPr>
             <p:ph idx="1"/>
           </p:nvPr>
-        </p:nvSpPr>
+        </p:nvPicPr>
+        <p:blipFill>
+          <a:blip r:embed="rId3">
+            <a:extLst>
+              <a:ext uri="{28A0092B-C50C-407E-A947-70E740481C1C}">
+                <a14:useLocalDpi xmlns:a14="http://schemas.microsoft.com/office/drawing/2010/main" val="0"/>
+              </a:ext>
+            </a:extLst>
+          </a:blip>
+          <a:stretch>
+            <a:fillRect/>
+          </a:stretch>
+        </p:blipFill>
         <p:spPr>
           <a:xfrm>
-            <a:off x="438912" y="1792224"/>
-            <a:ext cx="10914888" cy="4700651"/>
+            <a:off x="838200" y="1874837"/>
+            <a:ext cx="7149845" cy="4351338"/>
           </a:xfrm>
         </p:spPr>
-        <p:txBody>
-          <a:bodyPr>
-            <a:normAutofit lnSpcReduction="10000"/>
+      </p:pic>
+      <p:sp>
+        <p:nvSpPr>
+          <p:cNvPr id="7" name="内容占位符 2">
+            <a:extLst>
+              <a:ext uri="{FF2B5EF4-FFF2-40B4-BE49-F238E27FC236}">
+                <a16:creationId xmlns:a16="http://schemas.microsoft.com/office/drawing/2014/main" id="{EF592ED6-E3B5-A42F-95D3-1AD87F95E462}"/>
+              </a:ext>
+            </a:extLst>
+          </p:cNvPr>
+          <p:cNvSpPr txBox="1">
+            <a:spLocks/>
+          </p:cNvSpPr>
+          <p:nvPr/>
+        </p:nvSpPr>
+        <p:spPr>
+          <a:xfrm>
+            <a:off x="8190186" y="2224088"/>
+            <a:ext cx="4001814" cy="4435475"/>
+          </a:xfrm>
+          <a:prstGeom prst="rect">
+            <a:avLst/>
+          </a:prstGeom>
+        </p:spPr>
+        <p:txBody>
+          <a:bodyPr vert="horz" lIns="91440" tIns="45720" rIns="91440" bIns="45720" rtlCol="0">
+            <a:normAutofit/>
           </a:bodyPr>
-          <a:lstStyle/>
-          <a:p>
-            <a:pPr marL="457200" lvl="1" indent="0">
-              <a:buNone/>
-            </a:pPr>
-            <a:r>
-              <a:rPr lang="en-US" altLang="zh-CN" b="1" dirty="0"/>
-              <a:t>We divide labor equally and adapted to personal skills.</a:t>
-            </a:r>
-          </a:p>
-          <a:p>
-            <a:pPr lvl="1"/>
-            <a:r>
-              <a:rPr lang="en-US" altLang="zh-CN" dirty="0"/>
-              <a:t>Plot by year: Zhihao Gu, Pengchao Yuan</a:t>
-            </a:r>
-          </a:p>
-          <a:p>
-            <a:pPr lvl="1"/>
-            <a:r>
-              <a:rPr lang="en-US" altLang="zh-CN" dirty="0"/>
-              <a:t>Plot by states: Minghui yang, Xiaohan Zou</a:t>
-            </a:r>
-          </a:p>
-          <a:p>
-            <a:pPr lvl="1"/>
-            <a:r>
-              <a:rPr lang="en-US" altLang="zh-CN" dirty="0"/>
-              <a:t>Data process: Chenyang Zhang</a:t>
-            </a:r>
-          </a:p>
-          <a:p>
-            <a:pPr lvl="1"/>
-            <a:r>
-              <a:rPr lang="en-US" altLang="zh-CN" dirty="0"/>
-              <a:t>Heat Map:</a:t>
-            </a:r>
-            <a:r>
-              <a:rPr lang="zh-CN" altLang="en-US" dirty="0"/>
-              <a:t> </a:t>
-            </a:r>
-            <a:r>
-              <a:rPr lang="en-US" altLang="zh-CN" dirty="0"/>
-              <a:t>Pengchao Yuan</a:t>
-            </a:r>
-          </a:p>
-          <a:p>
-            <a:pPr lvl="1"/>
-            <a:r>
-              <a:rPr lang="en-US" altLang="zh-CN" dirty="0"/>
-              <a:t>Data Analysis:</a:t>
-            </a:r>
-          </a:p>
-          <a:p>
-            <a:pPr lvl="2"/>
-            <a:r>
-              <a:rPr lang="en-US" altLang="zh-CN" dirty="0"/>
-              <a:t>Age, Gender: Chenyang Zhang</a:t>
-            </a:r>
-          </a:p>
-          <a:p>
-            <a:pPr lvl="2"/>
-            <a:r>
-              <a:rPr lang="en-US" altLang="zh-CN" dirty="0"/>
-              <a:t>Income: Zhihao Gu</a:t>
-            </a:r>
-          </a:p>
-          <a:p>
-            <a:pPr lvl="2"/>
-            <a:r>
-              <a:rPr lang="en-US" altLang="zh-CN" dirty="0"/>
-              <a:t>Education: Minghui Yang</a:t>
-            </a:r>
-          </a:p>
-          <a:p>
-            <a:pPr lvl="2"/>
-            <a:r>
-              <a:rPr lang="en-US" altLang="zh-CN" dirty="0"/>
-              <a:t>Employment: Xiaohan Zou</a:t>
-            </a:r>
-          </a:p>
-          <a:p>
-            <a:pPr lvl="2"/>
-            <a:r>
-              <a:rPr lang="en-US" altLang="zh-CN" dirty="0"/>
-              <a:t>Poverty: Pengchao Yuan</a:t>
-            </a:r>
-          </a:p>
-          <a:p>
-            <a:pPr lvl="1"/>
-            <a:r>
-              <a:rPr lang="en-US" altLang="zh-CN" dirty="0"/>
-              <a:t>Early Insight: Zhihao Gu</a:t>
-            </a:r>
-          </a:p>
-          <a:p>
-            <a:pPr lvl="1"/>
-            <a:r>
-              <a:rPr lang="en-US" altLang="zh-CN" dirty="0"/>
-              <a:t>Final Presentation: Pengchao(presentation), Zhihao(slide)</a:t>
-            </a:r>
-          </a:p>
-          <a:p>
-            <a:endParaRPr lang="en-US" altLang="zh-CN" dirty="0"/>
+          <a:lstStyle>
+            <a:lvl1pPr marL="228600" indent="-228600" algn="l" defTabSz="914400" rtl="0" eaLnBrk="1" latinLnBrk="0" hangingPunct="1">
+              <a:lnSpc>
+                <a:spcPct val="90000"/>
+              </a:lnSpc>
+              <a:spcBef>
+                <a:spcPts val="1000"/>
+              </a:spcBef>
+              <a:buFont typeface="Arial" panose="020B0604020202020204" pitchFamily="34" charset="0"/>
+              <a:buChar char="•"/>
+              <a:defRPr sz="2800" kern="1200">
+                <a:solidFill>
+                  <a:schemeClr val="tx1"/>
+                </a:solidFill>
+                <a:latin typeface="+mn-lt"/>
+                <a:ea typeface="+mn-ea"/>
+                <a:cs typeface="+mn-cs"/>
+              </a:defRPr>
+            </a:lvl1pPr>
+            <a:lvl2pPr marL="685800" indent="-228600" algn="l" defTabSz="914400" rtl="0" eaLnBrk="1" latinLnBrk="0" hangingPunct="1">
+              <a:lnSpc>
+                <a:spcPct val="90000"/>
+              </a:lnSpc>
+              <a:spcBef>
+                <a:spcPts val="500"/>
+              </a:spcBef>
+              <a:buFont typeface="Arial" panose="020B0604020202020204" pitchFamily="34" charset="0"/>
+              <a:buChar char="•"/>
+              <a:defRPr sz="2400" kern="1200">
+                <a:solidFill>
+                  <a:schemeClr val="tx1"/>
+                </a:solidFill>
+                <a:latin typeface="+mn-lt"/>
+                <a:ea typeface="+mn-ea"/>
+                <a:cs typeface="+mn-cs"/>
+              </a:defRPr>
+            </a:lvl2pPr>
+            <a:lvl3pPr marL="1143000" indent="-228600" algn="l" defTabSz="914400" rtl="0" eaLnBrk="1" latinLnBrk="0" hangingPunct="1">
+              <a:lnSpc>
+                <a:spcPct val="90000"/>
+              </a:lnSpc>
+              <a:spcBef>
+                <a:spcPts val="500"/>
+              </a:spcBef>
+              <a:buFont typeface="Arial" panose="020B0604020202020204" pitchFamily="34" charset="0"/>
+              <a:buChar char="•"/>
+              <a:defRPr sz="2000" kern="1200">
+                <a:solidFill>
+                  <a:schemeClr val="tx1"/>
+                </a:solidFill>
+                <a:latin typeface="+mn-lt"/>
+                <a:ea typeface="+mn-ea"/>
+                <a:cs typeface="+mn-cs"/>
+              </a:defRPr>
+            </a:lvl3pPr>
+            <a:lvl4pPr marL="1600200" indent="-228600" algn="l" defTabSz="914400" rtl="0" eaLnBrk="1" latinLnBrk="0" hangingPunct="1">
+              <a:lnSpc>
+                <a:spcPct val="90000"/>
+              </a:lnSpc>
+              <a:spcBef>
+                <a:spcPts val="500"/>
+              </a:spcBef>
+              <a:buFont typeface="Arial" panose="020B0604020202020204" pitchFamily="34" charset="0"/>
+              <a:buChar char="•"/>
+              <a:defRPr sz="1800" kern="1200">
+                <a:solidFill>
+                  <a:schemeClr val="tx1"/>
+                </a:solidFill>
+                <a:latin typeface="+mn-lt"/>
+                <a:ea typeface="+mn-ea"/>
+                <a:cs typeface="+mn-cs"/>
+              </a:defRPr>
+            </a:lvl4pPr>
+            <a:lvl5pPr marL="2057400" indent="-228600" algn="l" defTabSz="914400" rtl="0" eaLnBrk="1" latinLnBrk="0" hangingPunct="1">
+              <a:lnSpc>
+                <a:spcPct val="90000"/>
+              </a:lnSpc>
+              <a:spcBef>
+                <a:spcPts val="500"/>
+              </a:spcBef>
+              <a:buFont typeface="Arial" panose="020B0604020202020204" pitchFamily="34" charset="0"/>
+              <a:buChar char="•"/>
+              <a:defRPr sz="1800" kern="1200">
+                <a:solidFill>
+                  <a:schemeClr val="tx1"/>
+                </a:solidFill>
+                <a:latin typeface="+mn-lt"/>
+                <a:ea typeface="+mn-ea"/>
+                <a:cs typeface="+mn-cs"/>
+              </a:defRPr>
+            </a:lvl5pPr>
+            <a:lvl6pPr marL="2514600" indent="-228600" algn="l" defTabSz="914400" rtl="0" eaLnBrk="1" latinLnBrk="0" hangingPunct="1">
+              <a:lnSpc>
+                <a:spcPct val="90000"/>
+              </a:lnSpc>
+              <a:spcBef>
+                <a:spcPts val="500"/>
+              </a:spcBef>
+              <a:buFont typeface="Arial" panose="020B0604020202020204" pitchFamily="34" charset="0"/>
+              <a:buChar char="•"/>
+              <a:defRPr sz="1800" kern="1200">
+                <a:solidFill>
+                  <a:schemeClr val="tx1"/>
+                </a:solidFill>
+                <a:latin typeface="+mn-lt"/>
+                <a:ea typeface="+mn-ea"/>
+                <a:cs typeface="+mn-cs"/>
+              </a:defRPr>
+            </a:lvl6pPr>
+            <a:lvl7pPr marL="2971800" indent="-228600" algn="l" defTabSz="914400" rtl="0" eaLnBrk="1" latinLnBrk="0" hangingPunct="1">
+              <a:lnSpc>
+                <a:spcPct val="90000"/>
+              </a:lnSpc>
+              <a:spcBef>
+                <a:spcPts val="500"/>
+              </a:spcBef>
+              <a:buFont typeface="Arial" panose="020B0604020202020204" pitchFamily="34" charset="0"/>
+              <a:buChar char="•"/>
+              <a:defRPr sz="1800" kern="1200">
+                <a:solidFill>
+                  <a:schemeClr val="tx1"/>
+                </a:solidFill>
+                <a:latin typeface="+mn-lt"/>
+                <a:ea typeface="+mn-ea"/>
+                <a:cs typeface="+mn-cs"/>
+              </a:defRPr>
+            </a:lvl7pPr>
+            <a:lvl8pPr marL="3429000" indent="-228600" algn="l" defTabSz="914400" rtl="0" eaLnBrk="1" latinLnBrk="0" hangingPunct="1">
+              <a:lnSpc>
+                <a:spcPct val="90000"/>
+              </a:lnSpc>
+              <a:spcBef>
+                <a:spcPts val="500"/>
+              </a:spcBef>
+              <a:buFont typeface="Arial" panose="020B0604020202020204" pitchFamily="34" charset="0"/>
+              <a:buChar char="•"/>
+              <a:defRPr sz="1800" kern="1200">
+                <a:solidFill>
+                  <a:schemeClr val="tx1"/>
+                </a:solidFill>
+                <a:latin typeface="+mn-lt"/>
+                <a:ea typeface="+mn-ea"/>
+                <a:cs typeface="+mn-cs"/>
+              </a:defRPr>
+            </a:lvl8pPr>
+            <a:lvl9pPr marL="3886200" indent="-228600" algn="l" defTabSz="914400" rtl="0" eaLnBrk="1" latinLnBrk="0" hangingPunct="1">
+              <a:lnSpc>
+                <a:spcPct val="90000"/>
+              </a:lnSpc>
+              <a:spcBef>
+                <a:spcPts val="500"/>
+              </a:spcBef>
+              <a:buFont typeface="Arial" panose="020B0604020202020204" pitchFamily="34" charset="0"/>
+              <a:buChar char="•"/>
+              <a:defRPr sz="1800" kern="1200">
+                <a:solidFill>
+                  <a:schemeClr val="tx1"/>
+                </a:solidFill>
+                <a:latin typeface="+mn-lt"/>
+                <a:ea typeface="+mn-ea"/>
+                <a:cs typeface="+mn-cs"/>
+              </a:defRPr>
+            </a:lvl9pPr>
+          </a:lstStyle>
+          <a:p>
+            <a:r>
+              <a:rPr lang="en-US" altLang="zh-CN" dirty="0"/>
+              <a:t>Increasing from 2006 to 2012</a:t>
+            </a:r>
+          </a:p>
+          <a:p>
+            <a:r>
+              <a:rPr lang="en-US" altLang="zh-CN" dirty="0"/>
+              <a:t>Decreasing from 2012 to 2014</a:t>
+            </a:r>
+          </a:p>
+          <a:p>
+            <a:r>
+              <a:rPr lang="en-US" altLang="zh-CN" dirty="0"/>
+              <a:t>Increasing again from 2016 to 2018</a:t>
+            </a:r>
           </a:p>
         </p:txBody>
       </p:sp>
     </p:spTree>
     <p:extLst>
       <p:ext uri="{BB962C8B-B14F-4D97-AF65-F5344CB8AC3E}">
-        <p14:creationId xmlns:p14="http://schemas.microsoft.com/office/powerpoint/2010/main" val="2961724078"/>
+        <p14:creationId xmlns:p14="http://schemas.microsoft.com/office/powerpoint/2010/main" val="2578867843"/>
+      </p:ext>
+    </p:extLst>
+  </p:cSld>
+  <p:clrMapOvr>
+    <a:masterClrMapping/>
+  </p:clrMapOvr>
+</p:sld>
+</file>
+
+<file path=ppt/slides/slide9.xml><?xml version="1.0" encoding="utf-8"?>
+<p:sld xmlns:a="http://schemas.openxmlformats.org/drawingml/2006/main" xmlns:r="http://schemas.openxmlformats.org/officeDocument/2006/relationships" xmlns:p="http://schemas.openxmlformats.org/presentationml/2006/main">
+  <p:cSld>
+    <p:spTree>
+      <p:nvGrpSpPr>
+        <p:cNvPr id="1" name=""/>
+        <p:cNvGrpSpPr/>
+        <p:nvPr/>
+      </p:nvGrpSpPr>
+      <p:grpSpPr>
+        <a:xfrm>
+          <a:off x="0" y="0"/>
+          <a:ext cx="0" cy="0"/>
+          <a:chOff x="0" y="0"/>
+          <a:chExt cx="0" cy="0"/>
+        </a:xfrm>
+      </p:grpSpPr>
+      <p:sp>
+        <p:nvSpPr>
+          <p:cNvPr id="2" name="标题 1">
+            <a:extLst>
+              <a:ext uri="{FF2B5EF4-FFF2-40B4-BE49-F238E27FC236}">
+                <a16:creationId xmlns:a16="http://schemas.microsoft.com/office/drawing/2014/main" id="{571C99F8-F4B9-0AE1-B828-E77B434D131F}"/>
+              </a:ext>
+            </a:extLst>
+          </p:cNvPr>
+          <p:cNvSpPr>
+            <a:spLocks noGrp="1"/>
+          </p:cNvSpPr>
+          <p:nvPr>
+            <p:ph type="title"/>
+          </p:nvPr>
+        </p:nvSpPr>
+        <p:spPr/>
+        <p:txBody>
+          <a:bodyPr/>
+          <a:lstStyle/>
+          <a:p>
+            <a:r>
+              <a:rPr lang="en-US" altLang="zh-CN" dirty="0"/>
+              <a:t>Analysis Part – Income Example</a:t>
+            </a:r>
+            <a:endParaRPr lang="zh-CN" altLang="en-US" dirty="0"/>
+          </a:p>
+        </p:txBody>
+      </p:sp>
+      <p:sp>
+        <p:nvSpPr>
+          <p:cNvPr id="3" name="内容占位符 2">
+            <a:extLst>
+              <a:ext uri="{FF2B5EF4-FFF2-40B4-BE49-F238E27FC236}">
+                <a16:creationId xmlns:a16="http://schemas.microsoft.com/office/drawing/2014/main" id="{497546A0-2FBF-5287-47C5-64BAFC260649}"/>
+              </a:ext>
+            </a:extLst>
+          </p:cNvPr>
+          <p:cNvSpPr>
+            <a:spLocks noGrp="1"/>
+          </p:cNvSpPr>
+          <p:nvPr>
+            <p:ph idx="1"/>
+          </p:nvPr>
+        </p:nvSpPr>
+        <p:spPr/>
+        <p:txBody>
+          <a:bodyPr/>
+          <a:lstStyle/>
+          <a:p>
+            <a:r>
+              <a:rPr lang="en-US" altLang="zh-CN" dirty="0"/>
+              <a:t>Increasing pattern for MA, CA, CT, FL, MI, NJ, NY, PA, TX.</a:t>
+            </a:r>
+          </a:p>
+          <a:p>
+            <a:endParaRPr lang="en-US" altLang="zh-CN" dirty="0"/>
+          </a:p>
+          <a:p>
+            <a:endParaRPr lang="zh-CN" altLang="en-US" dirty="0"/>
+          </a:p>
+        </p:txBody>
+      </p:sp>
+      <p:pic>
+        <p:nvPicPr>
+          <p:cNvPr id="7" name="图片 6" descr="图表, 折线图&#10;&#10;描述已自动生成">
+            <a:extLst>
+              <a:ext uri="{FF2B5EF4-FFF2-40B4-BE49-F238E27FC236}">
+                <a16:creationId xmlns:a16="http://schemas.microsoft.com/office/drawing/2014/main" id="{E9AAAC89-7EBF-13C5-C2DE-95887ED682BF}"/>
+              </a:ext>
+            </a:extLst>
+          </p:cNvPr>
+          <p:cNvPicPr>
+            <a:picLocks noChangeAspect="1"/>
+          </p:cNvPicPr>
+          <p:nvPr/>
+        </p:nvPicPr>
+        <p:blipFill>
+          <a:blip r:embed="rId3">
+            <a:extLst>
+              <a:ext uri="{28A0092B-C50C-407E-A947-70E740481C1C}">
+                <a14:useLocalDpi xmlns:a14="http://schemas.microsoft.com/office/drawing/2010/main" val="0"/>
+              </a:ext>
+            </a:extLst>
+          </a:blip>
+          <a:stretch>
+            <a:fillRect/>
+          </a:stretch>
+        </p:blipFill>
+        <p:spPr>
+          <a:xfrm>
+            <a:off x="6356350" y="2697163"/>
+            <a:ext cx="5610225" cy="3619500"/>
+          </a:xfrm>
+          <a:prstGeom prst="rect">
+            <a:avLst/>
+          </a:prstGeom>
+        </p:spPr>
+      </p:pic>
+      <p:pic>
+        <p:nvPicPr>
+          <p:cNvPr id="9" name="图片 8" descr="图表, 折线图&#10;&#10;描述已自动生成">
+            <a:extLst>
+              <a:ext uri="{FF2B5EF4-FFF2-40B4-BE49-F238E27FC236}">
+                <a16:creationId xmlns:a16="http://schemas.microsoft.com/office/drawing/2014/main" id="{7DA65B44-0B71-C048-1C7E-36E02BF5A190}"/>
+              </a:ext>
+            </a:extLst>
+          </p:cNvPr>
+          <p:cNvPicPr>
+            <a:picLocks noChangeAspect="1"/>
+          </p:cNvPicPr>
+          <p:nvPr/>
+        </p:nvPicPr>
+        <p:blipFill>
+          <a:blip r:embed="rId3">
+            <a:extLst>
+              <a:ext uri="{28A0092B-C50C-407E-A947-70E740481C1C}">
+                <a14:useLocalDpi xmlns:a14="http://schemas.microsoft.com/office/drawing/2010/main" val="0"/>
+              </a:ext>
+            </a:extLst>
+          </a:blip>
+          <a:stretch>
+            <a:fillRect/>
+          </a:stretch>
+        </p:blipFill>
+        <p:spPr>
+          <a:xfrm>
+            <a:off x="485775" y="2692400"/>
+            <a:ext cx="5610225" cy="3619500"/>
+          </a:xfrm>
+          <a:prstGeom prst="rect">
+            <a:avLst/>
+          </a:prstGeom>
+        </p:spPr>
+      </p:pic>
+    </p:spTree>
+    <p:extLst>
+      <p:ext uri="{BB962C8B-B14F-4D97-AF65-F5344CB8AC3E}">
+        <p14:creationId xmlns:p14="http://schemas.microsoft.com/office/powerpoint/2010/main" val="2382385291"/>
       </p:ext>
     </p:extLst>
   </p:cSld>

--- a/Team 3 Project Deliverable/Final Presentation.pptx
+++ b/Team 3 Project Deliverable/Final Presentation.pptx
@@ -133,7 +133,7 @@
 <file path=ppt/revisionInfo.xml><?xml version="1.0" encoding="utf-8"?>
 <p1510:revInfo xmlns:a="http://schemas.openxmlformats.org/drawingml/2006/main" xmlns:r="http://schemas.openxmlformats.org/officeDocument/2006/relationships" xmlns:p1510="http://schemas.microsoft.com/office/powerpoint/2015/10/main">
   <p1510:revLst>
-    <p1510:client id="{79DF058E-2E0C-4722-BE4F-4C1F25848637}" v="62" dt="2022-05-04T01:44:49.850"/>
+    <p1510:client id="{79DF058E-2E0C-4722-BE4F-4C1F25848637}" v="65" dt="2022-05-04T02:01:43.172"/>
   </p1510:revLst>
 </p1510:revInfo>
 </file>
@@ -143,7 +143,7 @@
   <pc:docChgLst>
     <pc:chgData name="之皓 辜" userId="7e541bd579ed2d47" providerId="LiveId" clId="{79DF058E-2E0C-4722-BE4F-4C1F25848637}"/>
     <pc:docChg chg="undo custSel addSld delSld modSld">
-      <pc:chgData name="之皓 辜" userId="7e541bd579ed2d47" providerId="LiveId" clId="{79DF058E-2E0C-4722-BE4F-4C1F25848637}" dt="2022-05-04T01:45:36.973" v="2883" actId="20577"/>
+      <pc:chgData name="之皓 辜" userId="7e541bd579ed2d47" providerId="LiveId" clId="{79DF058E-2E0C-4722-BE4F-4C1F25848637}" dt="2022-05-04T02:22:22.653" v="6271" actId="20577"/>
       <pc:docMkLst>
         <pc:docMk/>
       </pc:docMkLst>
@@ -210,7 +210,7 @@
         </pc:spChg>
       </pc:sldChg>
       <pc:sldChg chg="modSp add mod modNotesTx">
-        <pc:chgData name="之皓 辜" userId="7e541bd579ed2d47" providerId="LiveId" clId="{79DF058E-2E0C-4722-BE4F-4C1F25848637}" dt="2022-05-04T01:45:06.532" v="2774" actId="113"/>
+        <pc:chgData name="之皓 辜" userId="7e541bd579ed2d47" providerId="LiveId" clId="{79DF058E-2E0C-4722-BE4F-4C1F25848637}" dt="2022-05-04T02:17:13.022" v="5834" actId="2"/>
         <pc:sldMkLst>
           <pc:docMk/>
           <pc:sldMk cId="3526378995" sldId="258"/>
@@ -247,14 +247,14 @@
           <pc:sldMk cId="4085121333" sldId="259"/>
         </pc:sldMkLst>
       </pc:sldChg>
-      <pc:sldChg chg="modSp add mod">
-        <pc:chgData name="之皓 辜" userId="7e541bd579ed2d47" providerId="LiveId" clId="{79DF058E-2E0C-4722-BE4F-4C1F25848637}" dt="2022-05-04T01:35:58.792" v="2163" actId="20577"/>
+      <pc:sldChg chg="modSp add mod modNotesTx">
+        <pc:chgData name="之皓 辜" userId="7e541bd579ed2d47" providerId="LiveId" clId="{79DF058E-2E0C-4722-BE4F-4C1F25848637}" dt="2022-05-04T02:22:22.653" v="6271" actId="20577"/>
         <pc:sldMkLst>
           <pc:docMk/>
           <pc:sldMk cId="3416626871" sldId="261"/>
         </pc:sldMkLst>
         <pc:spChg chg="mod">
-          <ac:chgData name="之皓 辜" userId="7e541bd579ed2d47" providerId="LiveId" clId="{79DF058E-2E0C-4722-BE4F-4C1F25848637}" dt="2022-05-04T01:35:58.792" v="2163" actId="20577"/>
+          <ac:chgData name="之皓 辜" userId="7e541bd579ed2d47" providerId="LiveId" clId="{79DF058E-2E0C-4722-BE4F-4C1F25848637}" dt="2022-05-04T02:03:10.337" v="4151" actId="20577"/>
           <ac:spMkLst>
             <pc:docMk/>
             <pc:sldMk cId="3416626871" sldId="261"/>
@@ -333,7 +333,7 @@
         </pc:spChg>
       </pc:sldChg>
       <pc:sldChg chg="addSp delSp modSp new mod modNotesTx">
-        <pc:chgData name="之皓 辜" userId="7e541bd579ed2d47" providerId="LiveId" clId="{79DF058E-2E0C-4722-BE4F-4C1F25848637}" dt="2022-05-04T01:45:36.973" v="2883" actId="20577"/>
+        <pc:chgData name="之皓 辜" userId="7e541bd579ed2d47" providerId="LiveId" clId="{79DF058E-2E0C-4722-BE4F-4C1F25848637}" dt="2022-05-04T01:49:05.995" v="3043" actId="20577"/>
         <pc:sldMkLst>
           <pc:docMk/>
           <pc:sldMk cId="1022795079" sldId="264"/>
@@ -395,8 +395,8 @@
           </ac:picMkLst>
         </pc:picChg>
       </pc:sldChg>
-      <pc:sldChg chg="addSp modSp new mod">
-        <pc:chgData name="之皓 辜" userId="7e541bd579ed2d47" providerId="LiveId" clId="{79DF058E-2E0C-4722-BE4F-4C1F25848637}" dt="2022-05-04T01:13:28.514" v="1669" actId="1076"/>
+      <pc:sldChg chg="addSp modSp new mod modNotesTx">
+        <pc:chgData name="之皓 辜" userId="7e541bd579ed2d47" providerId="LiveId" clId="{79DF058E-2E0C-4722-BE4F-4C1F25848637}" dt="2022-05-04T01:52:32.962" v="3676" actId="20577"/>
         <pc:sldMkLst>
           <pc:docMk/>
           <pc:sldMk cId="3305979141" sldId="265"/>
@@ -442,7 +442,7 @@
         </pc:sldMkLst>
       </pc:sldChg>
       <pc:sldChg chg="addSp delSp modSp new mod modNotesTx">
-        <pc:chgData name="之皓 辜" userId="7e541bd579ed2d47" providerId="LiveId" clId="{79DF058E-2E0C-4722-BE4F-4C1F25848637}" dt="2022-05-04T01:35:05.178" v="2104" actId="1076"/>
+        <pc:chgData name="之皓 辜" userId="7e541bd579ed2d47" providerId="LiveId" clId="{79DF058E-2E0C-4722-BE4F-4C1F25848637}" dt="2022-05-04T02:20:25.188" v="5951" actId="20577"/>
         <pc:sldMkLst>
           <pc:docMk/>
           <pc:sldMk cId="2036234987" sldId="267"/>
@@ -541,8 +541,8 @@
           </ac:spMkLst>
         </pc:spChg>
       </pc:sldChg>
-      <pc:sldChg chg="addSp delSp modSp add mod">
-        <pc:chgData name="之皓 辜" userId="7e541bd579ed2d47" providerId="LiveId" clId="{79DF058E-2E0C-4722-BE4F-4C1F25848637}" dt="2022-05-04T01:15:17.103" v="1855" actId="1076"/>
+      <pc:sldChg chg="addSp delSp modSp add mod modNotesTx">
+        <pc:chgData name="之皓 辜" userId="7e541bd579ed2d47" providerId="LiveId" clId="{79DF058E-2E0C-4722-BE4F-4C1F25848637}" dt="2022-05-04T02:19:22.238" v="5838" actId="113"/>
         <pc:sldMkLst>
           <pc:docMk/>
           <pc:sldMk cId="2578867843" sldId="270"/>
@@ -588,8 +588,8 @@
           </ac:picMkLst>
         </pc:picChg>
       </pc:sldChg>
-      <pc:sldChg chg="addSp delSp modSp add mod">
-        <pc:chgData name="之皓 辜" userId="7e541bd579ed2d47" providerId="LiveId" clId="{79DF058E-2E0C-4722-BE4F-4C1F25848637}" dt="2022-05-04T01:24:28.584" v="1906" actId="478"/>
+      <pc:sldChg chg="addSp delSp modSp add mod modNotesTx">
+        <pc:chgData name="之皓 辜" userId="7e541bd579ed2d47" providerId="LiveId" clId="{79DF058E-2E0C-4722-BE4F-4C1F25848637}" dt="2022-05-04T02:00:58.948" v="4031" actId="5793"/>
         <pc:sldMkLst>
           <pc:docMk/>
           <pc:sldMk cId="2382385291" sldId="271"/>
@@ -627,7 +627,15 @@
           </ac:spMkLst>
         </pc:spChg>
         <pc:picChg chg="add mod">
-          <ac:chgData name="之皓 辜" userId="7e541bd579ed2d47" providerId="LiveId" clId="{79DF058E-2E0C-4722-BE4F-4C1F25848637}" dt="2022-05-04T01:23:13.900" v="1889" actId="1076"/>
+          <ac:chgData name="之皓 辜" userId="7e541bd579ed2d47" providerId="LiveId" clId="{79DF058E-2E0C-4722-BE4F-4C1F25848637}" dt="2022-05-04T01:54:59.342" v="3878" actId="14100"/>
+          <ac:picMkLst>
+            <pc:docMk/>
+            <pc:sldMk cId="2382385291" sldId="271"/>
+            <ac:picMk id="5" creationId="{901FF828-0490-E259-148D-82EEBA0726FA}"/>
+          </ac:picMkLst>
+        </pc:picChg>
+        <pc:picChg chg="add del mod">
+          <ac:chgData name="之皓 辜" userId="7e541bd579ed2d47" providerId="LiveId" clId="{79DF058E-2E0C-4722-BE4F-4C1F25848637}" dt="2022-05-04T01:54:53.453" v="3875" actId="478"/>
           <ac:picMkLst>
             <pc:docMk/>
             <pc:sldMk cId="2382385291" sldId="271"/>
@@ -658,8 +666,8 @@
           <pc:sldMk cId="1071558086" sldId="272"/>
         </pc:sldMkLst>
       </pc:sldChg>
-      <pc:sldChg chg="addSp delSp modSp add mod">
-        <pc:chgData name="之皓 辜" userId="7e541bd579ed2d47" providerId="LiveId" clId="{79DF058E-2E0C-4722-BE4F-4C1F25848637}" dt="2022-05-04T01:25:18.066" v="1921" actId="1076"/>
+      <pc:sldChg chg="addSp delSp modSp add mod modNotesTx">
+        <pc:chgData name="之皓 辜" userId="7e541bd579ed2d47" providerId="LiveId" clId="{79DF058E-2E0C-4722-BE4F-4C1F25848637}" dt="2022-05-04T02:06:56.167" v="4560" actId="20577"/>
         <pc:sldMkLst>
           <pc:docMk/>
           <pc:sldMk cId="4021460358" sldId="273"/>
@@ -688,6 +696,14 @@
             <ac:spMk id="11" creationId="{230F050E-3DE5-6059-ACC6-DF98E002E229}"/>
           </ac:spMkLst>
         </pc:spChg>
+        <pc:picChg chg="add mod">
+          <ac:chgData name="之皓 辜" userId="7e541bd579ed2d47" providerId="LiveId" clId="{79DF058E-2E0C-4722-BE4F-4C1F25848637}" dt="2022-05-04T02:01:46.775" v="4057" actId="27614"/>
+          <ac:picMkLst>
+            <pc:docMk/>
+            <pc:sldMk cId="4021460358" sldId="273"/>
+            <ac:picMk id="4" creationId="{B89F254B-5087-C038-7BC8-97ED756BEA6C}"/>
+          </ac:picMkLst>
+        </pc:picChg>
         <pc:picChg chg="del">
           <ac:chgData name="之皓 辜" userId="7e541bd579ed2d47" providerId="LiveId" clId="{79DF058E-2E0C-4722-BE4F-4C1F25848637}" dt="2022-05-04T01:24:32.888" v="1909" actId="478"/>
           <ac:picMkLst>
@@ -705,7 +721,7 @@
           </ac:picMkLst>
         </pc:picChg>
         <pc:picChg chg="add del mod modCrop">
-          <ac:chgData name="之皓 辜" userId="7e541bd579ed2d47" providerId="LiveId" clId="{79DF058E-2E0C-4722-BE4F-4C1F25848637}" dt="2022-05-04T01:25:18.066" v="1921" actId="1076"/>
+          <ac:chgData name="之皓 辜" userId="7e541bd579ed2d47" providerId="LiveId" clId="{79DF058E-2E0C-4722-BE4F-4C1F25848637}" dt="2022-05-04T02:01:42.814" v="4054" actId="478"/>
           <ac:picMkLst>
             <pc:docMk/>
             <pc:sldMk cId="4021460358" sldId="273"/>
@@ -713,14 +729,14 @@
           </ac:picMkLst>
         </pc:picChg>
       </pc:sldChg>
-      <pc:sldChg chg="addSp delSp modSp add mod">
-        <pc:chgData name="之皓 辜" userId="7e541bd579ed2d47" providerId="LiveId" clId="{79DF058E-2E0C-4722-BE4F-4C1F25848637}" dt="2022-05-04T01:29:23.504" v="1969" actId="1076"/>
+      <pc:sldChg chg="addSp delSp modSp add mod modNotesTx">
+        <pc:chgData name="之皓 辜" userId="7e541bd579ed2d47" providerId="LiveId" clId="{79DF058E-2E0C-4722-BE4F-4C1F25848637}" dt="2022-05-04T02:09:02.614" v="4810" actId="20577"/>
         <pc:sldMkLst>
           <pc:docMk/>
           <pc:sldMk cId="1391128121" sldId="274"/>
         </pc:sldMkLst>
         <pc:spChg chg="mod">
-          <ac:chgData name="之皓 辜" userId="7e541bd579ed2d47" providerId="LiveId" clId="{79DF058E-2E0C-4722-BE4F-4C1F25848637}" dt="2022-05-04T01:27:16.625" v="1939" actId="20577"/>
+          <ac:chgData name="之皓 辜" userId="7e541bd579ed2d47" providerId="LiveId" clId="{79DF058E-2E0C-4722-BE4F-4C1F25848637}" dt="2022-05-04T01:57:17.526" v="3891" actId="20577"/>
           <ac:spMkLst>
             <pc:docMk/>
             <pc:sldMk cId="1391128121" sldId="274"/>
@@ -760,7 +776,7 @@
           </ac:picMkLst>
         </pc:picChg>
         <pc:picChg chg="add mod">
-          <ac:chgData name="之皓 辜" userId="7e541bd579ed2d47" providerId="LiveId" clId="{79DF058E-2E0C-4722-BE4F-4C1F25848637}" dt="2022-05-04T01:28:56.426" v="1964" actId="1076"/>
+          <ac:chgData name="之皓 辜" userId="7e541bd579ed2d47" providerId="LiveId" clId="{79DF058E-2E0C-4722-BE4F-4C1F25848637}" dt="2022-05-04T01:57:30.584" v="3898" actId="1076"/>
           <ac:picMkLst>
             <pc:docMk/>
             <pc:sldMk cId="1391128121" sldId="274"/>
@@ -768,7 +784,7 @@
           </ac:picMkLst>
         </pc:picChg>
         <pc:picChg chg="add mod">
-          <ac:chgData name="之皓 辜" userId="7e541bd579ed2d47" providerId="LiveId" clId="{79DF058E-2E0C-4722-BE4F-4C1F25848637}" dt="2022-05-04T01:29:23.504" v="1969" actId="1076"/>
+          <ac:chgData name="之皓 辜" userId="7e541bd579ed2d47" providerId="LiveId" clId="{79DF058E-2E0C-4722-BE4F-4C1F25848637}" dt="2022-05-04T01:57:27.736" v="3896" actId="14100"/>
           <ac:picMkLst>
             <pc:docMk/>
             <pc:sldMk cId="1391128121" sldId="274"/>
@@ -776,14 +792,14 @@
           </ac:picMkLst>
         </pc:picChg>
       </pc:sldChg>
-      <pc:sldChg chg="addSp delSp modSp add mod">
-        <pc:chgData name="之皓 辜" userId="7e541bd579ed2d47" providerId="LiveId" clId="{79DF058E-2E0C-4722-BE4F-4C1F25848637}" dt="2022-05-04T01:34:25.050" v="2101" actId="20577"/>
+      <pc:sldChg chg="addSp delSp modSp add mod modNotesTx">
+        <pc:chgData name="之皓 辜" userId="7e541bd579ed2d47" providerId="LiveId" clId="{79DF058E-2E0C-4722-BE4F-4C1F25848637}" dt="2022-05-04T02:17:24.375" v="5835" actId="20577"/>
         <pc:sldMkLst>
           <pc:docMk/>
           <pc:sldMk cId="140723287" sldId="275"/>
         </pc:sldMkLst>
         <pc:spChg chg="mod">
-          <ac:chgData name="之皓 辜" userId="7e541bd579ed2d47" providerId="LiveId" clId="{79DF058E-2E0C-4722-BE4F-4C1F25848637}" dt="2022-05-04T01:34:25.050" v="2101" actId="20577"/>
+          <ac:chgData name="之皓 辜" userId="7e541bd579ed2d47" providerId="LiveId" clId="{79DF058E-2E0C-4722-BE4F-4C1F25848637}" dt="2022-05-04T01:58:53.496" v="3902" actId="20577"/>
           <ac:spMkLst>
             <pc:docMk/>
             <pc:sldMk cId="140723287" sldId="275"/>
@@ -1332,6 +1348,10 @@
           <a:bodyPr/>
           <a:lstStyle/>
           <a:p>
+            <a:r>
+              <a:rPr lang="en-US" altLang="zh-CN" dirty="0"/>
+              <a:t>Another trend is the decreasing pattern during 2008 to 2012. lots of states experienced income decreasing, and we assume this is due to the global financial crisis.</a:t>
+            </a:r>
             <a:endParaRPr lang="zh-CN" altLang="en-US" dirty="0"/>
           </a:p>
         </p:txBody>
@@ -1353,7 +1373,7 @@
           <a:p>
             <a:fld id="{474EE073-2A52-430B-BC8F-0C3B3CF099B4}" type="slidenum">
               <a:rPr lang="zh-CN" altLang="en-US" smtClean="0"/>
-              <a:t>12</a:t>
+              <a:t>11</a:t>
             </a:fld>
             <a:endParaRPr lang="zh-CN" altLang="en-US"/>
           </a:p>
@@ -1362,7 +1382,7 @@
     </p:spTree>
     <p:extLst>
       <p:ext uri="{BB962C8B-B14F-4D97-AF65-F5344CB8AC3E}">
-        <p14:creationId xmlns:p14="http://schemas.microsoft.com/office/powerpoint/2010/main" val="3208397328"/>
+        <p14:creationId xmlns:p14="http://schemas.microsoft.com/office/powerpoint/2010/main" val="2534857603"/>
       </p:ext>
     </p:extLst>
   </p:cSld>
@@ -1418,7 +1438,37 @@
           <a:p>
             <a:r>
               <a:rPr lang="en-US" altLang="zh-CN" dirty="0"/>
-              <a:t>At the end, we also make a simple portal website to organize all the plots. It includes all directory information about the analysis documents and charts.</a:t>
+              <a:t>And we try to figure out if something is related to this pattern.</a:t>
+            </a:r>
+          </a:p>
+          <a:p>
+            <a:endParaRPr lang="en-US" altLang="zh-CN" dirty="0"/>
+          </a:p>
+          <a:p>
+            <a:r>
+              <a:rPr lang="en-US" altLang="zh-CN" dirty="0"/>
+              <a:t>We exam the employment status for this two states. We can see the Sale and Office category also drops among these years. </a:t>
+            </a:r>
+          </a:p>
+          <a:p>
+            <a:r>
+              <a:rPr lang="en-US" altLang="zh-CN" dirty="0"/>
+              <a:t>But we do not know  the downward economy leads to less sales jobs or the less sales jobs leads to a lower income.</a:t>
+            </a:r>
+          </a:p>
+          <a:p>
+            <a:endParaRPr lang="en-US" altLang="zh-CN" dirty="0"/>
+          </a:p>
+          <a:p>
+            <a:r>
+              <a:rPr lang="en-US" altLang="zh-CN" dirty="0"/>
+              <a:t>And if we see the graph more carefully, then we can see the income in Nevada keep dropping until 2013 while the sales occupation began to increase from 2011.</a:t>
+            </a:r>
+          </a:p>
+          <a:p>
+            <a:r>
+              <a:rPr lang="en-US" altLang="zh-CN" dirty="0"/>
+              <a:t>So, it is really hard to tell the relations between data.</a:t>
             </a:r>
             <a:endParaRPr lang="zh-CN" altLang="en-US" dirty="0"/>
           </a:p>
@@ -1441,7 +1491,7 @@
           <a:p>
             <a:fld id="{474EE073-2A52-430B-BC8F-0C3B3CF099B4}" type="slidenum">
               <a:rPr lang="zh-CN" altLang="en-US" smtClean="0"/>
-              <a:t>13</a:t>
+              <a:t>12</a:t>
             </a:fld>
             <a:endParaRPr lang="zh-CN" altLang="en-US"/>
           </a:p>
@@ -1450,7 +1500,7 @@
     </p:spTree>
     <p:extLst>
       <p:ext uri="{BB962C8B-B14F-4D97-AF65-F5344CB8AC3E}">
-        <p14:creationId xmlns:p14="http://schemas.microsoft.com/office/powerpoint/2010/main" val="948858994"/>
+        <p14:creationId xmlns:p14="http://schemas.microsoft.com/office/powerpoint/2010/main" val="3208397328"/>
       </p:ext>
     </p:extLst>
   </p:cSld>
@@ -1504,6 +1554,122 @@
           <a:bodyPr/>
           <a:lstStyle/>
           <a:p>
+            <a:endParaRPr lang="en-US" altLang="zh-CN" dirty="0"/>
+          </a:p>
+          <a:p>
+            <a:endParaRPr lang="en-US" altLang="zh-CN" dirty="0"/>
+          </a:p>
+          <a:p>
+            <a:r>
+              <a:rPr lang="en-US" altLang="zh-CN" dirty="0"/>
+              <a:t>At the end, because we made quite a lot of charts, we also make a simple portal website to organize all the plots.</a:t>
+            </a:r>
+          </a:p>
+          <a:p>
+            <a:endParaRPr lang="en-US" altLang="zh-CN" dirty="0"/>
+          </a:p>
+          <a:p>
+            <a:r>
+              <a:rPr lang="en-US" altLang="zh-CN" dirty="0"/>
+              <a:t> It includes all directory information about the analysis documents and charts about each category.</a:t>
+            </a:r>
+          </a:p>
+          <a:p>
+            <a:endParaRPr lang="en-US" altLang="zh-CN" dirty="0"/>
+          </a:p>
+          <a:p>
+            <a:r>
+              <a:rPr lang="en-US" altLang="zh-CN" dirty="0"/>
+              <a:t>It can be found in the git repo.</a:t>
+            </a:r>
+            <a:endParaRPr lang="zh-CN" altLang="en-US" dirty="0"/>
+          </a:p>
+        </p:txBody>
+      </p:sp>
+      <p:sp>
+        <p:nvSpPr>
+          <p:cNvPr id="4" name="灯片编号占位符 3"/>
+          <p:cNvSpPr>
+            <a:spLocks noGrp="1"/>
+          </p:cNvSpPr>
+          <p:nvPr>
+            <p:ph type="sldNum" sz="quarter" idx="5"/>
+          </p:nvPr>
+        </p:nvSpPr>
+        <p:spPr/>
+        <p:txBody>
+          <a:bodyPr/>
+          <a:lstStyle/>
+          <a:p>
+            <a:fld id="{474EE073-2A52-430B-BC8F-0C3B3CF099B4}" type="slidenum">
+              <a:rPr lang="zh-CN" altLang="en-US" smtClean="0"/>
+              <a:t>13</a:t>
+            </a:fld>
+            <a:endParaRPr lang="zh-CN" altLang="en-US"/>
+          </a:p>
+        </p:txBody>
+      </p:sp>
+    </p:spTree>
+    <p:extLst>
+      <p:ext uri="{BB962C8B-B14F-4D97-AF65-F5344CB8AC3E}">
+        <p14:creationId xmlns:p14="http://schemas.microsoft.com/office/powerpoint/2010/main" val="948858994"/>
+      </p:ext>
+    </p:extLst>
+  </p:cSld>
+  <p:clrMapOvr>
+    <a:masterClrMapping/>
+  </p:clrMapOvr>
+</p:notes>
+</file>
+
+<file path=ppt/notesSlides/notesSlide13.xml><?xml version="1.0" encoding="utf-8"?>
+<p:notes xmlns:a="http://schemas.openxmlformats.org/drawingml/2006/main" xmlns:r="http://schemas.openxmlformats.org/officeDocument/2006/relationships" xmlns:p="http://schemas.openxmlformats.org/presentationml/2006/main">
+  <p:cSld>
+    <p:spTree>
+      <p:nvGrpSpPr>
+        <p:cNvPr id="1" name=""/>
+        <p:cNvGrpSpPr/>
+        <p:nvPr/>
+      </p:nvGrpSpPr>
+      <p:grpSpPr>
+        <a:xfrm>
+          <a:off x="0" y="0"/>
+          <a:ext cx="0" cy="0"/>
+          <a:chOff x="0" y="0"/>
+          <a:chExt cx="0" cy="0"/>
+        </a:xfrm>
+      </p:grpSpPr>
+      <p:sp>
+        <p:nvSpPr>
+          <p:cNvPr id="2" name="幻灯片图像占位符 1"/>
+          <p:cNvSpPr>
+            <a:spLocks noGrp="1" noRot="1" noChangeAspect="1"/>
+          </p:cNvSpPr>
+          <p:nvPr>
+            <p:ph type="sldImg"/>
+          </p:nvPr>
+        </p:nvSpPr>
+        <p:spPr/>
+      </p:sp>
+      <p:sp>
+        <p:nvSpPr>
+          <p:cNvPr id="3" name="备注占位符 2"/>
+          <p:cNvSpPr>
+            <a:spLocks noGrp="1"/>
+          </p:cNvSpPr>
+          <p:nvPr>
+            <p:ph type="body" idx="1"/>
+          </p:nvPr>
+        </p:nvSpPr>
+        <p:spPr/>
+        <p:txBody>
+          <a:bodyPr/>
+          <a:lstStyle/>
+          <a:p>
+            <a:r>
+              <a:rPr lang="en-US" altLang="zh-CN" dirty="0"/>
+              <a:t>As mentioned before, the challenges and limitations are mostly about to analyze the data because there are too many features to analyze and some features changes too rapidly.</a:t>
+            </a:r>
             <a:endParaRPr lang="zh-CN" altLang="en-US" dirty="0"/>
           </a:p>
         </p:txBody>
@@ -1544,7 +1710,7 @@
 </p:notes>
 </file>
 
-<file path=ppt/notesSlides/notesSlide13.xml><?xml version="1.0" encoding="utf-8"?>
+<file path=ppt/notesSlides/notesSlide14.xml><?xml version="1.0" encoding="utf-8"?>
 <p:notes xmlns:a="http://schemas.openxmlformats.org/drawingml/2006/main" xmlns:r="http://schemas.openxmlformats.org/officeDocument/2006/relationships" xmlns:p="http://schemas.openxmlformats.org/presentationml/2006/main">
   <p:cSld>
     <p:spTree>
@@ -1909,15 +2075,7 @@
           <a:p>
             <a:r>
               <a:rPr lang="en-US" altLang="zh-CN" dirty="0"/>
-              <a:t>We use </a:t>
-            </a:r>
-            <a:r>
-              <a:rPr lang="en-US" altLang="zh-CN" dirty="0" err="1"/>
-              <a:t>pyecharts</a:t>
-            </a:r>
-            <a:r>
-              <a:rPr lang="en-US" altLang="zh-CN" dirty="0"/>
-              <a:t> to generate visualization.</a:t>
+              <a:t>We use pyecharts to generate visualization.</a:t>
             </a:r>
           </a:p>
           <a:p>
@@ -2092,13 +2250,9 @@
           <a:p>
             <a:r>
               <a:rPr lang="en-US" altLang="zh-CN" dirty="0"/>
-              <a:t>The third type is showing data on the map using heatmap, to </a:t>
-            </a:r>
-            <a:r>
-              <a:rPr lang="en-US" altLang="zh-CN"/>
-              <a:t>a give </a:t>
-            </a:r>
-            <a:endParaRPr lang="zh-CN" altLang="en-US"/>
+              <a:t>The third type is showing data on the map using heatmap combining with Pie chart, to a give a straightforward look how the data distributed among the country.</a:t>
+            </a:r>
+            <a:endParaRPr lang="zh-CN" altLang="en-US" dirty="0"/>
           </a:p>
         </p:txBody>
       </p:sp>
@@ -2182,6 +2336,28 @@
           <a:bodyPr/>
           <a:lstStyle/>
           <a:p>
+            <a:r>
+              <a:rPr lang="en-US" altLang="zh-CN" dirty="0"/>
+              <a:t>For analysis part, We try to find if there is a special trends that how data changes among years.</a:t>
+            </a:r>
+          </a:p>
+          <a:p>
+            <a:endParaRPr lang="en-US" altLang="zh-CN" dirty="0"/>
+          </a:p>
+          <a:p>
+            <a:r>
+              <a:rPr lang="en-US" altLang="zh-CN" dirty="0"/>
+              <a:t>Focus on population, gender, age, income, employment and education</a:t>
+            </a:r>
+          </a:p>
+          <a:p>
+            <a:endParaRPr lang="en-US" altLang="zh-CN" dirty="0"/>
+          </a:p>
+          <a:p>
+            <a:r>
+              <a:rPr lang="en-US" altLang="zh-CN" dirty="0"/>
+              <a:t>On the right side is the average age information and we can see the average age in US gradually increase from 2005 to 2019. And we can also see the average age in MA matches with this trend, represented by green line.</a:t>
+            </a:r>
             <a:endParaRPr lang="zh-CN" altLang="en-US" dirty="0"/>
           </a:p>
         </p:txBody>
@@ -2203,7 +2379,7 @@
           <a:p>
             <a:fld id="{474EE073-2A52-430B-BC8F-0C3B3CF099B4}" type="slidenum">
               <a:rPr lang="zh-CN" altLang="en-US" smtClean="0"/>
-              <a:t>8</a:t>
+              <a:t>7</a:t>
             </a:fld>
             <a:endParaRPr lang="zh-CN" altLang="en-US"/>
           </a:p>
@@ -2212,7 +2388,7 @@
     </p:spTree>
     <p:extLst>
       <p:ext uri="{BB962C8B-B14F-4D97-AF65-F5344CB8AC3E}">
-        <p14:creationId xmlns:p14="http://schemas.microsoft.com/office/powerpoint/2010/main" val="858814693"/>
+        <p14:creationId xmlns:p14="http://schemas.microsoft.com/office/powerpoint/2010/main" val="134493714"/>
       </p:ext>
     </p:extLst>
   </p:cSld>
@@ -2266,6 +2442,89 @@
           <a:bodyPr/>
           <a:lstStyle/>
           <a:p>
+            <a:r>
+              <a:rPr lang="en-US" altLang="zh-CN" dirty="0"/>
+              <a:t>Here, </a:t>
+            </a:r>
+            <a:r>
+              <a:rPr lang="en-US" altLang="zh-CN" b="1" dirty="0"/>
+              <a:t>we give a more specific example </a:t>
+            </a:r>
+            <a:r>
+              <a:rPr lang="en-US" altLang="zh-CN" dirty="0"/>
+              <a:t>of income among the country.</a:t>
+            </a:r>
+          </a:p>
+          <a:p>
+            <a:endParaRPr lang="en-US" altLang="zh-CN" dirty="0"/>
+          </a:p>
+          <a:p>
+            <a:endParaRPr lang="en-US" altLang="zh-CN" dirty="0"/>
+          </a:p>
+          <a:p>
+            <a:pPr marL="0" marR="0" lvl="0" indent="0" algn="l" defTabSz="914400" rtl="0" eaLnBrk="1" fontAlgn="auto" latinLnBrk="0" hangingPunct="1">
+              <a:lnSpc>
+                <a:spcPct val="100000"/>
+              </a:lnSpc>
+              <a:spcBef>
+                <a:spcPts val="0"/>
+              </a:spcBef>
+              <a:spcAft>
+                <a:spcPts val="0"/>
+              </a:spcAft>
+              <a:buClrTx/>
+              <a:buSzTx/>
+              <a:buFontTx/>
+              <a:buNone/>
+              <a:tabLst/>
+              <a:defRPr/>
+            </a:pPr>
+            <a:r>
+              <a:rPr lang="en-US" altLang="zh-CN" dirty="0"/>
+              <a:t>Income Increasing from 2006 to 2012; Decreasing from 2012 to 2014; and then Increasing again from 2016 to 2018</a:t>
+            </a:r>
+          </a:p>
+          <a:p>
+            <a:pPr marL="0" marR="0" lvl="0" indent="0" algn="l" defTabSz="914400" rtl="0" eaLnBrk="1" fontAlgn="auto" latinLnBrk="0" hangingPunct="1">
+              <a:lnSpc>
+                <a:spcPct val="100000"/>
+              </a:lnSpc>
+              <a:spcBef>
+                <a:spcPts val="0"/>
+              </a:spcBef>
+              <a:spcAft>
+                <a:spcPts val="0"/>
+              </a:spcAft>
+              <a:buClrTx/>
+              <a:buSzTx/>
+              <a:buFontTx/>
+              <a:buNone/>
+              <a:tabLst/>
+              <a:defRPr/>
+            </a:pPr>
+            <a:endParaRPr lang="en-US" altLang="zh-CN" dirty="0"/>
+          </a:p>
+          <a:p>
+            <a:pPr marL="0" marR="0" lvl="0" indent="0" algn="l" defTabSz="914400" rtl="0" eaLnBrk="1" fontAlgn="auto" latinLnBrk="0" hangingPunct="1">
+              <a:lnSpc>
+                <a:spcPct val="100000"/>
+              </a:lnSpc>
+              <a:spcBef>
+                <a:spcPts val="0"/>
+              </a:spcBef>
+              <a:spcAft>
+                <a:spcPts val="0"/>
+              </a:spcAft>
+              <a:buClrTx/>
+              <a:buSzTx/>
+              <a:buFontTx/>
+              <a:buNone/>
+              <a:tabLst/>
+              <a:defRPr/>
+            </a:pPr>
+            <a:endParaRPr lang="en-US" altLang="zh-CN" dirty="0"/>
+          </a:p>
+          <a:p>
             <a:endParaRPr lang="zh-CN" altLang="en-US" dirty="0"/>
           </a:p>
         </p:txBody>
@@ -2287,7 +2546,7 @@
           <a:p>
             <a:fld id="{474EE073-2A52-430B-BC8F-0C3B3CF099B4}" type="slidenum">
               <a:rPr lang="zh-CN" altLang="en-US" smtClean="0"/>
-              <a:t>9</a:t>
+              <a:t>8</a:t>
             </a:fld>
             <a:endParaRPr lang="zh-CN" altLang="en-US"/>
           </a:p>
@@ -2296,7 +2555,7 @@
     </p:spTree>
     <p:extLst>
       <p:ext uri="{BB962C8B-B14F-4D97-AF65-F5344CB8AC3E}">
-        <p14:creationId xmlns:p14="http://schemas.microsoft.com/office/powerpoint/2010/main" val="2758162806"/>
+        <p14:creationId xmlns:p14="http://schemas.microsoft.com/office/powerpoint/2010/main" val="858814693"/>
       </p:ext>
     </p:extLst>
   </p:cSld>
@@ -2350,6 +2609,10 @@
           <a:bodyPr/>
           <a:lstStyle/>
           <a:p>
+            <a:r>
+              <a:rPr lang="en-US" altLang="zh-CN" dirty="0"/>
+              <a:t>For some states such Florida, California, the income gradually increases among these years with some fluctuation.</a:t>
+            </a:r>
             <a:endParaRPr lang="zh-CN" altLang="en-US" dirty="0"/>
           </a:p>
         </p:txBody>
@@ -2371,7 +2634,7 @@
           <a:p>
             <a:fld id="{474EE073-2A52-430B-BC8F-0C3B3CF099B4}" type="slidenum">
               <a:rPr lang="zh-CN" altLang="en-US" smtClean="0"/>
-              <a:t>10</a:t>
+              <a:t>9</a:t>
             </a:fld>
             <a:endParaRPr lang="zh-CN" altLang="en-US"/>
           </a:p>
@@ -2380,7 +2643,7 @@
     </p:spTree>
     <p:extLst>
       <p:ext uri="{BB962C8B-B14F-4D97-AF65-F5344CB8AC3E}">
-        <p14:creationId xmlns:p14="http://schemas.microsoft.com/office/powerpoint/2010/main" val="4023892066"/>
+        <p14:creationId xmlns:p14="http://schemas.microsoft.com/office/powerpoint/2010/main" val="2758162806"/>
       </p:ext>
     </p:extLst>
   </p:cSld>
@@ -2434,7 +2697,10 @@
           <a:bodyPr/>
           <a:lstStyle/>
           <a:p>
-            <a:endParaRPr lang="zh-CN" altLang="en-US" dirty="0"/>
+            <a:r>
+              <a:rPr lang="en-US" altLang="zh-CN" dirty="0"/>
+              <a:t>And if we look at the previous heatmap about population, these states have high population corelated to the increasing income pattern.</a:t>
+            </a:r>
           </a:p>
         </p:txBody>
       </p:sp>
@@ -2455,7 +2721,7 @@
           <a:p>
             <a:fld id="{474EE073-2A52-430B-BC8F-0C3B3CF099B4}" type="slidenum">
               <a:rPr lang="zh-CN" altLang="en-US" smtClean="0"/>
-              <a:t>11</a:t>
+              <a:t>10</a:t>
             </a:fld>
             <a:endParaRPr lang="zh-CN" altLang="en-US"/>
           </a:p>
@@ -2464,7 +2730,7 @@
     </p:spTree>
     <p:extLst>
       <p:ext uri="{BB962C8B-B14F-4D97-AF65-F5344CB8AC3E}">
-        <p14:creationId xmlns:p14="http://schemas.microsoft.com/office/powerpoint/2010/main" val="2534857603"/>
+        <p14:creationId xmlns:p14="http://schemas.microsoft.com/office/powerpoint/2010/main" val="4023892066"/>
       </p:ext>
     </p:extLst>
   </p:cSld>
@@ -5805,12 +6071,51 @@
           </a:p>
         </p:txBody>
       </p:sp>
+      <p:sp>
+        <p:nvSpPr>
+          <p:cNvPr id="11" name="内容占位符 2">
+            <a:extLst>
+              <a:ext uri="{FF2B5EF4-FFF2-40B4-BE49-F238E27FC236}">
+                <a16:creationId xmlns:a16="http://schemas.microsoft.com/office/drawing/2014/main" id="{230F050E-3DE5-6059-ACC6-DF98E002E229}"/>
+              </a:ext>
+            </a:extLst>
+          </p:cNvPr>
+          <p:cNvSpPr>
+            <a:spLocks noGrp="1"/>
+          </p:cNvSpPr>
+          <p:nvPr>
+            <p:ph idx="1"/>
+          </p:nvPr>
+        </p:nvSpPr>
+        <p:spPr>
+          <a:xfrm>
+            <a:off x="838200" y="1999487"/>
+            <a:ext cx="2502408" cy="4177475"/>
+          </a:xfrm>
+        </p:spPr>
+        <p:txBody>
+          <a:bodyPr/>
+          <a:lstStyle/>
+          <a:p>
+            <a:r>
+              <a:rPr lang="en-US" altLang="zh-CN" dirty="0"/>
+              <a:t>Increasing pattern for MA, CA, CT, FL, MI, NJ, NY, PA, TX.</a:t>
+            </a:r>
+          </a:p>
+          <a:p>
+            <a:endParaRPr lang="en-US" altLang="zh-CN" dirty="0"/>
+          </a:p>
+          <a:p>
+            <a:endParaRPr lang="zh-CN" altLang="en-US" dirty="0"/>
+          </a:p>
+        </p:txBody>
+      </p:sp>
       <p:pic>
         <p:nvPicPr>
-          <p:cNvPr id="10" name="内容占位符 4" descr="地图&#10;&#10;描述已自动生成">
-            <a:extLst>
-              <a:ext uri="{FF2B5EF4-FFF2-40B4-BE49-F238E27FC236}">
-                <a16:creationId xmlns:a16="http://schemas.microsoft.com/office/drawing/2014/main" id="{4A4EA969-EF5D-3E26-FC28-EAC8AF11F34D}"/>
+          <p:cNvPr id="4" name="图片 3" descr="地图&#10;&#10;描述已自动生成">
+            <a:extLst>
+              <a:ext uri="{FF2B5EF4-FFF2-40B4-BE49-F238E27FC236}">
+                <a16:creationId xmlns:a16="http://schemas.microsoft.com/office/drawing/2014/main" id="{B89F254B-5087-C038-7BC8-97ED756BEA6C}"/>
               </a:ext>
             </a:extLst>
           </p:cNvPr>
@@ -5819,7 +6124,7 @@
           </p:cNvPicPr>
           <p:nvPr/>
         </p:nvPicPr>
-        <p:blipFill rotWithShape="1">
+        <p:blipFill>
           <a:blip r:embed="rId3">
             <a:extLst>
               <a:ext uri="{28A0092B-C50C-407E-A947-70E740481C1C}">
@@ -5827,58 +6132,20 @@
               </a:ext>
             </a:extLst>
           </a:blip>
-          <a:srcRect t="16574" r="35920" b="24454"/>
-          <a:stretch/>
+          <a:stretch>
+            <a:fillRect/>
+          </a:stretch>
         </p:blipFill>
         <p:spPr>
           <a:xfrm>
-            <a:off x="3731112" y="1999487"/>
-            <a:ext cx="8326776" cy="4309872"/>
+            <a:off x="3568754" y="1871061"/>
+            <a:ext cx="8326012" cy="4305901"/>
           </a:xfrm>
           <a:prstGeom prst="rect">
             <a:avLst/>
           </a:prstGeom>
         </p:spPr>
       </p:pic>
-      <p:sp>
-        <p:nvSpPr>
-          <p:cNvPr id="11" name="内容占位符 2">
-            <a:extLst>
-              <a:ext uri="{FF2B5EF4-FFF2-40B4-BE49-F238E27FC236}">
-                <a16:creationId xmlns:a16="http://schemas.microsoft.com/office/drawing/2014/main" id="{230F050E-3DE5-6059-ACC6-DF98E002E229}"/>
-              </a:ext>
-            </a:extLst>
-          </p:cNvPr>
-          <p:cNvSpPr>
-            <a:spLocks noGrp="1"/>
-          </p:cNvSpPr>
-          <p:nvPr>
-            <p:ph idx="1"/>
-          </p:nvPr>
-        </p:nvSpPr>
-        <p:spPr>
-          <a:xfrm>
-            <a:off x="838200" y="1999487"/>
-            <a:ext cx="2502408" cy="4177475"/>
-          </a:xfrm>
-        </p:spPr>
-        <p:txBody>
-          <a:bodyPr/>
-          <a:lstStyle/>
-          <a:p>
-            <a:r>
-              <a:rPr lang="en-US" altLang="zh-CN" dirty="0"/>
-              <a:t>Increasing pattern for MA, CA, CT, FL, MI, NJ, NY, PA, TX.</a:t>
-            </a:r>
-          </a:p>
-          <a:p>
-            <a:endParaRPr lang="en-US" altLang="zh-CN" dirty="0"/>
-          </a:p>
-          <a:p>
-            <a:endParaRPr lang="zh-CN" altLang="en-US" dirty="0"/>
-          </a:p>
-        </p:txBody>
-      </p:sp>
     </p:spTree>
     <p:extLst>
       <p:ext uri="{BB962C8B-B14F-4D97-AF65-F5344CB8AC3E}">
@@ -5954,14 +6221,19 @@
             <p:ph idx="1"/>
           </p:nvPr>
         </p:nvSpPr>
-        <p:spPr/>
-        <p:txBody>
-          <a:bodyPr/>
-          <a:lstStyle/>
-          <a:p>
-            <a:r>
-              <a:rPr lang="en-US" altLang="zh-CN" dirty="0"/>
-              <a:t>Decreasing pattern around 2008 to 2012  for AZ, CO, CT, MD, NV. </a:t>
+        <p:spPr>
+          <a:xfrm>
+            <a:off x="838200" y="1825625"/>
+            <a:ext cx="10805160" cy="4351338"/>
+          </a:xfrm>
+        </p:spPr>
+        <p:txBody>
+          <a:bodyPr/>
+          <a:lstStyle/>
+          <a:p>
+            <a:r>
+              <a:rPr lang="en-US" altLang="zh-CN" dirty="0"/>
+              <a:t>Decreasing pattern from 2008 to 2012  for AZ, CO, CT, MD, NJ, NV. </a:t>
             </a:r>
           </a:p>
           <a:p>
@@ -5997,8 +6269,8 @@
         </p:blipFill>
         <p:spPr>
           <a:xfrm>
-            <a:off x="608302" y="2636011"/>
-            <a:ext cx="5487698" cy="3542226"/>
+            <a:off x="567386" y="2705010"/>
+            <a:ext cx="5587876" cy="3606889"/>
           </a:xfrm>
           <a:prstGeom prst="rect">
             <a:avLst/>
@@ -6033,8 +6305,8 @@
         </p:blipFill>
         <p:spPr>
           <a:xfrm>
-            <a:off x="6096000" y="2568053"/>
-            <a:ext cx="5801535" cy="3743847"/>
+            <a:off x="6155262" y="2705010"/>
+            <a:ext cx="5589302" cy="3606889"/>
           </a:xfrm>
           <a:prstGeom prst="rect">
             <a:avLst/>
@@ -6128,7 +6400,7 @@
           <a:p>
             <a:r>
               <a:rPr lang="en-US" altLang="zh-CN" dirty="0"/>
-              <a:t>Decreasing pattern around 2008 to 2012  for AZ, CO, CT, MD, NV. </a:t>
+              <a:t>Decreasing pattern around 2008 to 2012  for AZ, CO, CT, MD, NJ, NV. </a:t>
             </a:r>
           </a:p>
           <a:p>
@@ -6606,7 +6878,7 @@
             <a:pPr lvl="1"/>
             <a:r>
               <a:rPr lang="en-US" altLang="zh-CN" dirty="0"/>
-              <a:t>Relations between data is hard to tell.</a:t>
+              <a:t>Relations between data are hard to tell.</a:t>
             </a:r>
           </a:p>
           <a:p>
@@ -8415,7 +8687,7 @@
           <p:nvPr/>
         </p:nvPicPr>
         <p:blipFill rotWithShape="1">
-          <a:blip r:embed="rId2">
+          <a:blip r:embed="rId3">
             <a:extLst>
               <a:ext uri="{28A0092B-C50C-407E-A947-70E740481C1C}">
                 <a14:useLocalDpi xmlns:a14="http://schemas.microsoft.com/office/drawing/2010/main" val="0"/>
@@ -8450,7 +8722,7 @@
           <p:nvPr/>
         </p:nvPicPr>
         <p:blipFill>
-          <a:blip r:embed="rId3">
+          <a:blip r:embed="rId4">
             <a:extLst>
               <a:ext uri="{28A0092B-C50C-407E-A947-70E740481C1C}">
                 <a14:useLocalDpi xmlns:a14="http://schemas.microsoft.com/office/drawing/2010/main" val="0"/>
@@ -8871,10 +9143,10 @@
       </p:sp>
       <p:pic>
         <p:nvPicPr>
-          <p:cNvPr id="7" name="图片 6" descr="图表, 折线图&#10;&#10;描述已自动生成">
-            <a:extLst>
-              <a:ext uri="{FF2B5EF4-FFF2-40B4-BE49-F238E27FC236}">
-                <a16:creationId xmlns:a16="http://schemas.microsoft.com/office/drawing/2014/main" id="{E9AAAC89-7EBF-13C5-C2DE-95887ED682BF}"/>
+          <p:cNvPr id="9" name="图片 8" descr="图表, 折线图&#10;&#10;描述已自动生成">
+            <a:extLst>
+              <a:ext uri="{FF2B5EF4-FFF2-40B4-BE49-F238E27FC236}">
+                <a16:creationId xmlns:a16="http://schemas.microsoft.com/office/drawing/2014/main" id="{7DA65B44-0B71-C048-1C7E-36E02BF5A190}"/>
               </a:ext>
             </a:extLst>
           </p:cNvPr>
@@ -8897,7 +9169,7 @@
         </p:blipFill>
         <p:spPr>
           <a:xfrm>
-            <a:off x="6356350" y="2697163"/>
+            <a:off x="485775" y="2692400"/>
             <a:ext cx="5610225" cy="3619500"/>
           </a:xfrm>
           <a:prstGeom prst="rect">
@@ -8907,10 +9179,10 @@
       </p:pic>
       <p:pic>
         <p:nvPicPr>
-          <p:cNvPr id="9" name="图片 8" descr="图表, 折线图&#10;&#10;描述已自动生成">
-            <a:extLst>
-              <a:ext uri="{FF2B5EF4-FFF2-40B4-BE49-F238E27FC236}">
-                <a16:creationId xmlns:a16="http://schemas.microsoft.com/office/drawing/2014/main" id="{7DA65B44-0B71-C048-1C7E-36E02BF5A190}"/>
+          <p:cNvPr id="5" name="图片 4" descr="图表&#10;&#10;描述已自动生成">
+            <a:extLst>
+              <a:ext uri="{FF2B5EF4-FFF2-40B4-BE49-F238E27FC236}">
+                <a16:creationId xmlns:a16="http://schemas.microsoft.com/office/drawing/2014/main" id="{901FF828-0490-E259-148D-82EEBA0726FA}"/>
               </a:ext>
             </a:extLst>
           </p:cNvPr>
@@ -8920,7 +9192,7 @@
           <p:nvPr/>
         </p:nvPicPr>
         <p:blipFill>
-          <a:blip r:embed="rId3">
+          <a:blip r:embed="rId4">
             <a:extLst>
               <a:ext uri="{28A0092B-C50C-407E-A947-70E740481C1C}">
                 <a14:useLocalDpi xmlns:a14="http://schemas.microsoft.com/office/drawing/2010/main" val="0"/>
@@ -8933,7 +9205,7 @@
         </p:blipFill>
         <p:spPr>
           <a:xfrm>
-            <a:off x="485775" y="2692400"/>
+            <a:off x="6095999" y="2692400"/>
             <a:ext cx="5610225" cy="3619500"/>
           </a:xfrm>
           <a:prstGeom prst="rect">
